--- a/Apache Kafka from Scratch.pptx
+++ b/Apache Kafka from Scratch.pptx
@@ -5,62 +5,63 @@
     <p:sldMasterId id="2147483797" r:id="rId1"/>
   </p:sldMasterIdLst>
   <p:notesMasterIdLst>
-    <p:notesMasterId r:id="rId52"/>
+    <p:notesMasterId r:id="rId53"/>
   </p:notesMasterIdLst>
   <p:handoutMasterIdLst>
-    <p:handoutMasterId r:id="rId53"/>
+    <p:handoutMasterId r:id="rId54"/>
   </p:handoutMasterIdLst>
   <p:sldIdLst>
     <p:sldId id="611" r:id="rId2"/>
     <p:sldId id="612" r:id="rId3"/>
-    <p:sldId id="613" r:id="rId4"/>
-    <p:sldId id="617" r:id="rId5"/>
-    <p:sldId id="607" r:id="rId6"/>
-    <p:sldId id="623" r:id="rId7"/>
-    <p:sldId id="608" r:id="rId8"/>
-    <p:sldId id="574" r:id="rId9"/>
-    <p:sldId id="575" r:id="rId10"/>
-    <p:sldId id="576" r:id="rId11"/>
-    <p:sldId id="619" r:id="rId12"/>
-    <p:sldId id="618" r:id="rId13"/>
-    <p:sldId id="620" r:id="rId14"/>
-    <p:sldId id="621" r:id="rId15"/>
-    <p:sldId id="577" r:id="rId16"/>
-    <p:sldId id="609" r:id="rId17"/>
-    <p:sldId id="578" r:id="rId18"/>
-    <p:sldId id="579" r:id="rId19"/>
-    <p:sldId id="581" r:id="rId20"/>
-    <p:sldId id="582" r:id="rId21"/>
-    <p:sldId id="583" r:id="rId22"/>
-    <p:sldId id="573" r:id="rId23"/>
-    <p:sldId id="584" r:id="rId24"/>
-    <p:sldId id="594" r:id="rId25"/>
-    <p:sldId id="585" r:id="rId26"/>
-    <p:sldId id="586" r:id="rId27"/>
-    <p:sldId id="587" r:id="rId28"/>
-    <p:sldId id="588" r:id="rId29"/>
-    <p:sldId id="589" r:id="rId30"/>
-    <p:sldId id="590" r:id="rId31"/>
-    <p:sldId id="610" r:id="rId32"/>
-    <p:sldId id="591" r:id="rId33"/>
-    <p:sldId id="592" r:id="rId34"/>
-    <p:sldId id="593" r:id="rId35"/>
-    <p:sldId id="595" r:id="rId36"/>
-    <p:sldId id="596" r:id="rId37"/>
-    <p:sldId id="597" r:id="rId38"/>
-    <p:sldId id="598" r:id="rId39"/>
-    <p:sldId id="599" r:id="rId40"/>
-    <p:sldId id="600" r:id="rId41"/>
-    <p:sldId id="601" r:id="rId42"/>
-    <p:sldId id="602" r:id="rId43"/>
-    <p:sldId id="603" r:id="rId44"/>
-    <p:sldId id="604" r:id="rId45"/>
-    <p:sldId id="605" r:id="rId46"/>
-    <p:sldId id="606" r:id="rId47"/>
-    <p:sldId id="622" r:id="rId48"/>
-    <p:sldId id="614" r:id="rId49"/>
-    <p:sldId id="616" r:id="rId50"/>
-    <p:sldId id="615" r:id="rId51"/>
+    <p:sldId id="624" r:id="rId4"/>
+    <p:sldId id="613" r:id="rId5"/>
+    <p:sldId id="617" r:id="rId6"/>
+    <p:sldId id="607" r:id="rId7"/>
+    <p:sldId id="623" r:id="rId8"/>
+    <p:sldId id="608" r:id="rId9"/>
+    <p:sldId id="574" r:id="rId10"/>
+    <p:sldId id="575" r:id="rId11"/>
+    <p:sldId id="576" r:id="rId12"/>
+    <p:sldId id="619" r:id="rId13"/>
+    <p:sldId id="618" r:id="rId14"/>
+    <p:sldId id="620" r:id="rId15"/>
+    <p:sldId id="621" r:id="rId16"/>
+    <p:sldId id="577" r:id="rId17"/>
+    <p:sldId id="609" r:id="rId18"/>
+    <p:sldId id="578" r:id="rId19"/>
+    <p:sldId id="579" r:id="rId20"/>
+    <p:sldId id="581" r:id="rId21"/>
+    <p:sldId id="582" r:id="rId22"/>
+    <p:sldId id="583" r:id="rId23"/>
+    <p:sldId id="573" r:id="rId24"/>
+    <p:sldId id="584" r:id="rId25"/>
+    <p:sldId id="594" r:id="rId26"/>
+    <p:sldId id="585" r:id="rId27"/>
+    <p:sldId id="586" r:id="rId28"/>
+    <p:sldId id="587" r:id="rId29"/>
+    <p:sldId id="588" r:id="rId30"/>
+    <p:sldId id="589" r:id="rId31"/>
+    <p:sldId id="590" r:id="rId32"/>
+    <p:sldId id="610" r:id="rId33"/>
+    <p:sldId id="591" r:id="rId34"/>
+    <p:sldId id="592" r:id="rId35"/>
+    <p:sldId id="593" r:id="rId36"/>
+    <p:sldId id="595" r:id="rId37"/>
+    <p:sldId id="596" r:id="rId38"/>
+    <p:sldId id="597" r:id="rId39"/>
+    <p:sldId id="598" r:id="rId40"/>
+    <p:sldId id="599" r:id="rId41"/>
+    <p:sldId id="600" r:id="rId42"/>
+    <p:sldId id="601" r:id="rId43"/>
+    <p:sldId id="602" r:id="rId44"/>
+    <p:sldId id="603" r:id="rId45"/>
+    <p:sldId id="604" r:id="rId46"/>
+    <p:sldId id="605" r:id="rId47"/>
+    <p:sldId id="606" r:id="rId48"/>
+    <p:sldId id="622" r:id="rId49"/>
+    <p:sldId id="614" r:id="rId50"/>
+    <p:sldId id="616" r:id="rId51"/>
+    <p:sldId id="615" r:id="rId52"/>
   </p:sldIdLst>
   <p:sldSz cx="9144000" cy="5148263"/>
   <p:notesSz cx="6858000" cy="9144000"/>
@@ -862,7 +863,7 @@
             <a:fld id="{C82A3EF7-70D2-6F43-B2CC-06F0F10C8C22}" type="slidenum">
               <a:rPr lang="en-US" smtClean="0"/>
               <a:pPr/>
-              <a:t>16</a:t>
+              <a:t>17</a:t>
             </a:fld>
             <a:endParaRPr lang="en-US" dirty="0"/>
           </a:p>
@@ -1003,7 +1004,7 @@
             <a:fld id="{C82A3EF7-70D2-6F43-B2CC-06F0F10C8C22}" type="slidenum">
               <a:rPr lang="en-US" smtClean="0"/>
               <a:pPr/>
-              <a:t>22</a:t>
+              <a:t>23</a:t>
             </a:fld>
             <a:endParaRPr lang="en-US" dirty="0"/>
           </a:p>
@@ -1210,7 +1211,7 @@
             <a:fld id="{C82A3EF7-70D2-6F43-B2CC-06F0F10C8C22}" type="slidenum">
               <a:rPr lang="en-US" smtClean="0"/>
               <a:pPr/>
-              <a:t>50</a:t>
+              <a:t>51</a:t>
             </a:fld>
             <a:endParaRPr lang="en-US" dirty="0"/>
           </a:p>
@@ -11974,7 +11975,7 @@
           <a:p>
             <a:r>
               <a:rPr lang="en-US" dirty="0" smtClean="0"/>
-              <a:t>Installing Zookeeper</a:t>
+              <a:t>What is Zookeeper NOT?</a:t>
             </a:r>
             <a:endParaRPr lang="en-US" dirty="0"/>
           </a:p>
@@ -11992,295 +11993,67 @@
         </p:nvSpPr>
         <p:spPr/>
         <p:txBody>
-          <a:bodyPr>
-            <a:normAutofit lnSpcReduction="10000"/>
-          </a:bodyPr>
+          <a:bodyPr/>
           <a:lstStyle/>
           <a:p>
             <a:r>
               <a:rPr lang="en-US" dirty="0" smtClean="0"/>
-              <a:t>Unpack the zookeeper-3.4.6.tar.gz distribution</a:t>
-            </a:r>
-          </a:p>
-          <a:p>
-            <a:endParaRPr lang="en-US" dirty="0" smtClean="0"/>
-          </a:p>
-          <a:p>
-            <a:r>
-              <a:rPr lang="en-US" dirty="0" smtClean="0"/>
-              <a:t>Create a configuration file:</a:t>
-            </a:r>
-          </a:p>
-          <a:p>
-            <a:pPr marL="886968" lvl="2" indent="0">
-              <a:buNone/>
-            </a:pPr>
-            <a:r>
-              <a:rPr lang="en-US" b="1" dirty="0">
-                <a:latin typeface="Consolas"/>
-                <a:cs typeface="Consolas"/>
-              </a:rPr>
-              <a:t># </a:t>
-            </a:r>
-            <a:r>
-              <a:rPr lang="en-US" dirty="0">
-                <a:latin typeface="Consolas"/>
-                <a:cs typeface="Consolas"/>
-              </a:rPr>
-              <a:t>cat &gt; </a:t>
-            </a:r>
-            <a:r>
-              <a:rPr lang="en-US" dirty="0" smtClean="0">
-                <a:latin typeface="Consolas"/>
-                <a:cs typeface="Consolas"/>
-              </a:rPr>
-              <a:t>zookeeper-3.4.6/</a:t>
-            </a:r>
-            <a:r>
-              <a:rPr lang="en-US" dirty="0" err="1">
-                <a:latin typeface="Consolas"/>
-                <a:cs typeface="Consolas"/>
-              </a:rPr>
-              <a:t>conf</a:t>
-            </a:r>
-            <a:r>
-              <a:rPr lang="en-US" dirty="0">
-                <a:latin typeface="Consolas"/>
-                <a:cs typeface="Consolas"/>
-              </a:rPr>
-              <a:t>/</a:t>
-            </a:r>
-            <a:r>
-              <a:rPr lang="en-US" dirty="0" err="1">
-                <a:latin typeface="Consolas"/>
-                <a:cs typeface="Consolas"/>
-              </a:rPr>
-              <a:t>zoo.cfg</a:t>
-            </a:r>
-            <a:r>
-              <a:rPr lang="en-US" dirty="0">
-                <a:latin typeface="Consolas"/>
-                <a:cs typeface="Consolas"/>
-              </a:rPr>
-              <a:t> &lt;&lt; EOF</a:t>
-            </a:r>
-            <a:br>
-              <a:rPr lang="en-US" dirty="0">
-                <a:latin typeface="Consolas"/>
-                <a:cs typeface="Consolas"/>
-              </a:rPr>
-            </a:br>
-            <a:r>
-              <a:rPr lang="en-US" b="1" dirty="0">
-                <a:latin typeface="Consolas"/>
-                <a:cs typeface="Consolas"/>
-              </a:rPr>
-              <a:t>&gt; </a:t>
-            </a:r>
-            <a:r>
-              <a:rPr lang="en-US" dirty="0" err="1">
-                <a:latin typeface="Consolas"/>
-                <a:cs typeface="Consolas"/>
-              </a:rPr>
-              <a:t>tickTime</a:t>
-            </a:r>
-            <a:r>
-              <a:rPr lang="en-US" dirty="0">
-                <a:latin typeface="Consolas"/>
-                <a:cs typeface="Consolas"/>
-              </a:rPr>
-              <a:t>=2000</a:t>
-            </a:r>
-            <a:br>
-              <a:rPr lang="en-US" dirty="0">
-                <a:latin typeface="Consolas"/>
-                <a:cs typeface="Consolas"/>
-              </a:rPr>
-            </a:br>
-            <a:r>
-              <a:rPr lang="en-US" b="1" dirty="0">
-                <a:latin typeface="Consolas"/>
-                <a:cs typeface="Consolas"/>
-              </a:rPr>
-              <a:t>&gt; </a:t>
-            </a:r>
-            <a:r>
-              <a:rPr lang="en-US" dirty="0" err="1">
-                <a:latin typeface="Consolas"/>
-                <a:cs typeface="Consolas"/>
-              </a:rPr>
-              <a:t>dataDir</a:t>
-            </a:r>
-            <a:r>
-              <a:rPr lang="en-US" dirty="0" smtClean="0">
-                <a:latin typeface="Consolas"/>
-                <a:cs typeface="Consolas"/>
-              </a:rPr>
-              <a:t>=/</a:t>
-            </a:r>
-            <a:r>
-              <a:rPr lang="en-US" dirty="0" err="1" smtClean="0">
-                <a:latin typeface="Consolas"/>
-                <a:cs typeface="Consolas"/>
-              </a:rPr>
-              <a:t>tmp</a:t>
-            </a:r>
-            <a:r>
-              <a:rPr lang="en-US" dirty="0" smtClean="0">
-                <a:latin typeface="Consolas"/>
-                <a:cs typeface="Consolas"/>
-              </a:rPr>
-              <a:t>/</a:t>
-            </a:r>
-            <a:r>
-              <a:rPr lang="en-US" dirty="0">
-                <a:latin typeface="Consolas"/>
-                <a:cs typeface="Consolas"/>
-              </a:rPr>
-              <a:t>zookeeper</a:t>
-            </a:r>
-            <a:br>
-              <a:rPr lang="en-US" dirty="0">
-                <a:latin typeface="Consolas"/>
-                <a:cs typeface="Consolas"/>
-              </a:rPr>
-            </a:br>
-            <a:r>
-              <a:rPr lang="en-US" b="1" dirty="0">
-                <a:latin typeface="Consolas"/>
-                <a:cs typeface="Consolas"/>
-              </a:rPr>
-              <a:t>&gt; </a:t>
-            </a:r>
-            <a:r>
-              <a:rPr lang="en-US" dirty="0" err="1">
-                <a:latin typeface="Consolas"/>
-                <a:cs typeface="Consolas"/>
-              </a:rPr>
-              <a:t>clientPort</a:t>
-            </a:r>
-            <a:r>
-              <a:rPr lang="en-US" dirty="0">
-                <a:latin typeface="Consolas"/>
-                <a:cs typeface="Consolas"/>
-              </a:rPr>
-              <a:t>=2181</a:t>
-            </a:r>
-            <a:br>
-              <a:rPr lang="en-US" dirty="0">
-                <a:latin typeface="Consolas"/>
-                <a:cs typeface="Consolas"/>
-              </a:rPr>
-            </a:br>
-            <a:r>
-              <a:rPr lang="en-US" b="1" dirty="0">
-                <a:latin typeface="Consolas"/>
-                <a:cs typeface="Consolas"/>
-              </a:rPr>
-              <a:t>&gt; </a:t>
-            </a:r>
-            <a:r>
-              <a:rPr lang="en-US" dirty="0" smtClean="0">
-                <a:latin typeface="Consolas"/>
-                <a:cs typeface="Consolas"/>
-              </a:rPr>
-              <a:t>EOF</a:t>
-            </a:r>
-          </a:p>
-          <a:p>
-            <a:endParaRPr lang="en-US" dirty="0" smtClean="0">
-              <a:latin typeface="+mn-lt"/>
-              <a:cs typeface="Consolas"/>
-            </a:endParaRPr>
-          </a:p>
-          <a:p>
-            <a:r>
-              <a:rPr lang="en-US" dirty="0" smtClean="0">
-                <a:latin typeface="+mn-lt"/>
-                <a:cs typeface="Consolas"/>
-              </a:rPr>
-              <a:t>Create the /</a:t>
-            </a:r>
-            <a:r>
-              <a:rPr lang="en-US" dirty="0" err="1" smtClean="0">
-                <a:latin typeface="+mn-lt"/>
-                <a:cs typeface="Consolas"/>
-              </a:rPr>
-              <a:t>tmp</a:t>
-            </a:r>
-            <a:r>
-              <a:rPr lang="en-US" dirty="0" smtClean="0">
-                <a:latin typeface="+mn-lt"/>
-                <a:cs typeface="Consolas"/>
-              </a:rPr>
-              <a:t>/zookeeper directory</a:t>
-            </a:r>
-          </a:p>
-          <a:p>
-            <a:endParaRPr lang="en-US" dirty="0" smtClean="0">
-              <a:latin typeface="+mn-lt"/>
-              <a:cs typeface="Consolas"/>
-            </a:endParaRPr>
-          </a:p>
-          <a:p>
-            <a:r>
-              <a:rPr lang="en-US" dirty="0" smtClean="0">
-                <a:latin typeface="+mn-lt"/>
-                <a:cs typeface="Consolas"/>
-              </a:rPr>
-              <a:t>Start Zookeeper:</a:t>
-            </a:r>
-          </a:p>
-          <a:p>
-            <a:pPr marL="886968" lvl="2" indent="0">
-              <a:buNone/>
-            </a:pPr>
-            <a:r>
-              <a:rPr lang="en-US" dirty="0">
-                <a:latin typeface="Consolas"/>
-                <a:cs typeface="Consolas"/>
-              </a:rPr>
-              <a:t>z</a:t>
-            </a:r>
-            <a:r>
-              <a:rPr lang="en-US" dirty="0" smtClean="0">
-                <a:latin typeface="Consolas"/>
-                <a:cs typeface="Consolas"/>
-              </a:rPr>
-              <a:t>ookeeper-3.4.6/</a:t>
-            </a:r>
-            <a:r>
-              <a:rPr lang="en-US" dirty="0">
-                <a:latin typeface="Consolas"/>
-                <a:cs typeface="Consolas"/>
-              </a:rPr>
-              <a:t>bin/</a:t>
-            </a:r>
-            <a:r>
-              <a:rPr lang="en-US" dirty="0" err="1">
-                <a:latin typeface="Consolas"/>
-                <a:cs typeface="Consolas"/>
-              </a:rPr>
-              <a:t>zkServer.sh</a:t>
-            </a:r>
-            <a:r>
-              <a:rPr lang="en-US" dirty="0">
-                <a:latin typeface="Consolas"/>
-                <a:cs typeface="Consolas"/>
-              </a:rPr>
-              <a:t> </a:t>
-            </a:r>
-            <a:r>
-              <a:rPr lang="en-US" dirty="0" smtClean="0">
-                <a:latin typeface="Consolas"/>
-                <a:cs typeface="Consolas"/>
-              </a:rPr>
-              <a:t>start</a:t>
-            </a:r>
-            <a:endParaRPr lang="en-US" dirty="0">
-              <a:latin typeface="Consolas"/>
-              <a:cs typeface="Consolas"/>
-            </a:endParaRPr>
+              <a:t>Queue</a:t>
+            </a:r>
+          </a:p>
+          <a:p>
+            <a:pPr lvl="1"/>
+            <a:r>
+              <a:rPr lang="en-US" dirty="0" smtClean="0"/>
+              <a:t>Yes, some people say you can do this</a:t>
+            </a:r>
+          </a:p>
+          <a:p>
+            <a:pPr lvl="1"/>
+            <a:r>
+              <a:rPr lang="en-US" dirty="0" smtClean="0"/>
+              <a:t>Not tuned for this kind of use, and it can overwhelm ZK</a:t>
+            </a:r>
+          </a:p>
+          <a:p>
+            <a:endParaRPr lang="en-US" dirty="0"/>
+          </a:p>
+          <a:p>
+            <a:r>
+              <a:rPr lang="en-US" dirty="0" smtClean="0"/>
+              <a:t>Logging Service</a:t>
+            </a:r>
+          </a:p>
+          <a:p>
+            <a:pPr lvl="1"/>
+            <a:r>
+              <a:rPr lang="en-US" dirty="0" smtClean="0"/>
+              <a:t>Sequential nodes are provided as part of Zookeeper</a:t>
+            </a:r>
+          </a:p>
+          <a:p>
+            <a:pPr lvl="1"/>
+            <a:r>
+              <a:rPr lang="en-US" dirty="0" smtClean="0"/>
+              <a:t>Storing large amounts of data is not recommended</a:t>
+            </a:r>
+          </a:p>
+          <a:p>
+            <a:endParaRPr lang="en-US" dirty="0"/>
+          </a:p>
+          <a:p>
+            <a:r>
+              <a:rPr lang="en-US" dirty="0" smtClean="0"/>
+              <a:t>Large Data Store</a:t>
+            </a:r>
+          </a:p>
+          <a:p>
+            <a:pPr lvl="1"/>
+            <a:r>
+              <a:rPr lang="en-US" dirty="0" smtClean="0"/>
+              <a:t>Zookeeper nodes have a size limit (default 1 MB)</a:t>
+            </a:r>
+            <a:endParaRPr lang="en-US" dirty="0"/>
           </a:p>
         </p:txBody>
       </p:sp>
@@ -12311,13 +12084,20 @@
     </p:spTree>
     <p:extLst>
       <p:ext uri="{BB962C8B-B14F-4D97-AF65-F5344CB8AC3E}">
-        <p14:creationId xmlns:p14="http://schemas.microsoft.com/office/powerpoint/2010/main" val="1874429487"/>
+        <p14:creationId xmlns:p14="http://schemas.microsoft.com/office/powerpoint/2010/main" val="3661735509"/>
       </p:ext>
     </p:extLst>
   </p:cSld>
   <p:clrMapOvr>
     <a:masterClrMapping/>
   </p:clrMapOvr>
+  <p:timing>
+    <p:tnLst>
+      <p:par>
+        <p:cTn xmlns:p14="http://schemas.microsoft.com/office/powerpoint/2010/main" id="1" dur="indefinite" restart="never" nodeType="tmRoot"/>
+      </p:par>
+    </p:tnLst>
+  </p:timing>
 </p:sld>
 </file>
 
@@ -12355,7 +12135,7 @@
           <a:p>
             <a:r>
               <a:rPr lang="en-US" dirty="0" smtClean="0"/>
-              <a:t>Four Letter Words</a:t>
+              <a:t>Installing Zookeeper</a:t>
             </a:r>
             <a:endParaRPr lang="en-US" dirty="0"/>
           </a:p>
@@ -12373,101 +12153,295 @@
         </p:nvSpPr>
         <p:spPr/>
         <p:txBody>
-          <a:bodyPr/>
+          <a:bodyPr>
+            <a:normAutofit lnSpcReduction="10000"/>
+          </a:bodyPr>
           <a:lstStyle/>
           <a:p>
             <a:r>
               <a:rPr lang="en-US" dirty="0" smtClean="0"/>
-              <a:t>Zookeeper has basic admin functions on the port it is listening to</a:t>
-            </a:r>
-          </a:p>
-          <a:p>
-            <a:pPr lvl="1"/>
-            <a:r>
-              <a:rPr lang="en-US" dirty="0" smtClean="0"/>
-              <a:t>The commands are called “four letter words”</a:t>
-            </a:r>
-          </a:p>
-          <a:p>
-            <a:pPr lvl="1"/>
-            <a:endParaRPr lang="en-US" dirty="0"/>
-          </a:p>
-          <a:p>
-            <a:r>
-              <a:rPr lang="en-US" dirty="0" smtClean="0"/>
-              <a:t>Connect to port 2181 on </a:t>
-            </a:r>
-            <a:r>
-              <a:rPr lang="en-US" dirty="0" err="1" smtClean="0"/>
-              <a:t>localhost</a:t>
-            </a:r>
-            <a:r>
-              <a:rPr lang="en-US" dirty="0" smtClean="0"/>
-              <a:t> and try the following commands:</a:t>
-            </a:r>
-          </a:p>
-          <a:p>
-            <a:pPr lvl="1"/>
-            <a:r>
-              <a:rPr lang="en-US" dirty="0" err="1"/>
-              <a:t>r</a:t>
-            </a:r>
-            <a:r>
-              <a:rPr lang="en-US" dirty="0" err="1" smtClean="0"/>
-              <a:t>uok</a:t>
-            </a:r>
+              <a:t>Unpack the zookeeper-3.4.6.tar.gz distribution</a:t>
+            </a:r>
+          </a:p>
+          <a:p>
             <a:endParaRPr lang="en-US" dirty="0" smtClean="0"/>
           </a:p>
           <a:p>
-            <a:pPr lvl="1"/>
-            <a:r>
-              <a:rPr lang="en-US" dirty="0" err="1"/>
-              <a:t>s</a:t>
-            </a:r>
-            <a:r>
-              <a:rPr lang="en-US" dirty="0" err="1" smtClean="0"/>
-              <a:t>rvr</a:t>
-            </a:r>
-            <a:endParaRPr lang="en-US" dirty="0" smtClean="0"/>
-          </a:p>
-          <a:p>
-            <a:pPr lvl="1"/>
-            <a:r>
-              <a:rPr lang="en-US" dirty="0" err="1"/>
-              <a:t>m</a:t>
-            </a:r>
-            <a:r>
-              <a:rPr lang="en-US" dirty="0" err="1" smtClean="0"/>
-              <a:t>ntr</a:t>
-            </a:r>
-            <a:endParaRPr lang="en-US" dirty="0" smtClean="0"/>
-          </a:p>
-          <a:p>
-            <a:pPr lvl="1"/>
-            <a:r>
-              <a:rPr lang="en-US" dirty="0" err="1"/>
-              <a:t>c</a:t>
-            </a:r>
-            <a:r>
-              <a:rPr lang="en-US" dirty="0" err="1" smtClean="0"/>
-              <a:t>onf</a:t>
-            </a:r>
-            <a:endParaRPr lang="en-US" dirty="0" smtClean="0"/>
-          </a:p>
-          <a:p>
-            <a:pPr lvl="1"/>
-            <a:r>
-              <a:rPr lang="en-US" dirty="0"/>
-              <a:t>c</a:t>
-            </a:r>
-            <a:r>
-              <a:rPr lang="en-US" dirty="0" smtClean="0"/>
-              <a:t>ons</a:t>
-            </a:r>
-          </a:p>
-          <a:p>
-            <a:pPr lvl="1"/>
-            <a:endParaRPr lang="en-US" dirty="0"/>
+            <a:r>
+              <a:rPr lang="en-US" dirty="0" smtClean="0"/>
+              <a:t>Create a configuration file:</a:t>
+            </a:r>
+          </a:p>
+          <a:p>
+            <a:pPr marL="886968" lvl="2" indent="0">
+              <a:buNone/>
+            </a:pPr>
+            <a:r>
+              <a:rPr lang="en-US" b="1" dirty="0">
+                <a:latin typeface="Consolas"/>
+                <a:cs typeface="Consolas"/>
+              </a:rPr>
+              <a:t># </a:t>
+            </a:r>
+            <a:r>
+              <a:rPr lang="en-US" dirty="0">
+                <a:latin typeface="Consolas"/>
+                <a:cs typeface="Consolas"/>
+              </a:rPr>
+              <a:t>cat &gt; </a:t>
+            </a:r>
+            <a:r>
+              <a:rPr lang="en-US" dirty="0" smtClean="0">
+                <a:latin typeface="Consolas"/>
+                <a:cs typeface="Consolas"/>
+              </a:rPr>
+              <a:t>zookeeper-3.4.6/</a:t>
+            </a:r>
+            <a:r>
+              <a:rPr lang="en-US" dirty="0" err="1">
+                <a:latin typeface="Consolas"/>
+                <a:cs typeface="Consolas"/>
+              </a:rPr>
+              <a:t>conf</a:t>
+            </a:r>
+            <a:r>
+              <a:rPr lang="en-US" dirty="0">
+                <a:latin typeface="Consolas"/>
+                <a:cs typeface="Consolas"/>
+              </a:rPr>
+              <a:t>/</a:t>
+            </a:r>
+            <a:r>
+              <a:rPr lang="en-US" dirty="0" err="1">
+                <a:latin typeface="Consolas"/>
+                <a:cs typeface="Consolas"/>
+              </a:rPr>
+              <a:t>zoo.cfg</a:t>
+            </a:r>
+            <a:r>
+              <a:rPr lang="en-US" dirty="0">
+                <a:latin typeface="Consolas"/>
+                <a:cs typeface="Consolas"/>
+              </a:rPr>
+              <a:t> &lt;&lt; EOF</a:t>
+            </a:r>
+            <a:br>
+              <a:rPr lang="en-US" dirty="0">
+                <a:latin typeface="Consolas"/>
+                <a:cs typeface="Consolas"/>
+              </a:rPr>
+            </a:br>
+            <a:r>
+              <a:rPr lang="en-US" b="1" dirty="0">
+                <a:latin typeface="Consolas"/>
+                <a:cs typeface="Consolas"/>
+              </a:rPr>
+              <a:t>&gt; </a:t>
+            </a:r>
+            <a:r>
+              <a:rPr lang="en-US" dirty="0" err="1">
+                <a:latin typeface="Consolas"/>
+                <a:cs typeface="Consolas"/>
+              </a:rPr>
+              <a:t>tickTime</a:t>
+            </a:r>
+            <a:r>
+              <a:rPr lang="en-US" dirty="0">
+                <a:latin typeface="Consolas"/>
+                <a:cs typeface="Consolas"/>
+              </a:rPr>
+              <a:t>=2000</a:t>
+            </a:r>
+            <a:br>
+              <a:rPr lang="en-US" dirty="0">
+                <a:latin typeface="Consolas"/>
+                <a:cs typeface="Consolas"/>
+              </a:rPr>
+            </a:br>
+            <a:r>
+              <a:rPr lang="en-US" b="1" dirty="0">
+                <a:latin typeface="Consolas"/>
+                <a:cs typeface="Consolas"/>
+              </a:rPr>
+              <a:t>&gt; </a:t>
+            </a:r>
+            <a:r>
+              <a:rPr lang="en-US" dirty="0" err="1">
+                <a:latin typeface="Consolas"/>
+                <a:cs typeface="Consolas"/>
+              </a:rPr>
+              <a:t>dataDir</a:t>
+            </a:r>
+            <a:r>
+              <a:rPr lang="en-US" dirty="0" smtClean="0">
+                <a:latin typeface="Consolas"/>
+                <a:cs typeface="Consolas"/>
+              </a:rPr>
+              <a:t>=/</a:t>
+            </a:r>
+            <a:r>
+              <a:rPr lang="en-US" dirty="0" err="1" smtClean="0">
+                <a:latin typeface="Consolas"/>
+                <a:cs typeface="Consolas"/>
+              </a:rPr>
+              <a:t>tmp</a:t>
+            </a:r>
+            <a:r>
+              <a:rPr lang="en-US" dirty="0" smtClean="0">
+                <a:latin typeface="Consolas"/>
+                <a:cs typeface="Consolas"/>
+              </a:rPr>
+              <a:t>/</a:t>
+            </a:r>
+            <a:r>
+              <a:rPr lang="en-US" dirty="0">
+                <a:latin typeface="Consolas"/>
+                <a:cs typeface="Consolas"/>
+              </a:rPr>
+              <a:t>zookeeper</a:t>
+            </a:r>
+            <a:br>
+              <a:rPr lang="en-US" dirty="0">
+                <a:latin typeface="Consolas"/>
+                <a:cs typeface="Consolas"/>
+              </a:rPr>
+            </a:br>
+            <a:r>
+              <a:rPr lang="en-US" b="1" dirty="0">
+                <a:latin typeface="Consolas"/>
+                <a:cs typeface="Consolas"/>
+              </a:rPr>
+              <a:t>&gt; </a:t>
+            </a:r>
+            <a:r>
+              <a:rPr lang="en-US" dirty="0" err="1">
+                <a:latin typeface="Consolas"/>
+                <a:cs typeface="Consolas"/>
+              </a:rPr>
+              <a:t>clientPort</a:t>
+            </a:r>
+            <a:r>
+              <a:rPr lang="en-US" dirty="0">
+                <a:latin typeface="Consolas"/>
+                <a:cs typeface="Consolas"/>
+              </a:rPr>
+              <a:t>=2181</a:t>
+            </a:r>
+            <a:br>
+              <a:rPr lang="en-US" dirty="0">
+                <a:latin typeface="Consolas"/>
+                <a:cs typeface="Consolas"/>
+              </a:rPr>
+            </a:br>
+            <a:r>
+              <a:rPr lang="en-US" b="1" dirty="0">
+                <a:latin typeface="Consolas"/>
+                <a:cs typeface="Consolas"/>
+              </a:rPr>
+              <a:t>&gt; </a:t>
+            </a:r>
+            <a:r>
+              <a:rPr lang="en-US" dirty="0" smtClean="0">
+                <a:latin typeface="Consolas"/>
+                <a:cs typeface="Consolas"/>
+              </a:rPr>
+              <a:t>EOF</a:t>
+            </a:r>
+          </a:p>
+          <a:p>
+            <a:endParaRPr lang="en-US" dirty="0" smtClean="0">
+              <a:latin typeface="+mn-lt"/>
+              <a:cs typeface="Consolas"/>
+            </a:endParaRPr>
+          </a:p>
+          <a:p>
+            <a:r>
+              <a:rPr lang="en-US" dirty="0" smtClean="0">
+                <a:latin typeface="+mn-lt"/>
+                <a:cs typeface="Consolas"/>
+              </a:rPr>
+              <a:t>Create the /</a:t>
+            </a:r>
+            <a:r>
+              <a:rPr lang="en-US" dirty="0" err="1" smtClean="0">
+                <a:latin typeface="+mn-lt"/>
+                <a:cs typeface="Consolas"/>
+              </a:rPr>
+              <a:t>tmp</a:t>
+            </a:r>
+            <a:r>
+              <a:rPr lang="en-US" dirty="0" smtClean="0">
+                <a:latin typeface="+mn-lt"/>
+                <a:cs typeface="Consolas"/>
+              </a:rPr>
+              <a:t>/zookeeper directory</a:t>
+            </a:r>
+          </a:p>
+          <a:p>
+            <a:endParaRPr lang="en-US" dirty="0" smtClean="0">
+              <a:latin typeface="+mn-lt"/>
+              <a:cs typeface="Consolas"/>
+            </a:endParaRPr>
+          </a:p>
+          <a:p>
+            <a:r>
+              <a:rPr lang="en-US" dirty="0" smtClean="0">
+                <a:latin typeface="+mn-lt"/>
+                <a:cs typeface="Consolas"/>
+              </a:rPr>
+              <a:t>Start Zookeeper:</a:t>
+            </a:r>
+          </a:p>
+          <a:p>
+            <a:pPr marL="886968" lvl="2" indent="0">
+              <a:buNone/>
+            </a:pPr>
+            <a:r>
+              <a:rPr lang="en-US" dirty="0">
+                <a:latin typeface="Consolas"/>
+                <a:cs typeface="Consolas"/>
+              </a:rPr>
+              <a:t>z</a:t>
+            </a:r>
+            <a:r>
+              <a:rPr lang="en-US" dirty="0" smtClean="0">
+                <a:latin typeface="Consolas"/>
+                <a:cs typeface="Consolas"/>
+              </a:rPr>
+              <a:t>ookeeper-3.4.6/</a:t>
+            </a:r>
+            <a:r>
+              <a:rPr lang="en-US" dirty="0">
+                <a:latin typeface="Consolas"/>
+                <a:cs typeface="Consolas"/>
+              </a:rPr>
+              <a:t>bin/</a:t>
+            </a:r>
+            <a:r>
+              <a:rPr lang="en-US" dirty="0" err="1">
+                <a:latin typeface="Consolas"/>
+                <a:cs typeface="Consolas"/>
+              </a:rPr>
+              <a:t>zkServer.sh</a:t>
+            </a:r>
+            <a:r>
+              <a:rPr lang="en-US" dirty="0">
+                <a:latin typeface="Consolas"/>
+                <a:cs typeface="Consolas"/>
+              </a:rPr>
+              <a:t> </a:t>
+            </a:r>
+            <a:r>
+              <a:rPr lang="en-US" dirty="0" smtClean="0">
+                <a:latin typeface="Consolas"/>
+                <a:cs typeface="Consolas"/>
+              </a:rPr>
+              <a:t>start</a:t>
+            </a:r>
+            <a:endParaRPr lang="en-US" dirty="0">
+              <a:latin typeface="Consolas"/>
+              <a:cs typeface="Consolas"/>
+            </a:endParaRPr>
           </a:p>
         </p:txBody>
       </p:sp>
@@ -12498,20 +12472,13 @@
     </p:spTree>
     <p:extLst>
       <p:ext uri="{BB962C8B-B14F-4D97-AF65-F5344CB8AC3E}">
-        <p14:creationId xmlns:p14="http://schemas.microsoft.com/office/powerpoint/2010/main" val="1534414557"/>
+        <p14:creationId xmlns:p14="http://schemas.microsoft.com/office/powerpoint/2010/main" val="1874429487"/>
       </p:ext>
     </p:extLst>
   </p:cSld>
   <p:clrMapOvr>
     <a:masterClrMapping/>
   </p:clrMapOvr>
-  <p:timing>
-    <p:tnLst>
-      <p:par>
-        <p:cTn xmlns:p14="http://schemas.microsoft.com/office/powerpoint/2010/main" id="1" dur="indefinite" restart="never" nodeType="tmRoot"/>
-      </p:par>
-    </p:tnLst>
-  </p:timing>
 </p:sld>
 </file>
 
@@ -12549,7 +12516,7 @@
           <a:p>
             <a:r>
               <a:rPr lang="en-US" dirty="0" smtClean="0"/>
-              <a:t>Zookeeper CLI</a:t>
+              <a:t>Four Letter Words</a:t>
             </a:r>
             <a:endParaRPr lang="en-US" dirty="0"/>
           </a:p>
@@ -12572,88 +12539,95 @@
           <a:p>
             <a:r>
               <a:rPr lang="en-US" dirty="0" smtClean="0"/>
-              <a:t>Zookeeper ships with a basic CLI tool for viewing and modifying data</a:t>
-            </a:r>
-          </a:p>
-          <a:p>
+              <a:t>Zookeeper has basic admin functions on the port it is listening to</a:t>
+            </a:r>
+          </a:p>
+          <a:p>
+            <a:pPr lvl="1"/>
+            <a:r>
+              <a:rPr lang="en-US" dirty="0" smtClean="0"/>
+              <a:t>The commands are called “four letter words”</a:t>
+            </a:r>
+          </a:p>
+          <a:p>
+            <a:pPr lvl="1"/>
             <a:endParaRPr lang="en-US" dirty="0"/>
           </a:p>
           <a:p>
             <a:r>
               <a:rPr lang="en-US" dirty="0" smtClean="0"/>
-              <a:t>Run it with the following command:</a:t>
-            </a:r>
-          </a:p>
-          <a:p>
-            <a:pPr marL="457200" lvl="1" indent="0">
-              <a:buNone/>
-            </a:pPr>
-            <a:r>
-              <a:rPr lang="en-US" dirty="0" smtClean="0">
-                <a:latin typeface="Consolas"/>
-                <a:cs typeface="Consolas"/>
-              </a:rPr>
-              <a:t># zookeeper</a:t>
-            </a:r>
-            <a:r>
-              <a:rPr lang="en-US" dirty="0">
-                <a:latin typeface="Consolas"/>
-                <a:cs typeface="Consolas"/>
-              </a:rPr>
-              <a:t>-3.4.6/bin/</a:t>
-            </a:r>
-            <a:r>
-              <a:rPr lang="en-US" dirty="0" err="1">
-                <a:latin typeface="Consolas"/>
-                <a:cs typeface="Consolas"/>
-              </a:rPr>
-              <a:t>zkCli.sh</a:t>
-            </a:r>
-            <a:r>
-              <a:rPr lang="en-US" dirty="0">
-                <a:latin typeface="Consolas"/>
-                <a:cs typeface="Consolas"/>
-              </a:rPr>
-              <a:t> -server localhost:</a:t>
-            </a:r>
-            <a:r>
-              <a:rPr lang="en-US" dirty="0" smtClean="0">
-                <a:latin typeface="Consolas"/>
-                <a:cs typeface="Consolas"/>
-              </a:rPr>
-              <a:t>2181</a:t>
-            </a:r>
-          </a:p>
-          <a:p>
-            <a:pPr marL="457200" lvl="1" indent="0">
-              <a:buNone/>
-            </a:pPr>
-            <a:endParaRPr lang="en-US" dirty="0"/>
-          </a:p>
-          <a:p>
-            <a:pPr indent="-285750"/>
-            <a:r>
-              <a:rPr lang="en-US" dirty="0" smtClean="0"/>
-              <a:t>Through this interface you can inspect the Zookeeper data</a:t>
-            </a:r>
-          </a:p>
-          <a:p>
-            <a:pPr indent="-285750"/>
-            <a:endParaRPr lang="en-US" dirty="0"/>
-          </a:p>
-          <a:p>
-            <a:pPr indent="-285750"/>
-            <a:r>
-              <a:rPr lang="en-US" dirty="0" smtClean="0"/>
-              <a:t>You can also create, modify, and delete data</a:t>
+              <a:t>Connect to port 2181 on </a:t>
+            </a:r>
+            <a:r>
+              <a:rPr lang="en-US" dirty="0" err="1" smtClean="0"/>
+              <a:t>localhost</a:t>
+            </a:r>
+            <a:r>
+              <a:rPr lang="en-US" dirty="0" smtClean="0"/>
+              <a:t> and try the following commands:</a:t>
             </a:r>
           </a:p>
           <a:p>
             <a:pPr lvl="1"/>
             <a:r>
-              <a:rPr lang="en-US" dirty="0" smtClean="0"/>
-              <a:t>This means you can cause a massive amount of damage</a:t>
-            </a:r>
+              <a:rPr lang="en-US" dirty="0" err="1"/>
+              <a:t>r</a:t>
+            </a:r>
+            <a:r>
+              <a:rPr lang="en-US" dirty="0" err="1" smtClean="0"/>
+              <a:t>uok</a:t>
+            </a:r>
+            <a:endParaRPr lang="en-US" dirty="0" smtClean="0"/>
+          </a:p>
+          <a:p>
+            <a:pPr lvl="1"/>
+            <a:r>
+              <a:rPr lang="en-US" dirty="0" err="1"/>
+              <a:t>s</a:t>
+            </a:r>
+            <a:r>
+              <a:rPr lang="en-US" dirty="0" err="1" smtClean="0"/>
+              <a:t>rvr</a:t>
+            </a:r>
+            <a:endParaRPr lang="en-US" dirty="0" smtClean="0"/>
+          </a:p>
+          <a:p>
+            <a:pPr lvl="1"/>
+            <a:r>
+              <a:rPr lang="en-US" dirty="0" err="1"/>
+              <a:t>m</a:t>
+            </a:r>
+            <a:r>
+              <a:rPr lang="en-US" dirty="0" err="1" smtClean="0"/>
+              <a:t>ntr</a:t>
+            </a:r>
+            <a:endParaRPr lang="en-US" dirty="0" smtClean="0"/>
+          </a:p>
+          <a:p>
+            <a:pPr lvl="1"/>
+            <a:r>
+              <a:rPr lang="en-US" dirty="0" err="1"/>
+              <a:t>c</a:t>
+            </a:r>
+            <a:r>
+              <a:rPr lang="en-US" dirty="0" err="1" smtClean="0"/>
+              <a:t>onf</a:t>
+            </a:r>
+            <a:endParaRPr lang="en-US" dirty="0" smtClean="0"/>
+          </a:p>
+          <a:p>
+            <a:pPr lvl="1"/>
+            <a:r>
+              <a:rPr lang="en-US" dirty="0"/>
+              <a:t>c</a:t>
+            </a:r>
+            <a:r>
+              <a:rPr lang="en-US" dirty="0" smtClean="0"/>
+              <a:t>ons</a:t>
+            </a:r>
+          </a:p>
+          <a:p>
+            <a:pPr lvl="1"/>
             <a:endParaRPr lang="en-US" dirty="0"/>
           </a:p>
         </p:txBody>
@@ -12685,7 +12659,7 @@
     </p:spTree>
     <p:extLst>
       <p:ext uri="{BB962C8B-B14F-4D97-AF65-F5344CB8AC3E}">
-        <p14:creationId xmlns:p14="http://schemas.microsoft.com/office/powerpoint/2010/main" val="3724256306"/>
+        <p14:creationId xmlns:p14="http://schemas.microsoft.com/office/powerpoint/2010/main" val="1534414557"/>
       </p:ext>
     </p:extLst>
   </p:cSld>
@@ -12736,7 +12710,7 @@
           <a:p>
             <a:r>
               <a:rPr lang="en-US" dirty="0" smtClean="0"/>
-              <a:t>Playing with Zookeeper</a:t>
+              <a:t>Zookeeper CLI</a:t>
             </a:r>
             <a:endParaRPr lang="en-US" dirty="0"/>
           </a:p>
@@ -12754,248 +12728,93 @@
         </p:nvSpPr>
         <p:spPr/>
         <p:txBody>
-          <a:bodyPr>
-            <a:normAutofit lnSpcReduction="10000"/>
-          </a:bodyPr>
+          <a:bodyPr/>
           <a:lstStyle/>
           <a:p>
             <a:r>
               <a:rPr lang="en-US" dirty="0" smtClean="0"/>
-              <a:t>Create a new node in the CLI:</a:t>
+              <a:t>Zookeeper ships with a basic CLI tool for viewing and modifying data</a:t>
+            </a:r>
+          </a:p>
+          <a:p>
+            <a:endParaRPr lang="en-US" dirty="0"/>
+          </a:p>
+          <a:p>
+            <a:r>
+              <a:rPr lang="en-US" dirty="0" smtClean="0"/>
+              <a:t>Run it with the following command:</a:t>
             </a:r>
           </a:p>
           <a:p>
             <a:pPr marL="457200" lvl="1" indent="0">
               <a:buNone/>
             </a:pPr>
+            <a:r>
+              <a:rPr lang="en-US" dirty="0" smtClean="0">
+                <a:latin typeface="Consolas"/>
+                <a:cs typeface="Consolas"/>
+              </a:rPr>
+              <a:t># zookeeper</a:t>
+            </a:r>
             <a:r>
               <a:rPr lang="en-US" dirty="0">
                 <a:latin typeface="Consolas"/>
                 <a:cs typeface="Consolas"/>
               </a:rPr>
-              <a:t>[</a:t>
+              <a:t>-3.4.6/bin/</a:t>
             </a:r>
             <a:r>
               <a:rPr lang="en-US" dirty="0" err="1">
                 <a:latin typeface="Consolas"/>
                 <a:cs typeface="Consolas"/>
               </a:rPr>
-              <a:t>zk</a:t>
+              <a:t>zkCli.sh</a:t>
             </a:r>
             <a:r>
               <a:rPr lang="en-US" dirty="0">
                 <a:latin typeface="Consolas"/>
                 <a:cs typeface="Consolas"/>
               </a:rPr>
-              <a:t>: localhost:2181(CONNECTED) 0</a:t>
+              <a:t> -server localhost:</a:t>
             </a:r>
             <a:r>
               <a:rPr lang="en-US" dirty="0" smtClean="0">
                 <a:latin typeface="Consolas"/>
                 <a:cs typeface="Consolas"/>
               </a:rPr>
-              <a:t>] create /foo bar</a:t>
-            </a:r>
-          </a:p>
-          <a:p>
-            <a:endParaRPr lang="en-US" dirty="0"/>
-          </a:p>
-          <a:p>
-            <a:r>
-              <a:rPr lang="en-US" dirty="0" smtClean="0"/>
-              <a:t>Get the information about that node:</a:t>
+              <a:t>2181</a:t>
             </a:r>
           </a:p>
           <a:p>
             <a:pPr marL="457200" lvl="1" indent="0">
               <a:buNone/>
             </a:pPr>
-            <a:r>
-              <a:rPr lang="en-US" dirty="0">
-                <a:latin typeface="Consolas"/>
-                <a:cs typeface="Consolas"/>
-              </a:rPr>
-              <a:t>[</a:t>
-            </a:r>
-            <a:r>
-              <a:rPr lang="en-US" dirty="0" err="1">
-                <a:latin typeface="Consolas"/>
-                <a:cs typeface="Consolas"/>
-              </a:rPr>
-              <a:t>zk</a:t>
-            </a:r>
-            <a:r>
-              <a:rPr lang="en-US" dirty="0">
-                <a:latin typeface="Consolas"/>
-                <a:cs typeface="Consolas"/>
-              </a:rPr>
-              <a:t>: localhost:2181(CONNECTED) </a:t>
-            </a:r>
-            <a:r>
-              <a:rPr lang="en-US" dirty="0" smtClean="0">
-                <a:latin typeface="Consolas"/>
-                <a:cs typeface="Consolas"/>
-              </a:rPr>
-              <a:t>1] get /foo</a:t>
-            </a:r>
-            <a:endParaRPr lang="en-US" dirty="0">
-              <a:latin typeface="Consolas"/>
-              <a:cs typeface="Consolas"/>
-            </a:endParaRPr>
-          </a:p>
-          <a:p>
-            <a:pPr marL="0" indent="0">
-              <a:buNone/>
-            </a:pPr>
             <a:endParaRPr lang="en-US" dirty="0"/>
           </a:p>
           <a:p>
-            <a:r>
-              <a:rPr lang="en-US" dirty="0" smtClean="0"/>
-              <a:t>Update the data in that node:</a:t>
-            </a:r>
-          </a:p>
-          <a:p>
-            <a:pPr marL="457200" lvl="1" indent="0">
-              <a:buNone/>
-            </a:pPr>
-            <a:r>
-              <a:rPr lang="en-US" dirty="0">
-                <a:latin typeface="Consolas"/>
-                <a:cs typeface="Consolas"/>
-              </a:rPr>
-              <a:t>[</a:t>
-            </a:r>
-            <a:r>
-              <a:rPr lang="en-US" dirty="0" err="1">
-                <a:latin typeface="Consolas"/>
-                <a:cs typeface="Consolas"/>
-              </a:rPr>
-              <a:t>zk</a:t>
-            </a:r>
-            <a:r>
-              <a:rPr lang="en-US" dirty="0">
-                <a:latin typeface="Consolas"/>
-                <a:cs typeface="Consolas"/>
-              </a:rPr>
-              <a:t>: localhost:2181(CONNECTED) </a:t>
-            </a:r>
-            <a:r>
-              <a:rPr lang="en-US" dirty="0" smtClean="0">
-                <a:latin typeface="Consolas"/>
-                <a:cs typeface="Consolas"/>
-              </a:rPr>
-              <a:t>2] set /foo </a:t>
-            </a:r>
-            <a:r>
-              <a:rPr lang="en-US" dirty="0" err="1" smtClean="0">
-                <a:latin typeface="Consolas"/>
-                <a:cs typeface="Consolas"/>
-              </a:rPr>
-              <a:t>baz</a:t>
-            </a:r>
-            <a:endParaRPr lang="en-US" dirty="0" smtClean="0">
-              <a:latin typeface="Consolas"/>
-              <a:cs typeface="Consolas"/>
-            </a:endParaRPr>
-          </a:p>
-          <a:p>
-            <a:pPr marL="457200" lvl="1" indent="0">
-              <a:buNone/>
-            </a:pPr>
-            <a:r>
-              <a:rPr lang="en-US" dirty="0">
-                <a:latin typeface="Consolas"/>
-                <a:cs typeface="Consolas"/>
-              </a:rPr>
-              <a:t>[</a:t>
-            </a:r>
-            <a:r>
-              <a:rPr lang="en-US" dirty="0" err="1">
-                <a:latin typeface="Consolas"/>
-                <a:cs typeface="Consolas"/>
-              </a:rPr>
-              <a:t>zk</a:t>
-            </a:r>
-            <a:r>
-              <a:rPr lang="en-US" dirty="0">
-                <a:latin typeface="Consolas"/>
-                <a:cs typeface="Consolas"/>
-              </a:rPr>
-              <a:t>: localhost:2181(CONNECTED) </a:t>
-            </a:r>
-            <a:r>
-              <a:rPr lang="en-US" dirty="0" smtClean="0">
-                <a:latin typeface="Consolas"/>
-                <a:cs typeface="Consolas"/>
-              </a:rPr>
-              <a:t>3] get /foo</a:t>
-            </a:r>
-            <a:endParaRPr lang="en-US" dirty="0">
-              <a:latin typeface="Consolas"/>
-              <a:cs typeface="Consolas"/>
-            </a:endParaRPr>
-          </a:p>
-          <a:p>
-            <a:pPr marL="0" indent="0">
-              <a:buNone/>
-            </a:pPr>
+            <a:pPr indent="-285750"/>
+            <a:r>
+              <a:rPr lang="en-US" dirty="0" smtClean="0"/>
+              <a:t>Through this interface you can inspect the Zookeeper data</a:t>
+            </a:r>
+          </a:p>
+          <a:p>
+            <a:pPr indent="-285750"/>
             <a:endParaRPr lang="en-US" dirty="0"/>
           </a:p>
           <a:p>
-            <a:r>
-              <a:rPr lang="en-US" dirty="0" smtClean="0"/>
-              <a:t>Delete the node:</a:t>
-            </a:r>
-          </a:p>
-          <a:p>
-            <a:pPr marL="457200" lvl="1" indent="0">
-              <a:buNone/>
-            </a:pPr>
-            <a:r>
-              <a:rPr lang="en-US" dirty="0">
-                <a:latin typeface="Consolas"/>
-                <a:cs typeface="Consolas"/>
-              </a:rPr>
-              <a:t>[</a:t>
-            </a:r>
-            <a:r>
-              <a:rPr lang="en-US" dirty="0" err="1">
-                <a:latin typeface="Consolas"/>
-                <a:cs typeface="Consolas"/>
-              </a:rPr>
-              <a:t>zk</a:t>
-            </a:r>
-            <a:r>
-              <a:rPr lang="en-US" dirty="0">
-                <a:latin typeface="Consolas"/>
-                <a:cs typeface="Consolas"/>
-              </a:rPr>
-              <a:t>: localhost:2181(CONNECTED) </a:t>
-            </a:r>
-            <a:r>
-              <a:rPr lang="en-US" dirty="0" smtClean="0">
-                <a:latin typeface="Consolas"/>
-                <a:cs typeface="Consolas"/>
-              </a:rPr>
-              <a:t>4] delete /</a:t>
-            </a:r>
-            <a:r>
-              <a:rPr lang="en-US" dirty="0">
-                <a:latin typeface="Consolas"/>
-                <a:cs typeface="Consolas"/>
-              </a:rPr>
-              <a:t>foo</a:t>
+            <a:pPr indent="-285750"/>
+            <a:r>
+              <a:rPr lang="en-US" dirty="0" smtClean="0"/>
+              <a:t>You can also create, modify, and delete data</a:t>
             </a:r>
           </a:p>
           <a:p>
             <a:pPr lvl="1"/>
-            <a:endParaRPr lang="en-US" dirty="0" smtClean="0"/>
-          </a:p>
-          <a:p>
-            <a:endParaRPr lang="en-US" dirty="0"/>
-          </a:p>
-          <a:p>
+            <a:r>
+              <a:rPr lang="en-US" dirty="0" smtClean="0"/>
+              <a:t>This means you can cause a massive amount of damage</a:t>
+            </a:r>
             <a:endParaRPr lang="en-US" dirty="0"/>
           </a:p>
         </p:txBody>
@@ -13027,7 +12846,7 @@
     </p:spTree>
     <p:extLst>
       <p:ext uri="{BB962C8B-B14F-4D97-AF65-F5344CB8AC3E}">
-        <p14:creationId xmlns:p14="http://schemas.microsoft.com/office/powerpoint/2010/main" val="2494735810"/>
+        <p14:creationId xmlns:p14="http://schemas.microsoft.com/office/powerpoint/2010/main" val="3724256306"/>
       </p:ext>
     </p:extLst>
   </p:cSld>
@@ -13078,7 +12897,7 @@
           <a:p>
             <a:r>
               <a:rPr lang="en-US" dirty="0" smtClean="0"/>
-              <a:t>More About Zookeeper</a:t>
+              <a:t>Playing with Zookeeper</a:t>
             </a:r>
             <a:endParaRPr lang="en-US" dirty="0"/>
           </a:p>
@@ -13096,64 +12915,248 @@
         </p:nvSpPr>
         <p:spPr/>
         <p:txBody>
-          <a:bodyPr/>
+          <a:bodyPr>
+            <a:normAutofit lnSpcReduction="10000"/>
+          </a:bodyPr>
           <a:lstStyle/>
           <a:p>
             <a:r>
               <a:rPr lang="en-US" dirty="0" smtClean="0"/>
-              <a:t>Zookeeper has more functionality than the basic CRUD operations</a:t>
+              <a:t>Create a new node in the CLI:</a:t>
+            </a:r>
+          </a:p>
+          <a:p>
+            <a:pPr marL="457200" lvl="1" indent="0">
+              <a:buNone/>
+            </a:pPr>
+            <a:r>
+              <a:rPr lang="en-US" dirty="0">
+                <a:latin typeface="Consolas"/>
+                <a:cs typeface="Consolas"/>
+              </a:rPr>
+              <a:t>[</a:t>
+            </a:r>
+            <a:r>
+              <a:rPr lang="en-US" dirty="0" err="1">
+                <a:latin typeface="Consolas"/>
+                <a:cs typeface="Consolas"/>
+              </a:rPr>
+              <a:t>zk</a:t>
+            </a:r>
+            <a:r>
+              <a:rPr lang="en-US" dirty="0">
+                <a:latin typeface="Consolas"/>
+                <a:cs typeface="Consolas"/>
+              </a:rPr>
+              <a:t>: localhost:2181(CONNECTED) 0</a:t>
+            </a:r>
+            <a:r>
+              <a:rPr lang="en-US" dirty="0" smtClean="0">
+                <a:latin typeface="Consolas"/>
+                <a:cs typeface="Consolas"/>
+              </a:rPr>
+              <a:t>] create /foo bar</a:t>
+            </a:r>
+          </a:p>
+          <a:p>
+            <a:endParaRPr lang="en-US" dirty="0"/>
+          </a:p>
+          <a:p>
+            <a:r>
+              <a:rPr lang="en-US" dirty="0" smtClean="0"/>
+              <a:t>Get the information about that node:</a:t>
+            </a:r>
+          </a:p>
+          <a:p>
+            <a:pPr marL="457200" lvl="1" indent="0">
+              <a:buNone/>
+            </a:pPr>
+            <a:r>
+              <a:rPr lang="en-US" dirty="0">
+                <a:latin typeface="Consolas"/>
+                <a:cs typeface="Consolas"/>
+              </a:rPr>
+              <a:t>[</a:t>
+            </a:r>
+            <a:r>
+              <a:rPr lang="en-US" dirty="0" err="1">
+                <a:latin typeface="Consolas"/>
+                <a:cs typeface="Consolas"/>
+              </a:rPr>
+              <a:t>zk</a:t>
+            </a:r>
+            <a:r>
+              <a:rPr lang="en-US" dirty="0">
+                <a:latin typeface="Consolas"/>
+                <a:cs typeface="Consolas"/>
+              </a:rPr>
+              <a:t>: localhost:2181(CONNECTED) </a:t>
+            </a:r>
+            <a:r>
+              <a:rPr lang="en-US" dirty="0" smtClean="0">
+                <a:latin typeface="Consolas"/>
+                <a:cs typeface="Consolas"/>
+              </a:rPr>
+              <a:t>1] get /foo</a:t>
+            </a:r>
+            <a:endParaRPr lang="en-US" dirty="0">
+              <a:latin typeface="Consolas"/>
+              <a:cs typeface="Consolas"/>
+            </a:endParaRPr>
+          </a:p>
+          <a:p>
+            <a:pPr marL="0" indent="0">
+              <a:buNone/>
+            </a:pPr>
+            <a:endParaRPr lang="en-US" dirty="0"/>
+          </a:p>
+          <a:p>
+            <a:r>
+              <a:rPr lang="en-US" dirty="0" smtClean="0"/>
+              <a:t>Update the data in that node:</a:t>
+            </a:r>
+          </a:p>
+          <a:p>
+            <a:pPr marL="457200" lvl="1" indent="0">
+              <a:buNone/>
+            </a:pPr>
+            <a:r>
+              <a:rPr lang="en-US" dirty="0">
+                <a:latin typeface="Consolas"/>
+                <a:cs typeface="Consolas"/>
+              </a:rPr>
+              <a:t>[</a:t>
+            </a:r>
+            <a:r>
+              <a:rPr lang="en-US" dirty="0" err="1">
+                <a:latin typeface="Consolas"/>
+                <a:cs typeface="Consolas"/>
+              </a:rPr>
+              <a:t>zk</a:t>
+            </a:r>
+            <a:r>
+              <a:rPr lang="en-US" dirty="0">
+                <a:latin typeface="Consolas"/>
+                <a:cs typeface="Consolas"/>
+              </a:rPr>
+              <a:t>: localhost:2181(CONNECTED) </a:t>
+            </a:r>
+            <a:r>
+              <a:rPr lang="en-US" dirty="0" smtClean="0">
+                <a:latin typeface="Consolas"/>
+                <a:cs typeface="Consolas"/>
+              </a:rPr>
+              <a:t>2] set /foo </a:t>
+            </a:r>
+            <a:r>
+              <a:rPr lang="en-US" dirty="0" err="1" smtClean="0">
+                <a:latin typeface="Consolas"/>
+                <a:cs typeface="Consolas"/>
+              </a:rPr>
+              <a:t>baz</a:t>
+            </a:r>
+            <a:endParaRPr lang="en-US" dirty="0" smtClean="0">
+              <a:latin typeface="Consolas"/>
+              <a:cs typeface="Consolas"/>
+            </a:endParaRPr>
+          </a:p>
+          <a:p>
+            <a:pPr marL="457200" lvl="1" indent="0">
+              <a:buNone/>
+            </a:pPr>
+            <a:r>
+              <a:rPr lang="en-US" dirty="0">
+                <a:latin typeface="Consolas"/>
+                <a:cs typeface="Consolas"/>
+              </a:rPr>
+              <a:t>[</a:t>
+            </a:r>
+            <a:r>
+              <a:rPr lang="en-US" dirty="0" err="1">
+                <a:latin typeface="Consolas"/>
+                <a:cs typeface="Consolas"/>
+              </a:rPr>
+              <a:t>zk</a:t>
+            </a:r>
+            <a:r>
+              <a:rPr lang="en-US" dirty="0">
+                <a:latin typeface="Consolas"/>
+                <a:cs typeface="Consolas"/>
+              </a:rPr>
+              <a:t>: localhost:2181(CONNECTED) </a:t>
+            </a:r>
+            <a:r>
+              <a:rPr lang="en-US" dirty="0" smtClean="0">
+                <a:latin typeface="Consolas"/>
+                <a:cs typeface="Consolas"/>
+              </a:rPr>
+              <a:t>3] get /foo</a:t>
+            </a:r>
+            <a:endParaRPr lang="en-US" dirty="0">
+              <a:latin typeface="Consolas"/>
+              <a:cs typeface="Consolas"/>
+            </a:endParaRPr>
+          </a:p>
+          <a:p>
+            <a:pPr marL="0" indent="0">
+              <a:buNone/>
+            </a:pPr>
+            <a:endParaRPr lang="en-US" dirty="0"/>
+          </a:p>
+          <a:p>
+            <a:r>
+              <a:rPr lang="en-US" dirty="0" smtClean="0"/>
+              <a:t>Delete the node:</a:t>
+            </a:r>
+          </a:p>
+          <a:p>
+            <a:pPr marL="457200" lvl="1" indent="0">
+              <a:buNone/>
+            </a:pPr>
+            <a:r>
+              <a:rPr lang="en-US" dirty="0">
+                <a:latin typeface="Consolas"/>
+                <a:cs typeface="Consolas"/>
+              </a:rPr>
+              <a:t>[</a:t>
+            </a:r>
+            <a:r>
+              <a:rPr lang="en-US" dirty="0" err="1">
+                <a:latin typeface="Consolas"/>
+                <a:cs typeface="Consolas"/>
+              </a:rPr>
+              <a:t>zk</a:t>
+            </a:r>
+            <a:r>
+              <a:rPr lang="en-US" dirty="0">
+                <a:latin typeface="Consolas"/>
+                <a:cs typeface="Consolas"/>
+              </a:rPr>
+              <a:t>: localhost:2181(CONNECTED) </a:t>
+            </a:r>
+            <a:r>
+              <a:rPr lang="en-US" dirty="0" smtClean="0">
+                <a:latin typeface="Consolas"/>
+                <a:cs typeface="Consolas"/>
+              </a:rPr>
+              <a:t>4] delete /</a:t>
+            </a:r>
+            <a:r>
+              <a:rPr lang="en-US" dirty="0">
+                <a:latin typeface="Consolas"/>
+                <a:cs typeface="Consolas"/>
+              </a:rPr>
+              <a:t>foo</a:t>
             </a:r>
           </a:p>
           <a:p>
             <a:pPr lvl="1"/>
-            <a:r>
-              <a:rPr lang="en-US" dirty="0" smtClean="0"/>
-              <a:t>Watches</a:t>
-            </a:r>
-          </a:p>
-          <a:p>
-            <a:pPr lvl="1"/>
-            <a:r>
-              <a:rPr lang="en-US" dirty="0" smtClean="0"/>
-              <a:t>ACLs</a:t>
-            </a:r>
-          </a:p>
-          <a:p>
-            <a:pPr lvl="1"/>
-            <a:r>
-              <a:rPr lang="en-US" dirty="0" err="1"/>
-              <a:t>r</a:t>
-            </a:r>
-            <a:r>
-              <a:rPr lang="en-US" dirty="0" err="1" smtClean="0"/>
-              <a:t>mr</a:t>
-            </a:r>
             <a:endParaRPr lang="en-US" dirty="0" smtClean="0"/>
           </a:p>
           <a:p>
-            <a:endParaRPr lang="en-US" dirty="0" smtClean="0"/>
-          </a:p>
-          <a:p>
-            <a:r>
-              <a:rPr lang="en-US" dirty="0" smtClean="0"/>
-              <a:t>For getting started with Kafka, this is all we need to know</a:t>
-            </a:r>
-          </a:p>
-          <a:p>
             <a:endParaRPr lang="en-US" dirty="0"/>
           </a:p>
           <a:p>
-            <a:r>
-              <a:rPr lang="en-US" dirty="0" smtClean="0"/>
-              <a:t>Once you have Zookeeper running, you will want to use it for other things</a:t>
-            </a:r>
-          </a:p>
-          <a:p>
-            <a:pPr lvl="1"/>
-            <a:r>
-              <a:rPr lang="en-US" dirty="0" smtClean="0"/>
-              <a:t>Be smart: not everything is a nail to hit with your hammer</a:t>
-            </a:r>
             <a:endParaRPr lang="en-US" dirty="0"/>
           </a:p>
         </p:txBody>
@@ -13185,7 +13188,7 @@
     </p:spTree>
     <p:extLst>
       <p:ext uri="{BB962C8B-B14F-4D97-AF65-F5344CB8AC3E}">
-        <p14:creationId xmlns:p14="http://schemas.microsoft.com/office/powerpoint/2010/main" val="3186862402"/>
+        <p14:creationId xmlns:p14="http://schemas.microsoft.com/office/powerpoint/2010/main" val="2494735810"/>
       </p:ext>
     </p:extLst>
   </p:cSld>
@@ -13236,6 +13239,164 @@
           <a:p>
             <a:r>
               <a:rPr lang="en-US" dirty="0" smtClean="0"/>
+              <a:t>More About Zookeeper</a:t>
+            </a:r>
+            <a:endParaRPr lang="en-US" dirty="0"/>
+          </a:p>
+        </p:txBody>
+      </p:sp>
+      <p:sp>
+        <p:nvSpPr>
+          <p:cNvPr id="3" name="Content Placeholder 2"/>
+          <p:cNvSpPr>
+            <a:spLocks noGrp="1"/>
+          </p:cNvSpPr>
+          <p:nvPr>
+            <p:ph idx="1"/>
+          </p:nvPr>
+        </p:nvSpPr>
+        <p:spPr/>
+        <p:txBody>
+          <a:bodyPr/>
+          <a:lstStyle/>
+          <a:p>
+            <a:r>
+              <a:rPr lang="en-US" dirty="0" smtClean="0"/>
+              <a:t>Zookeeper has more functionality than the basic CRUD operations</a:t>
+            </a:r>
+          </a:p>
+          <a:p>
+            <a:pPr lvl="1"/>
+            <a:r>
+              <a:rPr lang="en-US" dirty="0" smtClean="0"/>
+              <a:t>Watches</a:t>
+            </a:r>
+          </a:p>
+          <a:p>
+            <a:pPr lvl="1"/>
+            <a:r>
+              <a:rPr lang="en-US" dirty="0" smtClean="0"/>
+              <a:t>ACLs</a:t>
+            </a:r>
+          </a:p>
+          <a:p>
+            <a:pPr lvl="1"/>
+            <a:r>
+              <a:rPr lang="en-US" dirty="0" err="1"/>
+              <a:t>r</a:t>
+            </a:r>
+            <a:r>
+              <a:rPr lang="en-US" dirty="0" err="1" smtClean="0"/>
+              <a:t>mr</a:t>
+            </a:r>
+            <a:endParaRPr lang="en-US" dirty="0" smtClean="0"/>
+          </a:p>
+          <a:p>
+            <a:endParaRPr lang="en-US" dirty="0" smtClean="0"/>
+          </a:p>
+          <a:p>
+            <a:r>
+              <a:rPr lang="en-US" dirty="0" smtClean="0"/>
+              <a:t>For getting started with Kafka, this is all we need to know</a:t>
+            </a:r>
+          </a:p>
+          <a:p>
+            <a:endParaRPr lang="en-US" dirty="0"/>
+          </a:p>
+          <a:p>
+            <a:r>
+              <a:rPr lang="en-US" dirty="0" smtClean="0"/>
+              <a:t>Once you have Zookeeper running, you will want to use it for other things</a:t>
+            </a:r>
+          </a:p>
+          <a:p>
+            <a:pPr lvl="1"/>
+            <a:r>
+              <a:rPr lang="en-US" dirty="0" smtClean="0"/>
+              <a:t>Be smart: not everything is a nail to hit with your hammer</a:t>
+            </a:r>
+            <a:endParaRPr lang="en-US" dirty="0"/>
+          </a:p>
+        </p:txBody>
+      </p:sp>
+      <p:sp>
+        <p:nvSpPr>
+          <p:cNvPr id="4" name="Slide Number Placeholder 3"/>
+          <p:cNvSpPr>
+            <a:spLocks noGrp="1"/>
+          </p:cNvSpPr>
+          <p:nvPr>
+            <p:ph type="sldNum" sz="quarter" idx="10"/>
+          </p:nvPr>
+        </p:nvSpPr>
+        <p:spPr/>
+        <p:txBody>
+          <a:bodyPr/>
+          <a:lstStyle/>
+          <a:p>
+            <a:fld id="{75897B0D-BA2C-2244-86F3-025175B80EAC}" type="slidenum">
+              <a:rPr lang="en-US" smtClean="0"/>
+              <a:pPr/>
+              <a:t>15</a:t>
+            </a:fld>
+            <a:endParaRPr lang="en-US" dirty="0"/>
+          </a:p>
+        </p:txBody>
+      </p:sp>
+    </p:spTree>
+    <p:extLst>
+      <p:ext uri="{BB962C8B-B14F-4D97-AF65-F5344CB8AC3E}">
+        <p14:creationId xmlns:p14="http://schemas.microsoft.com/office/powerpoint/2010/main" val="3186862402"/>
+      </p:ext>
+    </p:extLst>
+  </p:cSld>
+  <p:clrMapOvr>
+    <a:masterClrMapping/>
+  </p:clrMapOvr>
+  <p:timing>
+    <p:tnLst>
+      <p:par>
+        <p:cTn xmlns:p14="http://schemas.microsoft.com/office/powerpoint/2010/main" id="1" dur="indefinite" restart="never" nodeType="tmRoot"/>
+      </p:par>
+    </p:tnLst>
+  </p:timing>
+</p:sld>
+</file>
+
+<file path=ppt/slides/slide16.xml><?xml version="1.0" encoding="utf-8"?>
+<p:sld xmlns:a="http://schemas.openxmlformats.org/drawingml/2006/main" xmlns:r="http://schemas.openxmlformats.org/officeDocument/2006/relationships" xmlns:p="http://schemas.openxmlformats.org/presentationml/2006/main">
+  <p:cSld>
+    <p:spTree>
+      <p:nvGrpSpPr>
+        <p:cNvPr id="1" name=""/>
+        <p:cNvGrpSpPr/>
+        <p:nvPr/>
+      </p:nvGrpSpPr>
+      <p:grpSpPr>
+        <a:xfrm>
+          <a:off x="0" y="0"/>
+          <a:ext cx="0" cy="0"/>
+          <a:chOff x="0" y="0"/>
+          <a:chExt cx="0" cy="0"/>
+        </a:xfrm>
+      </p:grpSpPr>
+      <p:sp>
+        <p:nvSpPr>
+          <p:cNvPr id="2" name="Title 1"/>
+          <p:cNvSpPr>
+            <a:spLocks noGrp="1"/>
+          </p:cNvSpPr>
+          <p:nvPr>
+            <p:ph type="title"/>
+          </p:nvPr>
+        </p:nvSpPr>
+        <p:spPr/>
+        <p:txBody>
+          <a:bodyPr/>
+          <a:lstStyle/>
+          <a:p>
+            <a:r>
+              <a:rPr lang="en-US" dirty="0" smtClean="0"/>
               <a:t>Apache Kafka</a:t>
             </a:r>
             <a:endParaRPr lang="en-US" dirty="0"/>
@@ -13279,7 +13440,7 @@
             <a:fld id="{75897B0D-BA2C-2244-86F3-025175B80EAC}" type="slidenum">
               <a:rPr lang="en-US" smtClean="0"/>
               <a:pPr/>
-              <a:t>15</a:t>
+              <a:t>16</a:t>
             </a:fld>
             <a:endParaRPr lang="en-US" dirty="0"/>
           </a:p>
@@ -13305,7 +13466,7 @@
 </p:sld>
 </file>
 
-<file path=ppt/slides/slide16.xml><?xml version="1.0" encoding="utf-8"?>
+<file path=ppt/slides/slide17.xml><?xml version="1.0" encoding="utf-8"?>
 <p:sld xmlns:a="http://schemas.openxmlformats.org/drawingml/2006/main" xmlns:r="http://schemas.openxmlformats.org/officeDocument/2006/relationships" xmlns:p="http://schemas.openxmlformats.org/presentationml/2006/main">
   <p:cSld>
     <p:spTree>
@@ -14560,7 +14721,7 @@
             <a:fld id="{75897B0D-BA2C-2244-86F3-025175B80EAC}" type="slidenum">
               <a:rPr lang="en-US" smtClean="0"/>
               <a:pPr/>
-              <a:t>16</a:t>
+              <a:t>17</a:t>
             </a:fld>
             <a:endParaRPr lang="en-US" dirty="0"/>
           </a:p>
@@ -16911,182 +17072,6 @@
 </p:sld>
 </file>
 
-<file path=ppt/slides/slide17.xml><?xml version="1.0" encoding="utf-8"?>
-<p:sld xmlns:a="http://schemas.openxmlformats.org/drawingml/2006/main" xmlns:r="http://schemas.openxmlformats.org/officeDocument/2006/relationships" xmlns:p="http://schemas.openxmlformats.org/presentationml/2006/main">
-  <p:cSld>
-    <p:spTree>
-      <p:nvGrpSpPr>
-        <p:cNvPr id="1" name=""/>
-        <p:cNvGrpSpPr/>
-        <p:nvPr/>
-      </p:nvGrpSpPr>
-      <p:grpSpPr>
-        <a:xfrm>
-          <a:off x="0" y="0"/>
-          <a:ext cx="0" cy="0"/>
-          <a:chOff x="0" y="0"/>
-          <a:chExt cx="0" cy="0"/>
-        </a:xfrm>
-      </p:grpSpPr>
-      <p:sp>
-        <p:nvSpPr>
-          <p:cNvPr id="2" name="Title 1"/>
-          <p:cNvSpPr>
-            <a:spLocks noGrp="1"/>
-          </p:cNvSpPr>
-          <p:nvPr>
-            <p:ph type="title"/>
-          </p:nvPr>
-        </p:nvSpPr>
-        <p:spPr/>
-        <p:txBody>
-          <a:bodyPr/>
-          <a:lstStyle/>
-          <a:p>
-            <a:r>
-              <a:rPr lang="en-US" dirty="0" smtClean="0"/>
-              <a:t>What Is Kafka?</a:t>
-            </a:r>
-            <a:endParaRPr lang="en-US" dirty="0"/>
-          </a:p>
-        </p:txBody>
-      </p:sp>
-      <p:sp>
-        <p:nvSpPr>
-          <p:cNvPr id="3" name="Content Placeholder 2"/>
-          <p:cNvSpPr>
-            <a:spLocks noGrp="1"/>
-          </p:cNvSpPr>
-          <p:nvPr>
-            <p:ph idx="1"/>
-          </p:nvPr>
-        </p:nvSpPr>
-        <p:spPr/>
-        <p:txBody>
-          <a:bodyPr>
-            <a:normAutofit/>
-          </a:bodyPr>
-          <a:lstStyle/>
-          <a:p>
-            <a:r>
-              <a:rPr lang="en-US" dirty="0" smtClean="0"/>
-              <a:t>Publish / Subscribe messaging platform</a:t>
-            </a:r>
-          </a:p>
-          <a:p>
-            <a:pPr lvl="1"/>
-            <a:r>
-              <a:rPr lang="en-US" dirty="0" smtClean="0"/>
-              <a:t>Implemented as a distributed commit log</a:t>
-            </a:r>
-          </a:p>
-          <a:p>
-            <a:pPr lvl="1"/>
-            <a:endParaRPr lang="en-US" dirty="0"/>
-          </a:p>
-          <a:p>
-            <a:r>
-              <a:rPr lang="en-US" dirty="0" smtClean="0"/>
-              <a:t>Features</a:t>
-            </a:r>
-          </a:p>
-          <a:p>
-            <a:pPr lvl="1"/>
-            <a:r>
-              <a:rPr lang="en-US" dirty="0"/>
-              <a:t>Disk </a:t>
-            </a:r>
-            <a:r>
-              <a:rPr lang="en-US" dirty="0" smtClean="0"/>
-              <a:t>Based</a:t>
-            </a:r>
-            <a:endParaRPr lang="en-US" dirty="0"/>
-          </a:p>
-          <a:p>
-            <a:pPr lvl="1"/>
-            <a:r>
-              <a:rPr lang="en-US" dirty="0" smtClean="0"/>
-              <a:t>Durable</a:t>
-            </a:r>
-            <a:endParaRPr lang="en-US" dirty="0"/>
-          </a:p>
-          <a:p>
-            <a:pPr lvl="1"/>
-            <a:r>
-              <a:rPr lang="en-US" dirty="0" smtClean="0"/>
-              <a:t>Scalable</a:t>
-            </a:r>
-            <a:endParaRPr lang="en-US" dirty="0"/>
-          </a:p>
-          <a:p>
-            <a:pPr lvl="1"/>
-            <a:r>
-              <a:rPr lang="en-US" dirty="0"/>
-              <a:t>Low </a:t>
-            </a:r>
-            <a:r>
-              <a:rPr lang="en-US" dirty="0" smtClean="0"/>
-              <a:t>Latency</a:t>
-            </a:r>
-            <a:endParaRPr lang="en-US" dirty="0"/>
-          </a:p>
-          <a:p>
-            <a:pPr lvl="1"/>
-            <a:r>
-              <a:rPr lang="en-US" dirty="0"/>
-              <a:t>Finite Retention</a:t>
-            </a:r>
-          </a:p>
-          <a:p>
-            <a:pPr lvl="1"/>
-            <a:endParaRPr lang="en-US" dirty="0"/>
-          </a:p>
-        </p:txBody>
-      </p:sp>
-      <p:sp>
-        <p:nvSpPr>
-          <p:cNvPr id="4" name="Slide Number Placeholder 3"/>
-          <p:cNvSpPr>
-            <a:spLocks noGrp="1"/>
-          </p:cNvSpPr>
-          <p:nvPr>
-            <p:ph type="sldNum" sz="quarter" idx="10"/>
-          </p:nvPr>
-        </p:nvSpPr>
-        <p:spPr/>
-        <p:txBody>
-          <a:bodyPr/>
-          <a:lstStyle/>
-          <a:p>
-            <a:fld id="{75897B0D-BA2C-2244-86F3-025175B80EAC}" type="slidenum">
-              <a:rPr lang="en-US" smtClean="0"/>
-              <a:pPr/>
-              <a:t>17</a:t>
-            </a:fld>
-            <a:endParaRPr lang="en-US" dirty="0"/>
-          </a:p>
-        </p:txBody>
-      </p:sp>
-    </p:spTree>
-    <p:extLst>
-      <p:ext uri="{BB962C8B-B14F-4D97-AF65-F5344CB8AC3E}">
-        <p14:creationId xmlns:p14="http://schemas.microsoft.com/office/powerpoint/2010/main" val="267218269"/>
-      </p:ext>
-    </p:extLst>
-  </p:cSld>
-  <p:clrMapOvr>
-    <a:masterClrMapping/>
-  </p:clrMapOvr>
-  <p:timing>
-    <p:tnLst>
-      <p:par>
-        <p:cTn xmlns:p14="http://schemas.microsoft.com/office/powerpoint/2010/main" id="1" dur="indefinite" restart="never" nodeType="tmRoot"/>
-      </p:par>
-    </p:tnLst>
-  </p:timing>
-</p:sld>
-</file>
-
 <file path=ppt/slides/slide18.xml><?xml version="1.0" encoding="utf-8"?>
 <p:sld xmlns:a="http://schemas.openxmlformats.org/drawingml/2006/main" xmlns:r="http://schemas.openxmlformats.org/officeDocument/2006/relationships" xmlns:p="http://schemas.openxmlformats.org/presentationml/2006/main">
   <p:cSld>
@@ -17121,37 +17106,104 @@
           <a:p>
             <a:r>
               <a:rPr lang="en-US" dirty="0" smtClean="0"/>
-              <a:t>Distributed Commit Log</a:t>
+              <a:t>What Is Kafka?</a:t>
             </a:r>
             <a:endParaRPr lang="en-US" dirty="0"/>
           </a:p>
         </p:txBody>
       </p:sp>
-      <p:pic>
-        <p:nvPicPr>
-          <p:cNvPr id="5" name="Content Placeholder 4" descr="log_anatomy.png"/>
-          <p:cNvPicPr>
-            <a:picLocks noGrp="1" noChangeAspect="1"/>
-          </p:cNvPicPr>
+      <p:sp>
+        <p:nvSpPr>
+          <p:cNvPr id="3" name="Content Placeholder 2"/>
+          <p:cNvSpPr>
+            <a:spLocks noGrp="1"/>
+          </p:cNvSpPr>
           <p:nvPr>
             <p:ph idx="1"/>
           </p:nvPr>
-        </p:nvPicPr>
-        <p:blipFill>
-          <a:blip r:embed="rId2">
-            <a:extLst>
-              <a:ext uri="{28A0092B-C50C-407E-A947-70E740481C1C}">
-                <a14:useLocalDpi xmlns:a14="http://schemas.microsoft.com/office/drawing/2010/main" val="0"/>
-              </a:ext>
-            </a:extLst>
-          </a:blip>
-          <a:srcRect t="15101" b="15101"/>
-          <a:stretch>
-            <a:fillRect/>
-          </a:stretch>
-        </p:blipFill>
+        </p:nvSpPr>
         <p:spPr/>
-      </p:pic>
+        <p:txBody>
+          <a:bodyPr>
+            <a:normAutofit/>
+          </a:bodyPr>
+          <a:lstStyle/>
+          <a:p>
+            <a:r>
+              <a:rPr lang="en-US" dirty="0" smtClean="0"/>
+              <a:t>Publish / Subscribe messaging platform</a:t>
+            </a:r>
+          </a:p>
+          <a:p>
+            <a:pPr lvl="1"/>
+            <a:r>
+              <a:rPr lang="en-US" dirty="0" smtClean="0"/>
+              <a:t>Implemented as a distributed commit log</a:t>
+            </a:r>
+          </a:p>
+          <a:p>
+            <a:pPr lvl="1"/>
+            <a:endParaRPr lang="en-US" dirty="0"/>
+          </a:p>
+          <a:p>
+            <a:r>
+              <a:rPr lang="en-US" dirty="0" smtClean="0"/>
+              <a:t>Features</a:t>
+            </a:r>
+          </a:p>
+          <a:p>
+            <a:pPr lvl="1"/>
+            <a:r>
+              <a:rPr lang="en-US" dirty="0"/>
+              <a:t>Disk </a:t>
+            </a:r>
+            <a:r>
+              <a:rPr lang="en-US" dirty="0" smtClean="0"/>
+              <a:t>Based</a:t>
+            </a:r>
+            <a:endParaRPr lang="en-US" dirty="0"/>
+          </a:p>
+          <a:p>
+            <a:pPr lvl="1"/>
+            <a:r>
+              <a:rPr lang="en-US" dirty="0" smtClean="0"/>
+              <a:t>Durable</a:t>
+            </a:r>
+            <a:endParaRPr lang="en-US" dirty="0"/>
+          </a:p>
+          <a:p>
+            <a:pPr lvl="1"/>
+            <a:r>
+              <a:rPr lang="en-US" dirty="0" smtClean="0"/>
+              <a:t>Scalable</a:t>
+            </a:r>
+            <a:endParaRPr lang="en-US" dirty="0"/>
+          </a:p>
+          <a:p>
+            <a:pPr lvl="1"/>
+            <a:r>
+              <a:rPr lang="en-US" dirty="0"/>
+              <a:t>Low </a:t>
+            </a:r>
+            <a:r>
+              <a:rPr lang="en-US" dirty="0" smtClean="0"/>
+              <a:t>Latency</a:t>
+            </a:r>
+            <a:endParaRPr lang="en-US" dirty="0"/>
+          </a:p>
+          <a:p>
+            <a:pPr lvl="1"/>
+            <a:r>
+              <a:rPr lang="en-US" dirty="0"/>
+              <a:t>Finite Retention</a:t>
+            </a:r>
+          </a:p>
+          <a:p>
+            <a:pPr lvl="1"/>
+            <a:endParaRPr lang="en-US" dirty="0"/>
+          </a:p>
+        </p:txBody>
+      </p:sp>
       <p:sp>
         <p:nvSpPr>
           <p:cNvPr id="4" name="Slide Number Placeholder 3"/>
@@ -17179,7 +17231,7 @@
     </p:spTree>
     <p:extLst>
       <p:ext uri="{BB962C8B-B14F-4D97-AF65-F5344CB8AC3E}">
-        <p14:creationId xmlns:p14="http://schemas.microsoft.com/office/powerpoint/2010/main" val="3529182166"/>
+        <p14:creationId xmlns:p14="http://schemas.microsoft.com/office/powerpoint/2010/main" val="267218269"/>
       </p:ext>
     </p:extLst>
   </p:cSld>
@@ -17230,227 +17282,37 @@
           <a:p>
             <a:r>
               <a:rPr lang="en-US" dirty="0" smtClean="0"/>
-              <a:t>Installing Kafka</a:t>
+              <a:t>Distributed Commit Log</a:t>
             </a:r>
             <a:endParaRPr lang="en-US" dirty="0"/>
           </a:p>
         </p:txBody>
       </p:sp>
-      <p:sp>
-        <p:nvSpPr>
-          <p:cNvPr id="3" name="Content Placeholder 2"/>
-          <p:cNvSpPr>
-            <a:spLocks noGrp="1"/>
-          </p:cNvSpPr>
+      <p:pic>
+        <p:nvPicPr>
+          <p:cNvPr id="5" name="Content Placeholder 4" descr="log_anatomy.png"/>
+          <p:cNvPicPr>
+            <a:picLocks noGrp="1" noChangeAspect="1"/>
+          </p:cNvPicPr>
           <p:nvPr>
             <p:ph idx="1"/>
           </p:nvPr>
-        </p:nvSpPr>
+        </p:nvPicPr>
+        <p:blipFill>
+          <a:blip r:embed="rId2">
+            <a:extLst>
+              <a:ext uri="{28A0092B-C50C-407E-A947-70E740481C1C}">
+                <a14:useLocalDpi xmlns:a14="http://schemas.microsoft.com/office/drawing/2010/main" val="0"/>
+              </a:ext>
+            </a:extLst>
+          </a:blip>
+          <a:srcRect t="15101" b="15101"/>
+          <a:stretch>
+            <a:fillRect/>
+          </a:stretch>
+        </p:blipFill>
         <p:spPr/>
-        <p:txBody>
-          <a:bodyPr>
-            <a:normAutofit/>
-          </a:bodyPr>
-          <a:lstStyle/>
-          <a:p>
-            <a:r>
-              <a:rPr lang="en-US" dirty="0"/>
-              <a:t>Unpack the </a:t>
-            </a:r>
-            <a:r>
-              <a:rPr lang="en-US" dirty="0" smtClean="0"/>
-              <a:t>kafka_2.11-0.8.2.2.tgz </a:t>
-            </a:r>
-            <a:r>
-              <a:rPr lang="en-US" dirty="0"/>
-              <a:t>distribution</a:t>
-            </a:r>
-          </a:p>
-          <a:p>
-            <a:pPr marL="0" indent="0">
-              <a:buNone/>
-            </a:pPr>
-            <a:endParaRPr lang="en-US" dirty="0">
-              <a:cs typeface="Consolas"/>
-            </a:endParaRPr>
-          </a:p>
-          <a:p>
-            <a:r>
-              <a:rPr lang="en-US" dirty="0">
-                <a:cs typeface="Consolas"/>
-              </a:rPr>
-              <a:t>Create the /</a:t>
-            </a:r>
-            <a:r>
-              <a:rPr lang="en-US" dirty="0" err="1">
-                <a:cs typeface="Consolas"/>
-              </a:rPr>
-              <a:t>tmp</a:t>
-            </a:r>
-            <a:r>
-              <a:rPr lang="en-US" dirty="0" smtClean="0">
-                <a:cs typeface="Consolas"/>
-              </a:rPr>
-              <a:t>/</a:t>
-            </a:r>
-            <a:r>
-              <a:rPr lang="en-US" dirty="0" err="1" smtClean="0">
-                <a:cs typeface="Consolas"/>
-              </a:rPr>
-              <a:t>kafka</a:t>
-            </a:r>
-            <a:r>
-              <a:rPr lang="en-US" dirty="0" smtClean="0">
-                <a:cs typeface="Consolas"/>
-              </a:rPr>
-              <a:t>-logs directory</a:t>
-            </a:r>
-            <a:endParaRPr lang="en-US" dirty="0">
-              <a:cs typeface="Consolas"/>
-            </a:endParaRPr>
-          </a:p>
-          <a:p>
-            <a:endParaRPr lang="en-US" dirty="0">
-              <a:cs typeface="Consolas"/>
-            </a:endParaRPr>
-          </a:p>
-          <a:p>
-            <a:r>
-              <a:rPr lang="en-US" dirty="0">
-                <a:cs typeface="Consolas"/>
-              </a:rPr>
-              <a:t>Start </a:t>
-            </a:r>
-            <a:r>
-              <a:rPr lang="en-US" dirty="0" smtClean="0">
-                <a:cs typeface="Consolas"/>
-              </a:rPr>
-              <a:t>Kafka</a:t>
-            </a:r>
-            <a:endParaRPr lang="en-US" dirty="0">
-              <a:cs typeface="Consolas"/>
-            </a:endParaRPr>
-          </a:p>
-          <a:p>
-            <a:pPr marL="886968" lvl="2" indent="0">
-              <a:buNone/>
-            </a:pPr>
-            <a:r>
-              <a:rPr lang="en-US" dirty="0" smtClean="0">
-                <a:latin typeface="Consolas"/>
-                <a:cs typeface="Consolas"/>
-              </a:rPr>
-              <a:t>kafka_2.11-0.8.2.2/bin/</a:t>
-            </a:r>
-            <a:r>
-              <a:rPr lang="en-US" dirty="0" err="1" smtClean="0">
-                <a:latin typeface="Consolas"/>
-                <a:cs typeface="Consolas"/>
-              </a:rPr>
-              <a:t>kafka</a:t>
-            </a:r>
-            <a:r>
-              <a:rPr lang="en-US" dirty="0" smtClean="0">
-                <a:latin typeface="Consolas"/>
-                <a:cs typeface="Consolas"/>
-              </a:rPr>
-              <a:t>-server-</a:t>
-            </a:r>
-            <a:r>
-              <a:rPr lang="en-US" dirty="0" err="1" smtClean="0">
-                <a:latin typeface="Consolas"/>
-                <a:cs typeface="Consolas"/>
-              </a:rPr>
-              <a:t>start.sh</a:t>
-            </a:r>
-            <a:r>
-              <a:rPr lang="en-US" dirty="0" smtClean="0">
-                <a:latin typeface="Consolas"/>
-                <a:cs typeface="Consolas"/>
-              </a:rPr>
-              <a:t> –daemon</a:t>
-            </a:r>
-          </a:p>
-          <a:p>
-            <a:pPr marL="886968" lvl="2" indent="0">
-              <a:buNone/>
-            </a:pPr>
-            <a:r>
-              <a:rPr lang="en-US" dirty="0" smtClean="0">
-                <a:latin typeface="Consolas"/>
-                <a:cs typeface="Consolas"/>
-              </a:rPr>
-              <a:t>/</a:t>
-            </a:r>
-            <a:r>
-              <a:rPr lang="en-US" dirty="0" err="1">
-                <a:latin typeface="Consolas"/>
-                <a:cs typeface="Consolas"/>
-              </a:rPr>
-              <a:t>usr</a:t>
-            </a:r>
-            <a:r>
-              <a:rPr lang="en-US" dirty="0">
-                <a:latin typeface="Consolas"/>
-                <a:cs typeface="Consolas"/>
-              </a:rPr>
-              <a:t>/local/</a:t>
-            </a:r>
-            <a:r>
-              <a:rPr lang="en-US" dirty="0" err="1">
-                <a:latin typeface="Consolas"/>
-                <a:cs typeface="Consolas"/>
-              </a:rPr>
-              <a:t>kafka</a:t>
-            </a:r>
-            <a:r>
-              <a:rPr lang="en-US" dirty="0">
-                <a:latin typeface="Consolas"/>
-                <a:cs typeface="Consolas"/>
-              </a:rPr>
-              <a:t>/</a:t>
-            </a:r>
-            <a:r>
-              <a:rPr lang="en-US" dirty="0" err="1">
-                <a:latin typeface="Consolas"/>
-                <a:cs typeface="Consolas"/>
-              </a:rPr>
-              <a:t>config</a:t>
-            </a:r>
-            <a:r>
-              <a:rPr lang="en-US" dirty="0">
-                <a:latin typeface="Consolas"/>
-                <a:cs typeface="Consolas"/>
-              </a:rPr>
-              <a:t>/</a:t>
-            </a:r>
-            <a:r>
-              <a:rPr lang="en-US" dirty="0" err="1">
-                <a:latin typeface="Consolas"/>
-                <a:cs typeface="Consolas"/>
-              </a:rPr>
-              <a:t>server.properties</a:t>
-            </a:r>
-            <a:r>
-              <a:rPr lang="en-US" dirty="0">
-                <a:latin typeface="Consolas"/>
-                <a:cs typeface="Consolas"/>
-              </a:rPr>
-              <a:t/>
-            </a:r>
-            <a:br>
-              <a:rPr lang="en-US" dirty="0">
-                <a:latin typeface="Consolas"/>
-                <a:cs typeface="Consolas"/>
-              </a:rPr>
-            </a:br>
-            <a:endParaRPr lang="en-US" dirty="0">
-              <a:latin typeface="Consolas"/>
-              <a:cs typeface="Consolas"/>
-            </a:endParaRPr>
-          </a:p>
-        </p:txBody>
-      </p:sp>
+      </p:pic>
       <p:sp>
         <p:nvSpPr>
           <p:cNvPr id="4" name="Slide Number Placeholder 3"/>
@@ -17478,7 +17340,7 @@
     </p:spTree>
     <p:extLst>
       <p:ext uri="{BB962C8B-B14F-4D97-AF65-F5344CB8AC3E}">
-        <p14:creationId xmlns:p14="http://schemas.microsoft.com/office/powerpoint/2010/main" val="3203704481"/>
+        <p14:creationId xmlns:p14="http://schemas.microsoft.com/office/powerpoint/2010/main" val="3529182166"/>
       </p:ext>
     </p:extLst>
   </p:cSld>
@@ -17636,7 +17498,7 @@
           <a:p>
             <a:r>
               <a:rPr lang="en-US" dirty="0" smtClean="0"/>
-              <a:t>Producing and Consuming</a:t>
+              <a:t>Installing Kafka</a:t>
             </a:r>
             <a:endParaRPr lang="en-US" dirty="0"/>
           </a:p>
@@ -17644,20 +17506,216 @@
       </p:sp>
       <p:sp>
         <p:nvSpPr>
-          <p:cNvPr id="3" name="Text Placeholder 2"/>
+          <p:cNvPr id="3" name="Content Placeholder 2"/>
           <p:cNvSpPr>
             <a:spLocks noGrp="1"/>
           </p:cNvSpPr>
           <p:nvPr>
-            <p:ph type="body" idx="1"/>
+            <p:ph idx="1"/>
           </p:nvPr>
         </p:nvSpPr>
         <p:spPr/>
         <p:txBody>
-          <a:bodyPr/>
+          <a:bodyPr>
+            <a:normAutofit/>
+          </a:bodyPr>
           <a:lstStyle/>
           <a:p>
-            <a:endParaRPr lang="en-US"/>
+            <a:r>
+              <a:rPr lang="en-US" dirty="0"/>
+              <a:t>Unpack the </a:t>
+            </a:r>
+            <a:r>
+              <a:rPr lang="en-US" dirty="0" smtClean="0"/>
+              <a:t>kafka_2.11-0.8.2.2.tgz </a:t>
+            </a:r>
+            <a:r>
+              <a:rPr lang="en-US" dirty="0"/>
+              <a:t>distribution</a:t>
+            </a:r>
+          </a:p>
+          <a:p>
+            <a:pPr marL="0" indent="0">
+              <a:buNone/>
+            </a:pPr>
+            <a:endParaRPr lang="en-US" dirty="0">
+              <a:cs typeface="Consolas"/>
+            </a:endParaRPr>
+          </a:p>
+          <a:p>
+            <a:r>
+              <a:rPr lang="en-US" dirty="0">
+                <a:cs typeface="Consolas"/>
+              </a:rPr>
+              <a:t>Create the /</a:t>
+            </a:r>
+            <a:r>
+              <a:rPr lang="en-US" dirty="0" err="1">
+                <a:cs typeface="Consolas"/>
+              </a:rPr>
+              <a:t>tmp</a:t>
+            </a:r>
+            <a:r>
+              <a:rPr lang="en-US" dirty="0" smtClean="0">
+                <a:cs typeface="Consolas"/>
+              </a:rPr>
+              <a:t>/</a:t>
+            </a:r>
+            <a:r>
+              <a:rPr lang="en-US" dirty="0" err="1" smtClean="0">
+                <a:cs typeface="Consolas"/>
+              </a:rPr>
+              <a:t>kafka</a:t>
+            </a:r>
+            <a:r>
+              <a:rPr lang="en-US" dirty="0" smtClean="0">
+                <a:cs typeface="Consolas"/>
+              </a:rPr>
+              <a:t>-logs directory</a:t>
+            </a:r>
+            <a:endParaRPr lang="en-US" dirty="0">
+              <a:cs typeface="Consolas"/>
+            </a:endParaRPr>
+          </a:p>
+          <a:p>
+            <a:endParaRPr lang="en-US" dirty="0">
+              <a:cs typeface="Consolas"/>
+            </a:endParaRPr>
+          </a:p>
+          <a:p>
+            <a:r>
+              <a:rPr lang="en-US" dirty="0">
+                <a:cs typeface="Consolas"/>
+              </a:rPr>
+              <a:t>Start </a:t>
+            </a:r>
+            <a:r>
+              <a:rPr lang="en-US" dirty="0" smtClean="0">
+                <a:cs typeface="Consolas"/>
+              </a:rPr>
+              <a:t>Kafka</a:t>
+            </a:r>
+            <a:endParaRPr lang="en-US" dirty="0">
+              <a:cs typeface="Consolas"/>
+            </a:endParaRPr>
+          </a:p>
+          <a:p>
+            <a:pPr marL="886968" lvl="2" indent="0">
+              <a:buNone/>
+            </a:pPr>
+            <a:r>
+              <a:rPr lang="en-US" dirty="0" smtClean="0">
+                <a:latin typeface="Consolas"/>
+                <a:cs typeface="Consolas"/>
+              </a:rPr>
+              <a:t>kafka_2.11-0.8.2.2/bin/</a:t>
+            </a:r>
+            <a:r>
+              <a:rPr lang="en-US" dirty="0" err="1" smtClean="0">
+                <a:latin typeface="Consolas"/>
+                <a:cs typeface="Consolas"/>
+              </a:rPr>
+              <a:t>kafka</a:t>
+            </a:r>
+            <a:r>
+              <a:rPr lang="en-US" dirty="0" smtClean="0">
+                <a:latin typeface="Consolas"/>
+                <a:cs typeface="Consolas"/>
+              </a:rPr>
+              <a:t>-server-</a:t>
+            </a:r>
+            <a:r>
+              <a:rPr lang="en-US" dirty="0" err="1" smtClean="0">
+                <a:latin typeface="Consolas"/>
+                <a:cs typeface="Consolas"/>
+              </a:rPr>
+              <a:t>start.sh</a:t>
+            </a:r>
+            <a:r>
+              <a:rPr lang="en-US" dirty="0" smtClean="0">
+                <a:latin typeface="Consolas"/>
+                <a:cs typeface="Consolas"/>
+              </a:rPr>
+              <a:t> –daemon</a:t>
+            </a:r>
+          </a:p>
+          <a:p>
+            <a:pPr marL="886968" lvl="2" indent="0">
+              <a:buNone/>
+            </a:pPr>
+            <a:r>
+              <a:rPr lang="en-US" dirty="0" smtClean="0">
+                <a:latin typeface="Consolas"/>
+                <a:cs typeface="Consolas"/>
+              </a:rPr>
+              <a:t>/</a:t>
+            </a:r>
+            <a:r>
+              <a:rPr lang="en-US" dirty="0" err="1">
+                <a:latin typeface="Consolas"/>
+                <a:cs typeface="Consolas"/>
+              </a:rPr>
+              <a:t>usr</a:t>
+            </a:r>
+            <a:r>
+              <a:rPr lang="en-US" dirty="0">
+                <a:latin typeface="Consolas"/>
+                <a:cs typeface="Consolas"/>
+              </a:rPr>
+              <a:t>/local/</a:t>
+            </a:r>
+            <a:r>
+              <a:rPr lang="en-US" dirty="0" err="1">
+                <a:latin typeface="Consolas"/>
+                <a:cs typeface="Consolas"/>
+              </a:rPr>
+              <a:t>kafka</a:t>
+            </a:r>
+            <a:r>
+              <a:rPr lang="en-US" dirty="0">
+                <a:latin typeface="Consolas"/>
+                <a:cs typeface="Consolas"/>
+              </a:rPr>
+              <a:t>/</a:t>
+            </a:r>
+            <a:r>
+              <a:rPr lang="en-US" dirty="0" err="1">
+                <a:latin typeface="Consolas"/>
+                <a:cs typeface="Consolas"/>
+              </a:rPr>
+              <a:t>config</a:t>
+            </a:r>
+            <a:r>
+              <a:rPr lang="en-US" dirty="0">
+                <a:latin typeface="Consolas"/>
+                <a:cs typeface="Consolas"/>
+              </a:rPr>
+              <a:t>/</a:t>
+            </a:r>
+            <a:r>
+              <a:rPr lang="en-US" dirty="0" err="1">
+                <a:latin typeface="Consolas"/>
+                <a:cs typeface="Consolas"/>
+              </a:rPr>
+              <a:t>server.properties</a:t>
+            </a:r>
+            <a:r>
+              <a:rPr lang="en-US" dirty="0">
+                <a:latin typeface="Consolas"/>
+                <a:cs typeface="Consolas"/>
+              </a:rPr>
+              <a:t/>
+            </a:r>
+            <a:br>
+              <a:rPr lang="en-US" dirty="0">
+                <a:latin typeface="Consolas"/>
+                <a:cs typeface="Consolas"/>
+              </a:rPr>
+            </a:br>
+            <a:endParaRPr lang="en-US" dirty="0">
+              <a:latin typeface="Consolas"/>
+              <a:cs typeface="Consolas"/>
+            </a:endParaRPr>
           </a:p>
         </p:txBody>
       </p:sp>
@@ -17688,7 +17746,7 @@
     </p:spTree>
     <p:extLst>
       <p:ext uri="{BB962C8B-B14F-4D97-AF65-F5344CB8AC3E}">
-        <p14:creationId xmlns:p14="http://schemas.microsoft.com/office/powerpoint/2010/main" val="1370720964"/>
+        <p14:creationId xmlns:p14="http://schemas.microsoft.com/office/powerpoint/2010/main" val="3203704481"/>
       </p:ext>
     </p:extLst>
   </p:cSld>
@@ -17739,7 +17797,7 @@
           <a:p>
             <a:r>
               <a:rPr lang="en-US" dirty="0" smtClean="0"/>
-              <a:t>Message Schemas</a:t>
+              <a:t>Producing and Consuming</a:t>
             </a:r>
             <a:endParaRPr lang="en-US" dirty="0"/>
           </a:p>
@@ -17747,12 +17805,12 @@
       </p:sp>
       <p:sp>
         <p:nvSpPr>
-          <p:cNvPr id="3" name="Content Placeholder 2"/>
+          <p:cNvPr id="3" name="Text Placeholder 2"/>
           <p:cNvSpPr>
             <a:spLocks noGrp="1"/>
           </p:cNvSpPr>
           <p:nvPr>
-            <p:ph idx="1"/>
+            <p:ph type="body" idx="1"/>
           </p:nvPr>
         </p:nvSpPr>
         <p:spPr/>
@@ -17760,74 +17818,7 @@
           <a:bodyPr/>
           <a:lstStyle/>
           <a:p>
-            <a:r>
-              <a:rPr lang="en-US" dirty="0" smtClean="0"/>
-              <a:t>Why enforce schemas?</a:t>
-            </a:r>
-          </a:p>
-          <a:p>
-            <a:pPr lvl="1"/>
-            <a:r>
-              <a:rPr lang="en-US" dirty="0" smtClean="0"/>
-              <a:t>Documentation for message formats</a:t>
-            </a:r>
-          </a:p>
-          <a:p>
-            <a:pPr lvl="1"/>
-            <a:r>
-              <a:rPr lang="en-US" dirty="0" smtClean="0"/>
-              <a:t>Decouple consumers from producers</a:t>
-            </a:r>
-          </a:p>
-          <a:p>
-            <a:pPr lvl="1"/>
-            <a:endParaRPr lang="en-US" dirty="0"/>
-          </a:p>
-          <a:p>
-            <a:r>
-              <a:rPr lang="en-US" dirty="0" smtClean="0"/>
-              <a:t>Types of schemas</a:t>
-            </a:r>
-          </a:p>
-          <a:p>
-            <a:pPr lvl="1"/>
-            <a:r>
-              <a:rPr lang="en-US" dirty="0" smtClean="0"/>
-              <a:t>JSON</a:t>
-            </a:r>
-          </a:p>
-          <a:p>
-            <a:pPr lvl="1"/>
-            <a:r>
-              <a:rPr lang="en-US" dirty="0" err="1" smtClean="0"/>
-              <a:t>Protobuf</a:t>
-            </a:r>
-            <a:endParaRPr lang="en-US" dirty="0" smtClean="0"/>
-          </a:p>
-          <a:p>
-            <a:pPr lvl="1"/>
-            <a:r>
-              <a:rPr lang="en-US" dirty="0" smtClean="0"/>
-              <a:t>Avro</a:t>
-            </a:r>
-          </a:p>
-          <a:p>
-            <a:pPr lvl="1"/>
-            <a:endParaRPr lang="en-US" dirty="0"/>
-          </a:p>
-          <a:p>
-            <a:r>
-              <a:rPr lang="en-US" dirty="0" smtClean="0"/>
-              <a:t>Centralized Registry</a:t>
-            </a:r>
-          </a:p>
-          <a:p>
-            <a:pPr lvl="1"/>
-            <a:r>
-              <a:rPr lang="en-US" dirty="0" smtClean="0"/>
-              <a:t>Not part of Kafka, but a good idea</a:t>
-            </a:r>
-            <a:endParaRPr lang="en-US" dirty="0"/>
+            <a:endParaRPr lang="en-US"/>
           </a:p>
         </p:txBody>
       </p:sp>
@@ -17858,7 +17849,7 @@
     </p:spTree>
     <p:extLst>
       <p:ext uri="{BB962C8B-B14F-4D97-AF65-F5344CB8AC3E}">
-        <p14:creationId xmlns:p14="http://schemas.microsoft.com/office/powerpoint/2010/main" val="243425401"/>
+        <p14:creationId xmlns:p14="http://schemas.microsoft.com/office/powerpoint/2010/main" val="1370720964"/>
       </p:ext>
     </p:extLst>
   </p:cSld>
@@ -17909,6 +17900,176 @@
           <a:p>
             <a:r>
               <a:rPr lang="en-US" dirty="0" smtClean="0"/>
+              <a:t>Message Schemas</a:t>
+            </a:r>
+            <a:endParaRPr lang="en-US" dirty="0"/>
+          </a:p>
+        </p:txBody>
+      </p:sp>
+      <p:sp>
+        <p:nvSpPr>
+          <p:cNvPr id="3" name="Content Placeholder 2"/>
+          <p:cNvSpPr>
+            <a:spLocks noGrp="1"/>
+          </p:cNvSpPr>
+          <p:nvPr>
+            <p:ph idx="1"/>
+          </p:nvPr>
+        </p:nvSpPr>
+        <p:spPr/>
+        <p:txBody>
+          <a:bodyPr/>
+          <a:lstStyle/>
+          <a:p>
+            <a:r>
+              <a:rPr lang="en-US" dirty="0" smtClean="0"/>
+              <a:t>Why enforce schemas?</a:t>
+            </a:r>
+          </a:p>
+          <a:p>
+            <a:pPr lvl="1"/>
+            <a:r>
+              <a:rPr lang="en-US" dirty="0" smtClean="0"/>
+              <a:t>Documentation for message formats</a:t>
+            </a:r>
+          </a:p>
+          <a:p>
+            <a:pPr lvl="1"/>
+            <a:r>
+              <a:rPr lang="en-US" dirty="0" smtClean="0"/>
+              <a:t>Decouple consumers from producers</a:t>
+            </a:r>
+          </a:p>
+          <a:p>
+            <a:pPr lvl="1"/>
+            <a:endParaRPr lang="en-US" dirty="0"/>
+          </a:p>
+          <a:p>
+            <a:r>
+              <a:rPr lang="en-US" dirty="0" smtClean="0"/>
+              <a:t>Types of schemas</a:t>
+            </a:r>
+          </a:p>
+          <a:p>
+            <a:pPr lvl="1"/>
+            <a:r>
+              <a:rPr lang="en-US" dirty="0" smtClean="0"/>
+              <a:t>JSON</a:t>
+            </a:r>
+          </a:p>
+          <a:p>
+            <a:pPr lvl="1"/>
+            <a:r>
+              <a:rPr lang="en-US" dirty="0" err="1" smtClean="0"/>
+              <a:t>Protobuf</a:t>
+            </a:r>
+            <a:endParaRPr lang="en-US" dirty="0" smtClean="0"/>
+          </a:p>
+          <a:p>
+            <a:pPr lvl="1"/>
+            <a:r>
+              <a:rPr lang="en-US" dirty="0" smtClean="0"/>
+              <a:t>Avro</a:t>
+            </a:r>
+          </a:p>
+          <a:p>
+            <a:pPr lvl="1"/>
+            <a:endParaRPr lang="en-US" dirty="0"/>
+          </a:p>
+          <a:p>
+            <a:r>
+              <a:rPr lang="en-US" dirty="0" smtClean="0"/>
+              <a:t>Centralized Registry</a:t>
+            </a:r>
+          </a:p>
+          <a:p>
+            <a:pPr lvl="1"/>
+            <a:r>
+              <a:rPr lang="en-US" dirty="0" smtClean="0"/>
+              <a:t>Not part of Kafka, but a good idea</a:t>
+            </a:r>
+            <a:endParaRPr lang="en-US" dirty="0"/>
+          </a:p>
+        </p:txBody>
+      </p:sp>
+      <p:sp>
+        <p:nvSpPr>
+          <p:cNvPr id="4" name="Slide Number Placeholder 3"/>
+          <p:cNvSpPr>
+            <a:spLocks noGrp="1"/>
+          </p:cNvSpPr>
+          <p:nvPr>
+            <p:ph type="sldNum" sz="quarter" idx="10"/>
+          </p:nvPr>
+        </p:nvSpPr>
+        <p:spPr/>
+        <p:txBody>
+          <a:bodyPr/>
+          <a:lstStyle/>
+          <a:p>
+            <a:fld id="{75897B0D-BA2C-2244-86F3-025175B80EAC}" type="slidenum">
+              <a:rPr lang="en-US" smtClean="0"/>
+              <a:pPr/>
+              <a:t>22</a:t>
+            </a:fld>
+            <a:endParaRPr lang="en-US" dirty="0"/>
+          </a:p>
+        </p:txBody>
+      </p:sp>
+    </p:spTree>
+    <p:extLst>
+      <p:ext uri="{BB962C8B-B14F-4D97-AF65-F5344CB8AC3E}">
+        <p14:creationId xmlns:p14="http://schemas.microsoft.com/office/powerpoint/2010/main" val="243425401"/>
+      </p:ext>
+    </p:extLst>
+  </p:cSld>
+  <p:clrMapOvr>
+    <a:masterClrMapping/>
+  </p:clrMapOvr>
+  <p:timing>
+    <p:tnLst>
+      <p:par>
+        <p:cTn xmlns:p14="http://schemas.microsoft.com/office/powerpoint/2010/main" id="1" dur="indefinite" restart="never" nodeType="tmRoot"/>
+      </p:par>
+    </p:tnLst>
+  </p:timing>
+</p:sld>
+</file>
+
+<file path=ppt/slides/slide23.xml><?xml version="1.0" encoding="utf-8"?>
+<p:sld xmlns:a="http://schemas.openxmlformats.org/drawingml/2006/main" xmlns:r="http://schemas.openxmlformats.org/officeDocument/2006/relationships" xmlns:p="http://schemas.openxmlformats.org/presentationml/2006/main">
+  <p:cSld>
+    <p:spTree>
+      <p:nvGrpSpPr>
+        <p:cNvPr id="1" name=""/>
+        <p:cNvGrpSpPr/>
+        <p:nvPr/>
+      </p:nvGrpSpPr>
+      <p:grpSpPr>
+        <a:xfrm>
+          <a:off x="0" y="0"/>
+          <a:ext cx="0" cy="0"/>
+          <a:chOff x="0" y="0"/>
+          <a:chExt cx="0" cy="0"/>
+        </a:xfrm>
+      </p:grpSpPr>
+      <p:sp>
+        <p:nvSpPr>
+          <p:cNvPr id="2" name="Title 1"/>
+          <p:cNvSpPr>
+            <a:spLocks noGrp="1"/>
+          </p:cNvSpPr>
+          <p:nvPr>
+            <p:ph type="title"/>
+          </p:nvPr>
+        </p:nvSpPr>
+        <p:spPr/>
+        <p:txBody>
+          <a:bodyPr/>
+          <a:lstStyle/>
+          <a:p>
+            <a:r>
+              <a:rPr lang="en-US" dirty="0" smtClean="0"/>
               <a:t>Kafka with Schema Registry</a:t>
             </a:r>
             <a:endParaRPr lang="en-US" dirty="0"/>
@@ -17933,7 +18094,7 @@
             <a:fld id="{75897B0D-BA2C-2244-86F3-025175B80EAC}" type="slidenum">
               <a:rPr lang="en-US" smtClean="0"/>
               <a:pPr/>
-              <a:t>22</a:t>
+              <a:t>23</a:t>
             </a:fld>
             <a:endParaRPr lang="en-US" dirty="0"/>
           </a:p>
@@ -17989,184 +18150,6 @@
 </p:sld>
 </file>
 
-<file path=ppt/slides/slide23.xml><?xml version="1.0" encoding="utf-8"?>
-<p:sld xmlns:a="http://schemas.openxmlformats.org/drawingml/2006/main" xmlns:r="http://schemas.openxmlformats.org/officeDocument/2006/relationships" xmlns:p="http://schemas.openxmlformats.org/presentationml/2006/main">
-  <p:cSld>
-    <p:spTree>
-      <p:nvGrpSpPr>
-        <p:cNvPr id="1" name=""/>
-        <p:cNvGrpSpPr/>
-        <p:nvPr/>
-      </p:nvGrpSpPr>
-      <p:grpSpPr>
-        <a:xfrm>
-          <a:off x="0" y="0"/>
-          <a:ext cx="0" cy="0"/>
-          <a:chOff x="0" y="0"/>
-          <a:chExt cx="0" cy="0"/>
-        </a:xfrm>
-      </p:grpSpPr>
-      <p:sp>
-        <p:nvSpPr>
-          <p:cNvPr id="2" name="Title 1"/>
-          <p:cNvSpPr>
-            <a:spLocks noGrp="1"/>
-          </p:cNvSpPr>
-          <p:nvPr>
-            <p:ph type="title"/>
-          </p:nvPr>
-        </p:nvSpPr>
-        <p:spPr/>
-        <p:txBody>
-          <a:bodyPr/>
-          <a:lstStyle/>
-          <a:p>
-            <a:r>
-              <a:rPr lang="en-US" dirty="0" smtClean="0"/>
-              <a:t>Console Producer</a:t>
-            </a:r>
-            <a:endParaRPr lang="en-US" dirty="0"/>
-          </a:p>
-        </p:txBody>
-      </p:sp>
-      <p:sp>
-        <p:nvSpPr>
-          <p:cNvPr id="3" name="Content Placeholder 2"/>
-          <p:cNvSpPr>
-            <a:spLocks noGrp="1"/>
-          </p:cNvSpPr>
-          <p:nvPr>
-            <p:ph idx="1"/>
-          </p:nvPr>
-        </p:nvSpPr>
-        <p:spPr/>
-        <p:txBody>
-          <a:bodyPr/>
-          <a:lstStyle/>
-          <a:p>
-            <a:r>
-              <a:rPr lang="en-US" dirty="0" smtClean="0"/>
-              <a:t>Simple CLI producer provided with Kafka</a:t>
-            </a:r>
-          </a:p>
-          <a:p>
-            <a:endParaRPr lang="en-US" dirty="0" smtClean="0"/>
-          </a:p>
-          <a:p>
-            <a:r>
-              <a:rPr lang="en-US" dirty="0" smtClean="0"/>
-              <a:t>Important options</a:t>
-            </a:r>
-          </a:p>
-          <a:p>
-            <a:pPr lvl="1"/>
-            <a:r>
-              <a:rPr lang="en-US" dirty="0"/>
-              <a:t>--broker-</a:t>
-            </a:r>
-            <a:r>
-              <a:rPr lang="en-US" dirty="0" smtClean="0"/>
-              <a:t>list – semicolon separated list of </a:t>
-            </a:r>
-            <a:r>
-              <a:rPr lang="en-US" dirty="0" err="1" smtClean="0"/>
-              <a:t>host:port</a:t>
-            </a:r>
-            <a:r>
-              <a:rPr lang="en-US" dirty="0" smtClean="0"/>
-              <a:t> pairs</a:t>
-            </a:r>
-          </a:p>
-          <a:p>
-            <a:pPr lvl="1"/>
-            <a:r>
-              <a:rPr lang="en-US" dirty="0" smtClean="0"/>
-              <a:t>--compress – enable compression of messages</a:t>
-            </a:r>
-          </a:p>
-          <a:p>
-            <a:pPr lvl="1"/>
-            <a:r>
-              <a:rPr lang="en-US" dirty="0"/>
-              <a:t>--request-required-</a:t>
-            </a:r>
-            <a:r>
-              <a:rPr lang="en-US" dirty="0" err="1" smtClean="0"/>
-              <a:t>acks</a:t>
-            </a:r>
-            <a:r>
-              <a:rPr lang="en-US" dirty="0" smtClean="0"/>
-              <a:t> – Set to 1 to wait for acknowledgement of receipt</a:t>
-            </a:r>
-          </a:p>
-          <a:p>
-            <a:pPr lvl="1"/>
-            <a:r>
-              <a:rPr lang="en-US" dirty="0" smtClean="0"/>
-              <a:t>--topic – Where to send your message</a:t>
-            </a:r>
-          </a:p>
-          <a:p>
-            <a:endParaRPr lang="en-US" dirty="0"/>
-          </a:p>
-          <a:p>
-            <a:r>
-              <a:rPr lang="en-US" dirty="0" smtClean="0"/>
-              <a:t>More options exist to facilitate batching, serialization</a:t>
-            </a:r>
-          </a:p>
-          <a:p>
-            <a:pPr marL="0" indent="0">
-              <a:buNone/>
-            </a:pPr>
-            <a:endParaRPr lang="en-US" dirty="0" smtClean="0"/>
-          </a:p>
-        </p:txBody>
-      </p:sp>
-      <p:sp>
-        <p:nvSpPr>
-          <p:cNvPr id="4" name="Slide Number Placeholder 3"/>
-          <p:cNvSpPr>
-            <a:spLocks noGrp="1"/>
-          </p:cNvSpPr>
-          <p:nvPr>
-            <p:ph type="sldNum" sz="quarter" idx="10"/>
-          </p:nvPr>
-        </p:nvSpPr>
-        <p:spPr/>
-        <p:txBody>
-          <a:bodyPr/>
-          <a:lstStyle/>
-          <a:p>
-            <a:fld id="{75897B0D-BA2C-2244-86F3-025175B80EAC}" type="slidenum">
-              <a:rPr lang="en-US" smtClean="0"/>
-              <a:pPr/>
-              <a:t>23</a:t>
-            </a:fld>
-            <a:endParaRPr lang="en-US" dirty="0"/>
-          </a:p>
-        </p:txBody>
-      </p:sp>
-    </p:spTree>
-    <p:extLst>
-      <p:ext uri="{BB962C8B-B14F-4D97-AF65-F5344CB8AC3E}">
-        <p14:creationId xmlns:p14="http://schemas.microsoft.com/office/powerpoint/2010/main" val="1590427304"/>
-      </p:ext>
-    </p:extLst>
-  </p:cSld>
-  <p:clrMapOvr>
-    <a:masterClrMapping/>
-  </p:clrMapOvr>
-  <p:timing>
-    <p:tnLst>
-      <p:par>
-        <p:cTn xmlns:p14="http://schemas.microsoft.com/office/powerpoint/2010/main" id="1" dur="indefinite" restart="never" nodeType="tmRoot"/>
-      </p:par>
-    </p:tnLst>
-  </p:timing>
-</p:sld>
-</file>
-
 <file path=ppt/slides/slide24.xml><?xml version="1.0" encoding="utf-8"?>
 <p:sld xmlns:a="http://schemas.openxmlformats.org/drawingml/2006/main" xmlns:r="http://schemas.openxmlformats.org/officeDocument/2006/relationships" xmlns:p="http://schemas.openxmlformats.org/presentationml/2006/main">
   <p:cSld>
@@ -18201,7 +18184,7 @@
           <a:p>
             <a:r>
               <a:rPr lang="en-US" dirty="0" smtClean="0"/>
-              <a:t>Explicitly Creating a Topic</a:t>
+              <a:t>Console Producer</a:t>
             </a:r>
             <a:endParaRPr lang="en-US" dirty="0"/>
           </a:p>
@@ -18224,7 +18207,64 @@
           <a:p>
             <a:r>
               <a:rPr lang="en-US" dirty="0" smtClean="0"/>
-              <a:t>Example assumes you have started Kafka on the default port of 9092, and your current working directory is the installation directory</a:t>
+              <a:t>Simple CLI producer provided with Kafka</a:t>
+            </a:r>
+          </a:p>
+          <a:p>
+            <a:endParaRPr lang="en-US" dirty="0" smtClean="0"/>
+          </a:p>
+          <a:p>
+            <a:r>
+              <a:rPr lang="en-US" dirty="0" smtClean="0"/>
+              <a:t>Important options</a:t>
+            </a:r>
+          </a:p>
+          <a:p>
+            <a:pPr lvl="1"/>
+            <a:r>
+              <a:rPr lang="en-US" dirty="0"/>
+              <a:t>--broker-</a:t>
+            </a:r>
+            <a:r>
+              <a:rPr lang="en-US" dirty="0" smtClean="0"/>
+              <a:t>list – semicolon separated list of </a:t>
+            </a:r>
+            <a:r>
+              <a:rPr lang="en-US" dirty="0" err="1" smtClean="0"/>
+              <a:t>host:port</a:t>
+            </a:r>
+            <a:r>
+              <a:rPr lang="en-US" dirty="0" smtClean="0"/>
+              <a:t> pairs</a:t>
+            </a:r>
+          </a:p>
+          <a:p>
+            <a:pPr lvl="1"/>
+            <a:r>
+              <a:rPr lang="en-US" dirty="0" smtClean="0"/>
+              <a:t>--compress – enable compression of messages</a:t>
+            </a:r>
+          </a:p>
+          <a:p>
+            <a:pPr lvl="1"/>
+            <a:r>
+              <a:rPr lang="en-US" dirty="0"/>
+              <a:t>--request-required-</a:t>
+            </a:r>
+            <a:r>
+              <a:rPr lang="en-US" dirty="0" err="1" smtClean="0"/>
+              <a:t>acks</a:t>
+            </a:r>
+            <a:r>
+              <a:rPr lang="en-US" dirty="0" smtClean="0"/>
+              <a:t> – Set to 1 to wait for acknowledgement of receipt</a:t>
+            </a:r>
+          </a:p>
+          <a:p>
+            <a:pPr lvl="1"/>
+            <a:r>
+              <a:rPr lang="en-US" dirty="0" smtClean="0"/>
+              <a:t>--topic – Where to send your message</a:t>
             </a:r>
           </a:p>
           <a:p>
@@ -18233,89 +18273,14 @@
           <a:p>
             <a:r>
               <a:rPr lang="en-US" dirty="0" smtClean="0"/>
-              <a:t>Execute the following command:</a:t>
-            </a:r>
-            <a:endParaRPr lang="en-US" dirty="0"/>
-          </a:p>
-          <a:p>
-            <a:pPr marL="486918" lvl="1" indent="0">
+              <a:t>More options exist to facilitate batching, serialization</a:t>
+            </a:r>
+          </a:p>
+          <a:p>
+            <a:pPr marL="0" indent="0">
               <a:buNone/>
             </a:pPr>
-            <a:r>
-              <a:rPr lang="en-US" dirty="0" smtClean="0">
-                <a:latin typeface="Consolas"/>
-                <a:cs typeface="Consolas"/>
-              </a:rPr>
-              <a:t>bin/</a:t>
-            </a:r>
-            <a:r>
-              <a:rPr lang="en-US" dirty="0" err="1" smtClean="0">
-                <a:latin typeface="Consolas"/>
-                <a:cs typeface="Consolas"/>
-              </a:rPr>
-              <a:t>kafka-topics.sh</a:t>
-            </a:r>
-            <a:r>
-              <a:rPr lang="en-US" dirty="0" smtClean="0">
-                <a:latin typeface="Consolas"/>
-                <a:cs typeface="Consolas"/>
-              </a:rPr>
-              <a:t> --zookeeper localhost:2181 --create --topic </a:t>
-            </a:r>
-            <a:r>
-              <a:rPr lang="en-US" dirty="0" err="1" smtClean="0">
-                <a:latin typeface="Consolas"/>
-                <a:cs typeface="Consolas"/>
-              </a:rPr>
-              <a:t>mytopic</a:t>
-            </a:r>
-            <a:r>
-              <a:rPr lang="en-US" dirty="0" smtClean="0">
-                <a:latin typeface="Consolas"/>
-                <a:cs typeface="Consolas"/>
-              </a:rPr>
-              <a:t> --replication-factor 1 --partitions 1</a:t>
-            </a:r>
-          </a:p>
-          <a:p>
-            <a:pPr marL="486918" lvl="1" indent="0">
-              <a:buNone/>
-            </a:pPr>
-            <a:endParaRPr lang="en-US" dirty="0"/>
-          </a:p>
-          <a:p>
-            <a:pPr marL="285750"/>
-            <a:r>
-              <a:rPr lang="en-US" dirty="0"/>
-              <a:t>r</a:t>
-            </a:r>
-            <a:r>
-              <a:rPr lang="en-US" dirty="0" smtClean="0"/>
-              <a:t>eplication-factor and partitions are required options</a:t>
-            </a:r>
-          </a:p>
-          <a:p>
-            <a:pPr marL="772668" lvl="1"/>
-            <a:r>
-              <a:rPr lang="en-US" dirty="0"/>
-              <a:t>r</a:t>
-            </a:r>
-            <a:r>
-              <a:rPr lang="en-US" dirty="0" smtClean="0"/>
-              <a:t>eplication-factor will be explained later</a:t>
-            </a:r>
-          </a:p>
-          <a:p>
-            <a:pPr marL="772668" lvl="1"/>
-            <a:r>
-              <a:rPr lang="en-US" dirty="0"/>
-              <a:t>p</a:t>
-            </a:r>
-            <a:r>
-              <a:rPr lang="en-US" dirty="0" smtClean="0"/>
-              <a:t>artitions is the number of partitions to create for the topic</a:t>
-            </a:r>
-            <a:endParaRPr lang="en-US" dirty="0"/>
+            <a:endParaRPr lang="en-US" dirty="0" smtClean="0"/>
           </a:p>
         </p:txBody>
       </p:sp>
@@ -18346,7 +18311,7 @@
     </p:spTree>
     <p:extLst>
       <p:ext uri="{BB962C8B-B14F-4D97-AF65-F5344CB8AC3E}">
-        <p14:creationId xmlns:p14="http://schemas.microsoft.com/office/powerpoint/2010/main" val="2637558917"/>
+        <p14:creationId xmlns:p14="http://schemas.microsoft.com/office/powerpoint/2010/main" val="1590427304"/>
       </p:ext>
     </p:extLst>
   </p:cSld>
@@ -18397,7 +18362,7 @@
           <a:p>
             <a:r>
               <a:rPr lang="en-US" dirty="0" smtClean="0"/>
-              <a:t>Produce Messages to Kafka</a:t>
+              <a:t>Explicitly Creating a Topic</a:t>
             </a:r>
             <a:endParaRPr lang="en-US" dirty="0"/>
           </a:p>
@@ -18420,77 +18385,43 @@
           <a:p>
             <a:r>
               <a:rPr lang="en-US" dirty="0" smtClean="0"/>
-              <a:t>Start the </a:t>
-            </a:r>
-            <a:r>
-              <a:rPr lang="en-US" dirty="0" err="1" smtClean="0"/>
-              <a:t>kafka</a:t>
-            </a:r>
-            <a:r>
-              <a:rPr lang="en-US" dirty="0" smtClean="0"/>
-              <a:t>-console-</a:t>
-            </a:r>
-            <a:r>
-              <a:rPr lang="en-US" dirty="0" err="1" smtClean="0"/>
-              <a:t>producer.sh</a:t>
-            </a:r>
-            <a:r>
-              <a:rPr lang="en-US" dirty="0" smtClean="0"/>
-              <a:t> tool:</a:t>
-            </a:r>
+              <a:t>Example assumes you have started Kafka on the default port of 9092, and your current working directory is the installation directory</a:t>
+            </a:r>
+          </a:p>
+          <a:p>
+            <a:endParaRPr lang="en-US" dirty="0"/>
+          </a:p>
+          <a:p>
+            <a:r>
+              <a:rPr lang="en-US" dirty="0" smtClean="0"/>
+              <a:t>Execute the following command:</a:t>
+            </a:r>
+            <a:endParaRPr lang="en-US" dirty="0"/>
           </a:p>
           <a:p>
             <a:pPr marL="486918" lvl="1" indent="0">
               <a:buNone/>
             </a:pPr>
-            <a:r>
-              <a:rPr lang="en-US" dirty="0">
-                <a:latin typeface="Consolas"/>
-                <a:cs typeface="Consolas"/>
-              </a:rPr>
-              <a:t>k</a:t>
-            </a:r>
             <a:r>
               <a:rPr lang="en-US" dirty="0" smtClean="0">
                 <a:latin typeface="Consolas"/>
                 <a:cs typeface="Consolas"/>
               </a:rPr>
-              <a:t>afka_2.11-0.8.2.2/</a:t>
-            </a:r>
-            <a:r>
-              <a:rPr lang="en-US" dirty="0">
+              <a:t>bin/</a:t>
+            </a:r>
+            <a:r>
+              <a:rPr lang="en-US" dirty="0" err="1" smtClean="0">
                 <a:latin typeface="Consolas"/>
                 <a:cs typeface="Consolas"/>
               </a:rPr>
-              <a:t>bin/</a:t>
-            </a:r>
-            <a:r>
-              <a:rPr lang="en-US" dirty="0" err="1">
+              <a:t>kafka-topics.sh</a:t>
+            </a:r>
+            <a:r>
+              <a:rPr lang="en-US" dirty="0" smtClean="0">
                 <a:latin typeface="Consolas"/>
                 <a:cs typeface="Consolas"/>
               </a:rPr>
-              <a:t>kafka</a:t>
-            </a:r>
-            <a:r>
-              <a:rPr lang="en-US" dirty="0">
-                <a:latin typeface="Consolas"/>
-                <a:cs typeface="Consolas"/>
-              </a:rPr>
-              <a:t>-console-</a:t>
-            </a:r>
-            <a:r>
-              <a:rPr lang="en-US" dirty="0" err="1">
-                <a:latin typeface="Consolas"/>
-                <a:cs typeface="Consolas"/>
-              </a:rPr>
-              <a:t>producer.sh</a:t>
-            </a:r>
-            <a:r>
-              <a:rPr lang="en-US" dirty="0">
-                <a:latin typeface="Consolas"/>
-                <a:cs typeface="Consolas"/>
-              </a:rPr>
-              <a:t> --broker-list localhost:9092 --topic </a:t>
+              <a:t> --zookeeper localhost:2181 --create --topic </a:t>
             </a:r>
             <a:r>
               <a:rPr lang="en-US" dirty="0" err="1" smtClean="0">
@@ -18499,41 +18430,51 @@
               </a:rPr>
               <a:t>mytopic</a:t>
             </a:r>
-            <a:endParaRPr lang="en-US" dirty="0">
-              <a:latin typeface="Consolas"/>
-              <a:cs typeface="Consolas"/>
-            </a:endParaRPr>
+            <a:r>
+              <a:rPr lang="en-US" dirty="0" smtClean="0">
+                <a:latin typeface="Consolas"/>
+                <a:cs typeface="Consolas"/>
+              </a:rPr>
+              <a:t> --replication-factor 1 --partitions 1</a:t>
+            </a:r>
+          </a:p>
+          <a:p>
+            <a:pPr marL="486918" lvl="1" indent="0">
+              <a:buNone/>
+            </a:pPr>
+            <a:endParaRPr lang="en-US" dirty="0"/>
           </a:p>
           <a:p>
             <a:pPr marL="285750"/>
-            <a:endParaRPr lang="en-US" dirty="0" smtClean="0"/>
-          </a:p>
-          <a:p>
-            <a:pPr marL="285750"/>
-            <a:r>
-              <a:rPr lang="en-US" dirty="0" smtClean="0"/>
-              <a:t>Produce some messages</a:t>
+            <a:r>
+              <a:rPr lang="en-US" dirty="0"/>
+              <a:t>r</a:t>
+            </a:r>
+            <a:r>
+              <a:rPr lang="en-US" dirty="0" smtClean="0"/>
+              <a:t>eplication-factor and partitions are required options</a:t>
             </a:r>
           </a:p>
           <a:p>
             <a:pPr marL="772668" lvl="1"/>
             <a:r>
-              <a:rPr lang="en-US" dirty="0" smtClean="0"/>
-              <a:t>Messages are simple strings</a:t>
+              <a:rPr lang="en-US" dirty="0"/>
+              <a:t>r</a:t>
+            </a:r>
+            <a:r>
+              <a:rPr lang="en-US" dirty="0" smtClean="0"/>
+              <a:t>eplication-factor will be explained later</a:t>
             </a:r>
           </a:p>
           <a:p>
             <a:pPr marL="772668" lvl="1"/>
             <a:r>
-              <a:rPr lang="en-US" dirty="0" smtClean="0"/>
-              <a:t>Hitting “Enter” sends the message</a:t>
-            </a:r>
-          </a:p>
-          <a:p>
-            <a:pPr marL="772668" lvl="1"/>
-            <a:r>
-              <a:rPr lang="en-US" dirty="0" smtClean="0"/>
-              <a:t>Control-D sends EOF and closes the producer</a:t>
+              <a:rPr lang="en-US" dirty="0"/>
+              <a:t>p</a:t>
+            </a:r>
+            <a:r>
+              <a:rPr lang="en-US" dirty="0" smtClean="0"/>
+              <a:t>artitions is the number of partitions to create for the topic</a:t>
             </a:r>
             <a:endParaRPr lang="en-US" dirty="0"/>
           </a:p>
@@ -18566,7 +18507,7 @@
     </p:spTree>
     <p:extLst>
       <p:ext uri="{BB962C8B-B14F-4D97-AF65-F5344CB8AC3E}">
-        <p14:creationId xmlns:p14="http://schemas.microsoft.com/office/powerpoint/2010/main" val="228531607"/>
+        <p14:creationId xmlns:p14="http://schemas.microsoft.com/office/powerpoint/2010/main" val="2637558917"/>
       </p:ext>
     </p:extLst>
   </p:cSld>
@@ -18617,7 +18558,7 @@
           <a:p>
             <a:r>
               <a:rPr lang="en-US" dirty="0" smtClean="0"/>
-              <a:t>Console Consumer</a:t>
+              <a:t>Produce Messages to Kafka</a:t>
             </a:r>
             <a:endParaRPr lang="en-US" dirty="0"/>
           </a:p>
@@ -18640,93 +18581,120 @@
           <a:p>
             <a:r>
               <a:rPr lang="en-US" dirty="0" smtClean="0"/>
-              <a:t>CLI tool for consuming messages, provided with Kafka</a:t>
-            </a:r>
-          </a:p>
-          <a:p>
-            <a:pPr lvl="1"/>
-            <a:r>
-              <a:rPr lang="en-US" dirty="0" smtClean="0"/>
-              <a:t>Very useful for examining messages while debugging applications</a:t>
-            </a:r>
-          </a:p>
-          <a:p>
-            <a:pPr lvl="1"/>
-            <a:r>
-              <a:rPr lang="en-US" dirty="0" smtClean="0"/>
-              <a:t>Can also be used as a consumer client inside other apps</a:t>
-            </a:r>
-          </a:p>
-          <a:p>
-            <a:pPr lvl="1"/>
-            <a:endParaRPr lang="en-US" dirty="0"/>
-          </a:p>
-          <a:p>
-            <a:r>
-              <a:rPr lang="en-US" dirty="0" smtClean="0"/>
-              <a:t>Important options</a:t>
-            </a:r>
-          </a:p>
-          <a:p>
-            <a:pPr lvl="1"/>
-            <a:r>
-              <a:rPr lang="en-US" dirty="0"/>
-              <a:t>--</a:t>
-            </a:r>
-            <a:r>
-              <a:rPr lang="en-US" dirty="0" smtClean="0"/>
-              <a:t>zookeeper – semicolon separated list of </a:t>
+              <a:t>Start the </a:t>
             </a:r>
             <a:r>
               <a:rPr lang="en-US" dirty="0" err="1" smtClean="0"/>
-              <a:t>host:port</a:t>
-            </a:r>
-            <a:r>
-              <a:rPr lang="en-US" dirty="0" smtClean="0"/>
-              <a:t>[/path] strings for ZK servers</a:t>
-            </a:r>
-          </a:p>
-          <a:p>
-            <a:pPr lvl="1"/>
-            <a:r>
-              <a:rPr lang="en-US" dirty="0"/>
-              <a:t>--</a:t>
-            </a:r>
-            <a:r>
-              <a:rPr lang="en-US" dirty="0" smtClean="0"/>
-              <a:t>topic – Where to consume messages from</a:t>
-            </a:r>
-          </a:p>
-          <a:p>
-            <a:pPr lvl="1"/>
-            <a:r>
-              <a:rPr lang="en-US" dirty="0" smtClean="0"/>
-              <a:t>--from-beginning – Specifies to start from the earliest offset</a:t>
-            </a:r>
-          </a:p>
-          <a:p>
-            <a:pPr lvl="1"/>
-            <a:endParaRPr lang="en-US" dirty="0"/>
-          </a:p>
-          <a:p>
-            <a:r>
-              <a:rPr lang="en-US" dirty="0" smtClean="0"/>
-              <a:t>Group name is selected to be unique</a:t>
-            </a:r>
-          </a:p>
-          <a:p>
-            <a:pPr lvl="1"/>
-            <a:r>
-              <a:rPr lang="en-US" dirty="0" smtClean="0"/>
-              <a:t>If you need to specify a group, add a properties </a:t>
-            </a:r>
-            <a:r>
-              <a:rPr lang="en-US" dirty="0"/>
-              <a:t>file with --</a:t>
-            </a:r>
-            <a:r>
-              <a:rPr lang="en-US" dirty="0" err="1"/>
-              <a:t>consumer.config</a:t>
+              <a:t>kafka</a:t>
+            </a:r>
+            <a:r>
+              <a:rPr lang="en-US" dirty="0" smtClean="0"/>
+              <a:t>-console-</a:t>
+            </a:r>
+            <a:r>
+              <a:rPr lang="en-US" dirty="0" err="1" smtClean="0"/>
+              <a:t>producer.sh</a:t>
+            </a:r>
+            <a:r>
+              <a:rPr lang="en-US" dirty="0" smtClean="0"/>
+              <a:t> tool:</a:t>
+            </a:r>
+          </a:p>
+          <a:p>
+            <a:pPr marL="486918" lvl="1" indent="0">
+              <a:buNone/>
+            </a:pPr>
+            <a:r>
+              <a:rPr lang="en-US" dirty="0">
+                <a:latin typeface="Consolas"/>
+                <a:cs typeface="Consolas"/>
+              </a:rPr>
+              <a:t>k</a:t>
+            </a:r>
+            <a:r>
+              <a:rPr lang="en-US" dirty="0" smtClean="0">
+                <a:latin typeface="Consolas"/>
+                <a:cs typeface="Consolas"/>
+              </a:rPr>
+              <a:t>afka_2.11-0.8.2.2/</a:t>
+            </a:r>
+            <a:r>
+              <a:rPr lang="en-US" dirty="0">
+                <a:latin typeface="Consolas"/>
+                <a:cs typeface="Consolas"/>
+              </a:rPr>
+              <a:t>bin/</a:t>
+            </a:r>
+            <a:r>
+              <a:rPr lang="en-US" dirty="0" err="1">
+                <a:latin typeface="Consolas"/>
+                <a:cs typeface="Consolas"/>
+              </a:rPr>
+              <a:t>kafka</a:t>
+            </a:r>
+            <a:r>
+              <a:rPr lang="en-US" dirty="0">
+                <a:latin typeface="Consolas"/>
+                <a:cs typeface="Consolas"/>
+              </a:rPr>
+              <a:t>-console-</a:t>
+            </a:r>
+            <a:r>
+              <a:rPr lang="en-US" dirty="0" err="1">
+                <a:latin typeface="Consolas"/>
+                <a:cs typeface="Consolas"/>
+              </a:rPr>
+              <a:t>producer.sh</a:t>
+            </a:r>
+            <a:r>
+              <a:rPr lang="en-US" dirty="0">
+                <a:latin typeface="Consolas"/>
+                <a:cs typeface="Consolas"/>
+              </a:rPr>
+              <a:t> --broker-list localhost:9092 --topic </a:t>
+            </a:r>
+            <a:r>
+              <a:rPr lang="en-US" dirty="0" err="1" smtClean="0">
+                <a:latin typeface="Consolas"/>
+                <a:cs typeface="Consolas"/>
+              </a:rPr>
+              <a:t>mytopic</a:t>
+            </a:r>
+            <a:endParaRPr lang="en-US" dirty="0">
+              <a:latin typeface="Consolas"/>
+              <a:cs typeface="Consolas"/>
+            </a:endParaRPr>
+          </a:p>
+          <a:p>
+            <a:pPr marL="285750"/>
+            <a:endParaRPr lang="en-US" dirty="0" smtClean="0"/>
+          </a:p>
+          <a:p>
+            <a:pPr marL="285750"/>
+            <a:r>
+              <a:rPr lang="en-US" dirty="0" smtClean="0"/>
+              <a:t>Produce some messages</a:t>
+            </a:r>
+          </a:p>
+          <a:p>
+            <a:pPr marL="772668" lvl="1"/>
+            <a:r>
+              <a:rPr lang="en-US" dirty="0" smtClean="0"/>
+              <a:t>Messages are simple strings</a:t>
+            </a:r>
+          </a:p>
+          <a:p>
+            <a:pPr marL="772668" lvl="1"/>
+            <a:r>
+              <a:rPr lang="en-US" dirty="0" smtClean="0"/>
+              <a:t>Hitting “Enter” sends the message</a:t>
+            </a:r>
+          </a:p>
+          <a:p>
+            <a:pPr marL="772668" lvl="1"/>
+            <a:r>
+              <a:rPr lang="en-US" dirty="0" smtClean="0"/>
+              <a:t>Control-D sends EOF and closes the producer</a:t>
             </a:r>
             <a:endParaRPr lang="en-US" dirty="0"/>
           </a:p>
@@ -18759,7 +18727,7 @@
     </p:spTree>
     <p:extLst>
       <p:ext uri="{BB962C8B-B14F-4D97-AF65-F5344CB8AC3E}">
-        <p14:creationId xmlns:p14="http://schemas.microsoft.com/office/powerpoint/2010/main" val="1525887179"/>
+        <p14:creationId xmlns:p14="http://schemas.microsoft.com/office/powerpoint/2010/main" val="228531607"/>
       </p:ext>
     </p:extLst>
   </p:cSld>
@@ -18810,7 +18778,7 @@
           <a:p>
             <a:r>
               <a:rPr lang="en-US" dirty="0" smtClean="0"/>
-              <a:t>Consume Messages from Kafka</a:t>
+              <a:t>Console Consumer</a:t>
             </a:r>
             <a:endParaRPr lang="en-US" dirty="0"/>
           </a:p>
@@ -18828,189 +18796,98 @@
         </p:nvSpPr>
         <p:spPr/>
         <p:txBody>
-          <a:bodyPr>
-            <a:normAutofit lnSpcReduction="10000"/>
-          </a:bodyPr>
+          <a:bodyPr/>
           <a:lstStyle/>
           <a:p>
             <a:r>
+              <a:rPr lang="en-US" dirty="0" smtClean="0"/>
+              <a:t>CLI tool for consuming messages, provided with Kafka</a:t>
+            </a:r>
+          </a:p>
+          <a:p>
+            <a:pPr lvl="1"/>
+            <a:r>
+              <a:rPr lang="en-US" dirty="0" smtClean="0"/>
+              <a:t>Very useful for examining messages while debugging applications</a:t>
+            </a:r>
+          </a:p>
+          <a:p>
+            <a:pPr lvl="1"/>
+            <a:r>
+              <a:rPr lang="en-US" dirty="0" smtClean="0"/>
+              <a:t>Can also be used as a consumer client inside other apps</a:t>
+            </a:r>
+          </a:p>
+          <a:p>
+            <a:pPr lvl="1"/>
+            <a:endParaRPr lang="en-US" dirty="0"/>
+          </a:p>
+          <a:p>
+            <a:r>
+              <a:rPr lang="en-US" dirty="0" smtClean="0"/>
+              <a:t>Important options</a:t>
+            </a:r>
+          </a:p>
+          <a:p>
+            <a:pPr lvl="1"/>
+            <a:r>
               <a:rPr lang="en-US" dirty="0"/>
-              <a:t>Start the </a:t>
+              <a:t>--</a:t>
+            </a:r>
+            <a:r>
+              <a:rPr lang="en-US" dirty="0" smtClean="0"/>
+              <a:t>zookeeper – semicolon separated list of </a:t>
+            </a:r>
+            <a:r>
+              <a:rPr lang="en-US" dirty="0" err="1" smtClean="0"/>
+              <a:t>host:port</a:t>
+            </a:r>
+            <a:r>
+              <a:rPr lang="en-US" dirty="0" smtClean="0"/>
+              <a:t>[/path] strings for ZK servers</a:t>
+            </a:r>
+          </a:p>
+          <a:p>
+            <a:pPr lvl="1"/>
+            <a:r>
+              <a:rPr lang="en-US" dirty="0"/>
+              <a:t>--</a:t>
+            </a:r>
+            <a:r>
+              <a:rPr lang="en-US" dirty="0" smtClean="0"/>
+              <a:t>topic – Where to consume messages from</a:t>
+            </a:r>
+          </a:p>
+          <a:p>
+            <a:pPr lvl="1"/>
+            <a:r>
+              <a:rPr lang="en-US" dirty="0" smtClean="0"/>
+              <a:t>--from-beginning – Specifies to start from the earliest offset</a:t>
+            </a:r>
+          </a:p>
+          <a:p>
+            <a:pPr lvl="1"/>
+            <a:endParaRPr lang="en-US" dirty="0"/>
+          </a:p>
+          <a:p>
+            <a:r>
+              <a:rPr lang="en-US" dirty="0" smtClean="0"/>
+              <a:t>Group name is selected to be unique</a:t>
+            </a:r>
+          </a:p>
+          <a:p>
+            <a:pPr lvl="1"/>
+            <a:r>
+              <a:rPr lang="en-US" dirty="0" smtClean="0"/>
+              <a:t>If you need to specify a group, add a properties </a:t>
+            </a:r>
+            <a:r>
+              <a:rPr lang="en-US" dirty="0"/>
+              <a:t>file with --</a:t>
             </a:r>
             <a:r>
               <a:rPr lang="en-US" dirty="0" err="1"/>
-              <a:t>kafka</a:t>
-            </a:r>
-            <a:r>
-              <a:rPr lang="en-US" dirty="0"/>
-              <a:t>-console</a:t>
-            </a:r>
-            <a:r>
-              <a:rPr lang="en-US" dirty="0" smtClean="0"/>
-              <a:t>-</a:t>
-            </a:r>
-            <a:r>
-              <a:rPr lang="en-US" dirty="0" err="1" smtClean="0"/>
-              <a:t>consumer.sh</a:t>
-            </a:r>
-            <a:r>
-              <a:rPr lang="en-US" dirty="0" smtClean="0"/>
-              <a:t> </a:t>
-            </a:r>
-            <a:r>
-              <a:rPr lang="en-US" dirty="0"/>
-              <a:t>tool:</a:t>
-            </a:r>
-          </a:p>
-          <a:p>
-            <a:pPr marL="486918" lvl="1" indent="0">
-              <a:buNone/>
-            </a:pPr>
-            <a:r>
-              <a:rPr lang="en-US" dirty="0">
-                <a:latin typeface="Consolas"/>
-                <a:cs typeface="Consolas"/>
-              </a:rPr>
-              <a:t>kafka_2.11-0.8.2.2/bin/</a:t>
-            </a:r>
-            <a:r>
-              <a:rPr lang="en-US" dirty="0" err="1">
-                <a:latin typeface="Consolas"/>
-                <a:cs typeface="Consolas"/>
-              </a:rPr>
-              <a:t>kafka</a:t>
-            </a:r>
-            <a:r>
-              <a:rPr lang="en-US" dirty="0">
-                <a:latin typeface="Consolas"/>
-                <a:cs typeface="Consolas"/>
-              </a:rPr>
-              <a:t>-console</a:t>
-            </a:r>
-            <a:r>
-              <a:rPr lang="en-US" dirty="0" smtClean="0">
-                <a:latin typeface="Consolas"/>
-                <a:cs typeface="Consolas"/>
-              </a:rPr>
-              <a:t>-</a:t>
-            </a:r>
-            <a:r>
-              <a:rPr lang="en-US" dirty="0" err="1" smtClean="0">
-                <a:latin typeface="Consolas"/>
-                <a:cs typeface="Consolas"/>
-              </a:rPr>
-              <a:t>consumer.sh</a:t>
-            </a:r>
-            <a:r>
-              <a:rPr lang="en-US" dirty="0" smtClean="0">
-                <a:latin typeface="Consolas"/>
-                <a:cs typeface="Consolas"/>
-              </a:rPr>
-              <a:t> </a:t>
-            </a:r>
-            <a:r>
-              <a:rPr lang="en-US" dirty="0">
-                <a:latin typeface="Consolas"/>
-                <a:cs typeface="Consolas"/>
-              </a:rPr>
-              <a:t>-</a:t>
-            </a:r>
-            <a:r>
-              <a:rPr lang="en-US" dirty="0" smtClean="0">
-                <a:latin typeface="Consolas"/>
-                <a:cs typeface="Consolas"/>
-              </a:rPr>
-              <a:t>-zookeeper </a:t>
-            </a:r>
-            <a:r>
-              <a:rPr lang="en-US" dirty="0">
-                <a:latin typeface="Consolas"/>
-                <a:cs typeface="Consolas"/>
-              </a:rPr>
-              <a:t>localhost</a:t>
-            </a:r>
-            <a:r>
-              <a:rPr lang="en-US" dirty="0" smtClean="0">
-                <a:latin typeface="Consolas"/>
-                <a:cs typeface="Consolas"/>
-              </a:rPr>
-              <a:t>:2181 </a:t>
-            </a:r>
-            <a:r>
-              <a:rPr lang="en-US" dirty="0">
-                <a:latin typeface="Consolas"/>
-                <a:cs typeface="Consolas"/>
-              </a:rPr>
-              <a:t>--topic </a:t>
-            </a:r>
-            <a:r>
-              <a:rPr lang="en-US" dirty="0" err="1" smtClean="0">
-                <a:latin typeface="Consolas"/>
-                <a:cs typeface="Consolas"/>
-              </a:rPr>
-              <a:t>mytopic</a:t>
-            </a:r>
-            <a:r>
-              <a:rPr lang="en-US" dirty="0" smtClean="0">
-                <a:latin typeface="Consolas"/>
-                <a:cs typeface="Consolas"/>
-              </a:rPr>
-              <a:t> --from-beginning</a:t>
-            </a:r>
-            <a:endParaRPr lang="en-US" dirty="0">
-              <a:latin typeface="Consolas"/>
-              <a:cs typeface="Consolas"/>
-            </a:endParaRPr>
-          </a:p>
-          <a:p>
-            <a:pPr marL="285750"/>
-            <a:endParaRPr lang="en-US" dirty="0"/>
-          </a:p>
-          <a:p>
-            <a:pPr marL="285750"/>
-            <a:r>
-              <a:rPr lang="en-US" dirty="0" smtClean="0"/>
-              <a:t>Note that the from-beginning flag is important</a:t>
-            </a:r>
-          </a:p>
-          <a:p>
-            <a:pPr marL="772668" lvl="1"/>
-            <a:r>
-              <a:rPr lang="en-US" dirty="0" smtClean="0"/>
-              <a:t>Otherwise, we would only get messages produced from now forward</a:t>
-            </a:r>
-          </a:p>
-          <a:p>
-            <a:pPr marL="285750"/>
-            <a:endParaRPr lang="en-US" dirty="0"/>
-          </a:p>
-          <a:p>
-            <a:r>
-              <a:rPr lang="en-US" dirty="0" smtClean="0"/>
-              <a:t>The messages that you produced previously will be displayed</a:t>
-            </a:r>
-          </a:p>
-          <a:p>
-            <a:endParaRPr lang="en-US" dirty="0"/>
-          </a:p>
-          <a:p>
-            <a:r>
-              <a:rPr lang="en-US" dirty="0" smtClean="0"/>
-              <a:t>Experiment</a:t>
-            </a:r>
-          </a:p>
-          <a:p>
-            <a:pPr lvl="1"/>
-            <a:r>
-              <a:rPr lang="en-US" dirty="0" smtClean="0"/>
-              <a:t>Produce more messages while you consume</a:t>
-            </a:r>
-          </a:p>
-          <a:p>
-            <a:pPr lvl="1"/>
-            <a:r>
-              <a:rPr lang="en-US" dirty="0" smtClean="0"/>
-              <a:t>Start up another consumer and run it in parallel</a:t>
+              <a:t>consumer.config</a:t>
             </a:r>
             <a:endParaRPr lang="en-US" dirty="0"/>
           </a:p>
@@ -19043,7 +18920,7 @@
     </p:spTree>
     <p:extLst>
       <p:ext uri="{BB962C8B-B14F-4D97-AF65-F5344CB8AC3E}">
-        <p14:creationId xmlns:p14="http://schemas.microsoft.com/office/powerpoint/2010/main" val="1076162964"/>
+        <p14:creationId xmlns:p14="http://schemas.microsoft.com/office/powerpoint/2010/main" val="1525887179"/>
       </p:ext>
     </p:extLst>
   </p:cSld>
@@ -19094,7 +18971,7 @@
           <a:p>
             <a:r>
               <a:rPr lang="en-US" dirty="0" smtClean="0"/>
-              <a:t>Client Libraries</a:t>
+              <a:t>Consume Messages from Kafka</a:t>
             </a:r>
             <a:endParaRPr lang="en-US" dirty="0"/>
           </a:p>
@@ -19112,91 +18989,189 @@
         </p:nvSpPr>
         <p:spPr/>
         <p:txBody>
-          <a:bodyPr/>
+          <a:bodyPr>
+            <a:normAutofit lnSpcReduction="10000"/>
+          </a:bodyPr>
           <a:lstStyle/>
           <a:p>
             <a:r>
-              <a:rPr lang="en-US" dirty="0" smtClean="0"/>
-              <a:t>Java libraries are the only ones supported by Kafka</a:t>
+              <a:rPr lang="en-US" dirty="0"/>
+              <a:t>Start the </a:t>
+            </a:r>
+            <a:r>
+              <a:rPr lang="en-US" dirty="0" err="1"/>
+              <a:t>kafka</a:t>
+            </a:r>
+            <a:r>
+              <a:rPr lang="en-US" dirty="0"/>
+              <a:t>-console</a:t>
+            </a:r>
+            <a:r>
+              <a:rPr lang="en-US" dirty="0" smtClean="0"/>
+              <a:t>-</a:t>
+            </a:r>
+            <a:r>
+              <a:rPr lang="en-US" dirty="0" err="1" smtClean="0"/>
+              <a:t>consumer.sh</a:t>
+            </a:r>
+            <a:r>
+              <a:rPr lang="en-US" dirty="0" smtClean="0"/>
+              <a:t> </a:t>
+            </a:r>
+            <a:r>
+              <a:rPr lang="en-US" dirty="0"/>
+              <a:t>tool:</a:t>
+            </a:r>
+          </a:p>
+          <a:p>
+            <a:pPr marL="486918" lvl="1" indent="0">
+              <a:buNone/>
+            </a:pPr>
+            <a:r>
+              <a:rPr lang="en-US" dirty="0">
+                <a:latin typeface="Consolas"/>
+                <a:cs typeface="Consolas"/>
+              </a:rPr>
+              <a:t>kafka_2.11-0.8.2.2/bin/</a:t>
+            </a:r>
+            <a:r>
+              <a:rPr lang="en-US" dirty="0" err="1">
+                <a:latin typeface="Consolas"/>
+                <a:cs typeface="Consolas"/>
+              </a:rPr>
+              <a:t>kafka</a:t>
+            </a:r>
+            <a:r>
+              <a:rPr lang="en-US" dirty="0">
+                <a:latin typeface="Consolas"/>
+                <a:cs typeface="Consolas"/>
+              </a:rPr>
+              <a:t>-console</a:t>
+            </a:r>
+            <a:r>
+              <a:rPr lang="en-US" dirty="0" smtClean="0">
+                <a:latin typeface="Consolas"/>
+                <a:cs typeface="Consolas"/>
+              </a:rPr>
+              <a:t>-</a:t>
+            </a:r>
+            <a:r>
+              <a:rPr lang="en-US" dirty="0" err="1" smtClean="0">
+                <a:latin typeface="Consolas"/>
+                <a:cs typeface="Consolas"/>
+              </a:rPr>
+              <a:t>consumer.sh</a:t>
+            </a:r>
+            <a:r>
+              <a:rPr lang="en-US" dirty="0" smtClean="0">
+                <a:latin typeface="Consolas"/>
+                <a:cs typeface="Consolas"/>
+              </a:rPr>
+              <a:t> </a:t>
+            </a:r>
+            <a:r>
+              <a:rPr lang="en-US" dirty="0">
+                <a:latin typeface="Consolas"/>
+                <a:cs typeface="Consolas"/>
+              </a:rPr>
+              <a:t>-</a:t>
+            </a:r>
+            <a:r>
+              <a:rPr lang="en-US" dirty="0" smtClean="0">
+                <a:latin typeface="Consolas"/>
+                <a:cs typeface="Consolas"/>
+              </a:rPr>
+              <a:t>-zookeeper </a:t>
+            </a:r>
+            <a:r>
+              <a:rPr lang="en-US" dirty="0">
+                <a:latin typeface="Consolas"/>
+                <a:cs typeface="Consolas"/>
+              </a:rPr>
+              <a:t>localhost</a:t>
+            </a:r>
+            <a:r>
+              <a:rPr lang="en-US" dirty="0" smtClean="0">
+                <a:latin typeface="Consolas"/>
+                <a:cs typeface="Consolas"/>
+              </a:rPr>
+              <a:t>:2181 </a:t>
+            </a:r>
+            <a:r>
+              <a:rPr lang="en-US" dirty="0">
+                <a:latin typeface="Consolas"/>
+                <a:cs typeface="Consolas"/>
+              </a:rPr>
+              <a:t>--topic </a:t>
+            </a:r>
+            <a:r>
+              <a:rPr lang="en-US" dirty="0" err="1" smtClean="0">
+                <a:latin typeface="Consolas"/>
+                <a:cs typeface="Consolas"/>
+              </a:rPr>
+              <a:t>mytopic</a:t>
+            </a:r>
+            <a:r>
+              <a:rPr lang="en-US" dirty="0" smtClean="0">
+                <a:latin typeface="Consolas"/>
+                <a:cs typeface="Consolas"/>
+              </a:rPr>
+              <a:t> --from-beginning</a:t>
+            </a:r>
+            <a:endParaRPr lang="en-US" dirty="0">
+              <a:latin typeface="Consolas"/>
+              <a:cs typeface="Consolas"/>
+            </a:endParaRPr>
+          </a:p>
+          <a:p>
+            <a:pPr marL="285750"/>
+            <a:endParaRPr lang="en-US" dirty="0"/>
+          </a:p>
+          <a:p>
+            <a:pPr marL="285750"/>
+            <a:r>
+              <a:rPr lang="en-US" dirty="0" smtClean="0"/>
+              <a:t>Note that the from-beginning flag is important</a:t>
+            </a:r>
+          </a:p>
+          <a:p>
+            <a:pPr marL="772668" lvl="1"/>
+            <a:r>
+              <a:rPr lang="en-US" dirty="0" smtClean="0"/>
+              <a:t>Otherwise, we would only get messages produced from now forward</a:t>
+            </a:r>
+          </a:p>
+          <a:p>
+            <a:pPr marL="285750"/>
+            <a:endParaRPr lang="en-US" dirty="0"/>
+          </a:p>
+          <a:p>
+            <a:r>
+              <a:rPr lang="en-US" dirty="0" smtClean="0"/>
+              <a:t>The messages that you produced previously will be displayed</a:t>
+            </a:r>
+          </a:p>
+          <a:p>
+            <a:endParaRPr lang="en-US" dirty="0"/>
+          </a:p>
+          <a:p>
+            <a:r>
+              <a:rPr lang="en-US" dirty="0" smtClean="0"/>
+              <a:t>Experiment</a:t>
             </a:r>
           </a:p>
           <a:p>
             <a:pPr lvl="1"/>
             <a:r>
               <a:rPr lang="en-US" dirty="0" smtClean="0"/>
-              <a:t>Maintained as part of the Kafka code base</a:t>
+              <a:t>Produce more messages while you consume</a:t>
             </a:r>
           </a:p>
           <a:p>
             <a:pPr lvl="1"/>
             <a:r>
               <a:rPr lang="en-US" dirty="0" smtClean="0"/>
-              <a:t>Provide first-class services for producers and consumers</a:t>
-            </a:r>
-          </a:p>
-          <a:p>
-            <a:pPr lvl="1"/>
-            <a:endParaRPr lang="en-US" dirty="0"/>
-          </a:p>
-          <a:p>
-            <a:r>
-              <a:rPr lang="en-US" dirty="0" smtClean="0"/>
-              <a:t>3</a:t>
-            </a:r>
-            <a:r>
-              <a:rPr lang="en-US" baseline="30000" dirty="0" smtClean="0"/>
-              <a:t>rd</a:t>
-            </a:r>
-            <a:r>
-              <a:rPr lang="en-US" dirty="0" smtClean="0"/>
-              <a:t> Party Clients</a:t>
-            </a:r>
-          </a:p>
-          <a:p>
-            <a:pPr lvl="1"/>
-            <a:r>
-              <a:rPr lang="en-US" dirty="0" smtClean="0"/>
-              <a:t>Exist for many languages, including C++, Go, Python, Perl, etc.</a:t>
-            </a:r>
-          </a:p>
-          <a:p>
-            <a:pPr lvl="1"/>
-            <a:r>
-              <a:rPr lang="en-US" dirty="0">
-                <a:hlinkClick r:id="rId2"/>
-              </a:rPr>
-              <a:t>https://cwiki.apache.org/confluence/display/KAFKA/</a:t>
-            </a:r>
-            <a:r>
-              <a:rPr lang="en-US" dirty="0" smtClean="0">
-                <a:hlinkClick r:id="rId2"/>
-              </a:rPr>
-              <a:t>Clients</a:t>
-            </a:r>
-            <a:endParaRPr lang="en-US" dirty="0" smtClean="0"/>
-          </a:p>
-          <a:p>
-            <a:pPr lvl="1"/>
-            <a:endParaRPr lang="en-US" dirty="0"/>
-          </a:p>
-          <a:p>
-            <a:r>
-              <a:rPr lang="en-US" dirty="0" smtClean="0"/>
-              <a:t>Many do not provide balanced consumer implementations</a:t>
-            </a:r>
-          </a:p>
-          <a:p>
-            <a:pPr lvl="1"/>
-            <a:r>
-              <a:rPr lang="en-US" dirty="0" smtClean="0"/>
-              <a:t>Requires a significant investment in Zookeeper logic</a:t>
-            </a:r>
-          </a:p>
-          <a:p>
-            <a:pPr lvl="1"/>
-            <a:r>
-              <a:rPr lang="en-US" dirty="0" smtClean="0"/>
-              <a:t>One client’s implementation may not work with another’s</a:t>
+              <a:t>Start up another consumer and run it in parallel</a:t>
             </a:r>
             <a:endParaRPr lang="en-US" dirty="0"/>
           </a:p>
@@ -19229,13 +19204,20 @@
     </p:spTree>
     <p:extLst>
       <p:ext uri="{BB962C8B-B14F-4D97-AF65-F5344CB8AC3E}">
-        <p14:creationId xmlns:p14="http://schemas.microsoft.com/office/powerpoint/2010/main" val="2816794352"/>
+        <p14:creationId xmlns:p14="http://schemas.microsoft.com/office/powerpoint/2010/main" val="1076162964"/>
       </p:ext>
     </p:extLst>
   </p:cSld>
   <p:clrMapOvr>
     <a:masterClrMapping/>
   </p:clrMapOvr>
+  <p:timing>
+    <p:tnLst>
+      <p:par>
+        <p:cTn xmlns:p14="http://schemas.microsoft.com/office/powerpoint/2010/main" id="1" dur="indefinite" restart="never" nodeType="tmRoot"/>
+      </p:par>
+    </p:tnLst>
+  </p:timing>
 </p:sld>
 </file>
 
@@ -19273,15 +19255,7 @@
           <a:p>
             <a:r>
               <a:rPr lang="en-US" dirty="0" smtClean="0"/>
-              <a:t>Options for 3</a:t>
-            </a:r>
-            <a:r>
-              <a:rPr lang="en-US" baseline="30000" dirty="0" smtClean="0"/>
-              <a:t>rd</a:t>
-            </a:r>
-            <a:r>
-              <a:rPr lang="en-US" dirty="0" smtClean="0"/>
-              <a:t> Party Consumers</a:t>
+              <a:t>Client Libraries</a:t>
             </a:r>
             <a:endParaRPr lang="en-US" dirty="0"/>
           </a:p>
@@ -19304,66 +19278,61 @@
           <a:p>
             <a:r>
               <a:rPr lang="en-US" dirty="0" smtClean="0"/>
-              <a:t>Use a client with balanced consumer support</a:t>
+              <a:t>Java libraries are the only ones supported by Kafka</a:t>
             </a:r>
           </a:p>
           <a:p>
             <a:pPr lvl="1"/>
             <a:r>
-              <a:rPr lang="en-US" dirty="0"/>
-              <a:t>Go: </a:t>
-            </a:r>
+              <a:rPr lang="en-US" dirty="0" smtClean="0"/>
+              <a:t>Maintained as part of the Kafka code base</a:t>
+            </a:r>
+          </a:p>
+          <a:p>
+            <a:pPr lvl="1"/>
+            <a:r>
+              <a:rPr lang="en-US" dirty="0" smtClean="0"/>
+              <a:t>Provide first-class services for producers and consumers</a:t>
+            </a:r>
+          </a:p>
+          <a:p>
+            <a:pPr lvl="1"/>
+            <a:endParaRPr lang="en-US" dirty="0"/>
+          </a:p>
+          <a:p>
+            <a:r>
+              <a:rPr lang="en-US" dirty="0" smtClean="0"/>
+              <a:t>3</a:t>
+            </a:r>
+            <a:r>
+              <a:rPr lang="en-US" baseline="30000" dirty="0" smtClean="0"/>
+              <a:t>rd</a:t>
+            </a:r>
+            <a:r>
+              <a:rPr lang="en-US" dirty="0" smtClean="0"/>
+              <a:t> Party Clients</a:t>
+            </a:r>
+          </a:p>
+          <a:p>
+            <a:pPr lvl="1"/>
+            <a:r>
+              <a:rPr lang="en-US" dirty="0" smtClean="0"/>
+              <a:t>Exist for many languages, including C++, Go, Python, Perl, etc.</a:t>
+            </a:r>
+          </a:p>
+          <a:p>
+            <a:pPr lvl="1"/>
             <a:r>
               <a:rPr lang="en-US" dirty="0">
                 <a:hlinkClick r:id="rId2"/>
               </a:rPr>
-              <a:t>https://github.com/stealthly/</a:t>
+              <a:t>https://cwiki.apache.org/confluence/display/KAFKA/</a:t>
             </a:r>
             <a:r>
               <a:rPr lang="en-US" dirty="0" smtClean="0">
                 <a:hlinkClick r:id="rId2"/>
               </a:rPr>
-              <a:t>go_kafka_client</a:t>
-            </a:r>
-            <a:endParaRPr lang="en-US" dirty="0" smtClean="0"/>
-          </a:p>
-          <a:p>
-            <a:pPr lvl="1"/>
-            <a:r>
-              <a:rPr lang="en-US" dirty="0"/>
-              <a:t>Python: </a:t>
-            </a:r>
-            <a:r>
-              <a:rPr lang="en-US" dirty="0">
-                <a:hlinkClick r:id="rId3"/>
-              </a:rPr>
-              <a:t>https://github.com/Parsely/</a:t>
-            </a:r>
-            <a:r>
-              <a:rPr lang="en-US" dirty="0" smtClean="0">
-                <a:hlinkClick r:id="rId3"/>
-              </a:rPr>
-              <a:t>pykafka</a:t>
-            </a:r>
-            <a:endParaRPr lang="en-US" dirty="0" smtClean="0"/>
-          </a:p>
-          <a:p>
-            <a:pPr lvl="1"/>
-            <a:r>
-              <a:rPr lang="en-US" dirty="0"/>
-              <a:t>C++: </a:t>
-            </a:r>
-            <a:r>
-              <a:rPr lang="en-US" dirty="0">
-                <a:hlinkClick r:id="rId4"/>
-              </a:rPr>
-              <a:t>https://github.com/edenhill/</a:t>
-            </a:r>
-            <a:r>
-              <a:rPr lang="en-US" dirty="0" smtClean="0">
-                <a:hlinkClick r:id="rId4"/>
-              </a:rPr>
-              <a:t>librdkafka</a:t>
+              <a:t>Clients</a:t>
             </a:r>
             <a:endParaRPr lang="en-US" dirty="0" smtClean="0"/>
           </a:p>
@@ -19374,25 +19343,21 @@
           <a:p>
             <a:r>
               <a:rPr lang="en-US" dirty="0" smtClean="0"/>
-              <a:t>Use the console consumer</a:t>
-            </a:r>
-          </a:p>
-          <a:p>
-            <a:endParaRPr lang="en-US" dirty="0"/>
-          </a:p>
-          <a:p>
-            <a:r>
-              <a:rPr lang="en-US" dirty="0" smtClean="0"/>
-              <a:t>Use an HTTP interface layer</a:t>
-            </a:r>
-          </a:p>
-          <a:p>
-            <a:endParaRPr lang="en-US" dirty="0"/>
-          </a:p>
-          <a:p>
-            <a:r>
-              <a:rPr lang="en-US" dirty="0" smtClean="0"/>
-              <a:t>Wait for the new consumer interface</a:t>
+              <a:t>Many do not provide balanced consumer implementations</a:t>
+            </a:r>
+          </a:p>
+          <a:p>
+            <a:pPr lvl="1"/>
+            <a:r>
+              <a:rPr lang="en-US" dirty="0" smtClean="0"/>
+              <a:t>Requires a significant investment in Zookeeper logic</a:t>
+            </a:r>
+          </a:p>
+          <a:p>
+            <a:pPr lvl="1"/>
+            <a:r>
+              <a:rPr lang="en-US" dirty="0" smtClean="0"/>
+              <a:t>One client’s implementation may not work with another’s</a:t>
             </a:r>
             <a:endParaRPr lang="en-US" dirty="0"/>
           </a:p>
@@ -19425,7 +19390,7 @@
     </p:spTree>
     <p:extLst>
       <p:ext uri="{BB962C8B-B14F-4D97-AF65-F5344CB8AC3E}">
-        <p14:creationId xmlns:p14="http://schemas.microsoft.com/office/powerpoint/2010/main" val="394456434"/>
+        <p14:creationId xmlns:p14="http://schemas.microsoft.com/office/powerpoint/2010/main" val="2816794352"/>
       </p:ext>
     </p:extLst>
   </p:cSld>
@@ -19469,7 +19434,7 @@
           <a:p>
             <a:r>
               <a:rPr lang="en-US" dirty="0" smtClean="0"/>
-              <a:t>Agenda</a:t>
+              <a:t>Updated Content</a:t>
             </a:r>
             <a:endParaRPr lang="en-US" dirty="0"/>
           </a:p>
@@ -19487,14 +19452,20 @@
         </p:nvSpPr>
         <p:spPr/>
         <p:txBody>
-          <a:bodyPr>
-            <a:normAutofit lnSpcReduction="10000"/>
-          </a:bodyPr>
+          <a:bodyPr/>
           <a:lstStyle/>
           <a:p>
             <a:r>
               <a:rPr lang="en-US" dirty="0" smtClean="0"/>
-              <a:t>Apache Zookeeper</a:t>
+              <a:t>The </a:t>
+            </a:r>
+            <a:r>
+              <a:rPr lang="en-US" dirty="0" err="1" smtClean="0"/>
+              <a:t>Usenix</a:t>
+            </a:r>
+            <a:r>
+              <a:rPr lang="en-US" dirty="0" smtClean="0"/>
+              <a:t> USB drive has older content</a:t>
             </a:r>
           </a:p>
           <a:p>
@@ -19503,45 +19474,35 @@
           <a:p>
             <a:r>
               <a:rPr lang="en-US" dirty="0" smtClean="0"/>
-              <a:t>Apache Kafka</a:t>
-            </a:r>
-          </a:p>
-          <a:p>
-            <a:endParaRPr lang="en-US" dirty="0"/>
-          </a:p>
-          <a:p>
-            <a:r>
-              <a:rPr lang="en-US" dirty="0" smtClean="0"/>
-              <a:t>Producing and Consuming Messages</a:t>
-            </a:r>
-          </a:p>
-          <a:p>
-            <a:endParaRPr lang="en-US" dirty="0"/>
-          </a:p>
-          <a:p>
-            <a:r>
-              <a:rPr lang="en-US" dirty="0" smtClean="0"/>
-              <a:t>Kafka Clusters</a:t>
-            </a:r>
-          </a:p>
-          <a:p>
-            <a:endParaRPr lang="en-US" dirty="0"/>
-          </a:p>
-          <a:p>
-            <a:r>
-              <a:rPr lang="en-US" dirty="0" smtClean="0"/>
-              <a:t>Use Cases for Kafka</a:t>
-            </a:r>
-          </a:p>
-          <a:p>
-            <a:endParaRPr lang="en-US" dirty="0"/>
-          </a:p>
-          <a:p>
-            <a:r>
-              <a:rPr lang="en-US" dirty="0" smtClean="0"/>
-              <a:t>More Time? More Fun!</a:t>
-            </a:r>
-            <a:endParaRPr lang="en-US" dirty="0"/>
+              <a:t>Get new content from:</a:t>
+            </a:r>
+          </a:p>
+          <a:p>
+            <a:pPr lvl="1"/>
+            <a:r>
+              <a:rPr lang="en-US" dirty="0" smtClean="0"/>
+              <a:t>A USB drive in the room (please return them)</a:t>
+            </a:r>
+          </a:p>
+          <a:p>
+            <a:pPr lvl="1"/>
+            <a:endParaRPr lang="en-US" dirty="0" smtClean="0"/>
+          </a:p>
+          <a:p>
+            <a:pPr lvl="1"/>
+            <a:r>
+              <a:rPr lang="en-US" dirty="0">
+                <a:hlinkClick r:id="rId2"/>
+              </a:rPr>
+              <a:t>https://github.com/toddpalino/</a:t>
+            </a:r>
+            <a:r>
+              <a:rPr lang="en-US" smtClean="0">
+                <a:hlinkClick r:id="rId2"/>
+              </a:rPr>
+              <a:t>kafkafromscratch</a:t>
+            </a:r>
+            <a:endParaRPr lang="en-US" dirty="0" smtClean="0"/>
           </a:p>
         </p:txBody>
       </p:sp>
@@ -19572,20 +19533,13 @@
     </p:spTree>
     <p:extLst>
       <p:ext uri="{BB962C8B-B14F-4D97-AF65-F5344CB8AC3E}">
-        <p14:creationId xmlns:p14="http://schemas.microsoft.com/office/powerpoint/2010/main" val="549282895"/>
+        <p14:creationId xmlns:p14="http://schemas.microsoft.com/office/powerpoint/2010/main" val="2321187888"/>
       </p:ext>
     </p:extLst>
   </p:cSld>
   <p:clrMapOvr>
     <a:masterClrMapping/>
   </p:clrMapOvr>
-  <p:timing>
-    <p:tnLst>
-      <p:par>
-        <p:cTn xmlns:p14="http://schemas.microsoft.com/office/powerpoint/2010/main" id="1" dur="indefinite" restart="never" nodeType="tmRoot"/>
-      </p:par>
-    </p:tnLst>
-  </p:timing>
 </p:sld>
 </file>
 
@@ -19623,7 +19577,15 @@
           <a:p>
             <a:r>
               <a:rPr lang="en-US" dirty="0" smtClean="0"/>
-              <a:t>Producing Messages from Python</a:t>
+              <a:t>Options for 3</a:t>
+            </a:r>
+            <a:r>
+              <a:rPr lang="en-US" baseline="30000" dirty="0" smtClean="0"/>
+              <a:t>rd</a:t>
+            </a:r>
+            <a:r>
+              <a:rPr lang="en-US" dirty="0" smtClean="0"/>
+              <a:t> Party Consumers</a:t>
             </a:r>
             <a:endParaRPr lang="en-US" dirty="0"/>
           </a:p>
@@ -19646,42 +19608,96 @@
           <a:p>
             <a:r>
               <a:rPr lang="en-US" dirty="0" smtClean="0"/>
-              <a:t>Run the python-</a:t>
-            </a:r>
-            <a:r>
-              <a:rPr lang="en-US" dirty="0" err="1" smtClean="0"/>
-              <a:t>producer.py</a:t>
-            </a:r>
-            <a:r>
-              <a:rPr lang="en-US" dirty="0" smtClean="0"/>
-              <a:t> script</a:t>
-            </a:r>
-          </a:p>
-          <a:p>
+              <a:t>Use a client with balanced consumer support</a:t>
+            </a:r>
+          </a:p>
+          <a:p>
+            <a:pPr lvl="1"/>
+            <a:r>
+              <a:rPr lang="en-US" dirty="0"/>
+              <a:t>Go: </a:t>
+            </a:r>
+            <a:r>
+              <a:rPr lang="en-US" dirty="0">
+                <a:hlinkClick r:id="rId2"/>
+              </a:rPr>
+              <a:t>https://github.com/stealthly/</a:t>
+            </a:r>
+            <a:r>
+              <a:rPr lang="en-US" dirty="0" smtClean="0">
+                <a:hlinkClick r:id="rId2"/>
+              </a:rPr>
+              <a:t>go_kafka_client</a:t>
+            </a:r>
+            <a:endParaRPr lang="en-US" dirty="0" smtClean="0"/>
+          </a:p>
+          <a:p>
+            <a:pPr lvl="1"/>
+            <a:r>
+              <a:rPr lang="en-US" dirty="0"/>
+              <a:t>Python: </a:t>
+            </a:r>
+            <a:r>
+              <a:rPr lang="en-US" dirty="0">
+                <a:hlinkClick r:id="rId3"/>
+              </a:rPr>
+              <a:t>https://github.com/Parsely/</a:t>
+            </a:r>
+            <a:r>
+              <a:rPr lang="en-US" dirty="0" smtClean="0">
+                <a:hlinkClick r:id="rId3"/>
+              </a:rPr>
+              <a:t>pykafka</a:t>
+            </a:r>
+            <a:endParaRPr lang="en-US" dirty="0" smtClean="0"/>
+          </a:p>
+          <a:p>
+            <a:pPr lvl="1"/>
+            <a:r>
+              <a:rPr lang="en-US" dirty="0"/>
+              <a:t>C++: </a:t>
+            </a:r>
+            <a:r>
+              <a:rPr lang="en-US" dirty="0">
+                <a:hlinkClick r:id="rId4"/>
+              </a:rPr>
+              <a:t>https://github.com/edenhill/</a:t>
+            </a:r>
+            <a:r>
+              <a:rPr lang="en-US" dirty="0" smtClean="0">
+                <a:hlinkClick r:id="rId4"/>
+              </a:rPr>
+              <a:t>librdkafka</a:t>
+            </a:r>
+            <a:endParaRPr lang="en-US" dirty="0" smtClean="0"/>
+          </a:p>
+          <a:p>
+            <a:pPr lvl="1"/>
             <a:endParaRPr lang="en-US" dirty="0"/>
           </a:p>
           <a:p>
             <a:r>
               <a:rPr lang="en-US" dirty="0" smtClean="0"/>
-              <a:t>Experiment</a:t>
-            </a:r>
-          </a:p>
-          <a:p>
-            <a:pPr lvl="1"/>
-            <a:r>
-              <a:rPr lang="en-US" dirty="0" smtClean="0"/>
-              <a:t>What happens if you change the topic name to an unknown topic?</a:t>
-            </a:r>
-          </a:p>
-          <a:p>
-            <a:pPr lvl="1"/>
-            <a:r>
-              <a:rPr lang="en-US" dirty="0" smtClean="0"/>
-              <a:t>What happens the next time you run it?</a:t>
-            </a:r>
-          </a:p>
-          <a:p>
-            <a:pPr lvl="1"/>
+              <a:t>Use the console consumer</a:t>
+            </a:r>
+          </a:p>
+          <a:p>
+            <a:endParaRPr lang="en-US" dirty="0"/>
+          </a:p>
+          <a:p>
+            <a:r>
+              <a:rPr lang="en-US" dirty="0" smtClean="0"/>
+              <a:t>Use an HTTP interface layer</a:t>
+            </a:r>
+          </a:p>
+          <a:p>
+            <a:endParaRPr lang="en-US" dirty="0"/>
+          </a:p>
+          <a:p>
+            <a:r>
+              <a:rPr lang="en-US" dirty="0" smtClean="0"/>
+              <a:t>Wait for the new consumer interface</a:t>
+            </a:r>
             <a:endParaRPr lang="en-US" dirty="0"/>
           </a:p>
         </p:txBody>
@@ -19713,7 +19729,7 @@
     </p:spTree>
     <p:extLst>
       <p:ext uri="{BB962C8B-B14F-4D97-AF65-F5344CB8AC3E}">
-        <p14:creationId xmlns:p14="http://schemas.microsoft.com/office/powerpoint/2010/main" val="2000643193"/>
+        <p14:creationId xmlns:p14="http://schemas.microsoft.com/office/powerpoint/2010/main" val="394456434"/>
       </p:ext>
     </p:extLst>
   </p:cSld>
@@ -19757,7 +19773,7 @@
           <a:p>
             <a:r>
               <a:rPr lang="en-US" dirty="0" smtClean="0"/>
-              <a:t>Consume Messages from Python</a:t>
+              <a:t>Producing Messages from Python</a:t>
             </a:r>
             <a:endParaRPr lang="en-US" dirty="0"/>
           </a:p>
@@ -19784,7 +19800,7 @@
             </a:r>
             <a:r>
               <a:rPr lang="en-US" dirty="0" err="1" smtClean="0"/>
-              <a:t>consumer.py</a:t>
+              <a:t>producer.py</a:t>
             </a:r>
             <a:r>
               <a:rPr lang="en-US" dirty="0" smtClean="0"/>
@@ -19797,39 +19813,25 @@
           <a:p>
             <a:r>
               <a:rPr lang="en-US" dirty="0" smtClean="0"/>
-              <a:t>Note that this is a simple consumer that does not balance</a:t>
+              <a:t>Experiment</a:t>
             </a:r>
           </a:p>
           <a:p>
             <a:pPr lvl="1"/>
             <a:r>
               <a:rPr lang="en-US" dirty="0" smtClean="0"/>
-              <a:t>The group name is used for storing offsets in Kafka</a:t>
+              <a:t>What happens if you change the topic name to an unknown topic?</a:t>
             </a:r>
           </a:p>
           <a:p>
             <a:pPr lvl="1"/>
-            <a:endParaRPr lang="en-US" dirty="0"/>
-          </a:p>
-          <a:p>
-            <a:r>
-              <a:rPr lang="en-US" dirty="0" smtClean="0"/>
-              <a:t>Experiment</a:t>
+            <a:r>
+              <a:rPr lang="en-US" dirty="0" smtClean="0"/>
+              <a:t>What happens the next time you run it?</a:t>
             </a:r>
           </a:p>
           <a:p>
             <a:pPr lvl="1"/>
-            <a:r>
-              <a:rPr lang="en-US" dirty="0" smtClean="0"/>
-              <a:t>What happens when you consume from a topic that doesn’t exist?</a:t>
-            </a:r>
-          </a:p>
-          <a:p>
-            <a:pPr lvl="1"/>
-            <a:r>
-              <a:rPr lang="en-US" dirty="0" smtClean="0"/>
-              <a:t>Modify the producer to continually send messages and run in parallel</a:t>
-            </a:r>
             <a:endParaRPr lang="en-US" dirty="0"/>
           </a:p>
         </p:txBody>
@@ -19861,20 +19863,13 @@
     </p:spTree>
     <p:extLst>
       <p:ext uri="{BB962C8B-B14F-4D97-AF65-F5344CB8AC3E}">
-        <p14:creationId xmlns:p14="http://schemas.microsoft.com/office/powerpoint/2010/main" val="2736399188"/>
+        <p14:creationId xmlns:p14="http://schemas.microsoft.com/office/powerpoint/2010/main" val="2000643193"/>
       </p:ext>
     </p:extLst>
   </p:cSld>
   <p:clrMapOvr>
     <a:masterClrMapping/>
   </p:clrMapOvr>
-  <p:timing>
-    <p:tnLst>
-      <p:par>
-        <p:cTn xmlns:p14="http://schemas.microsoft.com/office/powerpoint/2010/main" id="1" dur="indefinite" restart="never" nodeType="tmRoot"/>
-      </p:par>
-    </p:tnLst>
-  </p:timing>
 </p:sld>
 </file>
 
@@ -19912,7 +19907,7 @@
           <a:p>
             <a:r>
               <a:rPr lang="en-US" dirty="0" smtClean="0"/>
-              <a:t>Kafka Clusters</a:t>
+              <a:t>Consume Messages from Python</a:t>
             </a:r>
             <a:endParaRPr lang="en-US" dirty="0"/>
           </a:p>
@@ -19920,12 +19915,12 @@
       </p:sp>
       <p:sp>
         <p:nvSpPr>
-          <p:cNvPr id="3" name="Text Placeholder 2"/>
+          <p:cNvPr id="3" name="Content Placeholder 2"/>
           <p:cNvSpPr>
             <a:spLocks noGrp="1"/>
           </p:cNvSpPr>
           <p:nvPr>
-            <p:ph type="body" idx="1"/>
+            <p:ph idx="1"/>
           </p:nvPr>
         </p:nvSpPr>
         <p:spPr/>
@@ -19933,7 +19928,59 @@
           <a:bodyPr/>
           <a:lstStyle/>
           <a:p>
-            <a:endParaRPr lang="en-US"/>
+            <a:r>
+              <a:rPr lang="en-US" dirty="0" smtClean="0"/>
+              <a:t>Run the python-</a:t>
+            </a:r>
+            <a:r>
+              <a:rPr lang="en-US" dirty="0" err="1" smtClean="0"/>
+              <a:t>consumer.py</a:t>
+            </a:r>
+            <a:r>
+              <a:rPr lang="en-US" dirty="0" smtClean="0"/>
+              <a:t> script</a:t>
+            </a:r>
+          </a:p>
+          <a:p>
+            <a:endParaRPr lang="en-US" dirty="0"/>
+          </a:p>
+          <a:p>
+            <a:r>
+              <a:rPr lang="en-US" dirty="0" smtClean="0"/>
+              <a:t>Note that this is a simple consumer that does not balance</a:t>
+            </a:r>
+          </a:p>
+          <a:p>
+            <a:pPr lvl="1"/>
+            <a:r>
+              <a:rPr lang="en-US" dirty="0" smtClean="0"/>
+              <a:t>The group name is used for storing offsets in Kafka</a:t>
+            </a:r>
+          </a:p>
+          <a:p>
+            <a:pPr lvl="1"/>
+            <a:endParaRPr lang="en-US" dirty="0"/>
+          </a:p>
+          <a:p>
+            <a:r>
+              <a:rPr lang="en-US" dirty="0" smtClean="0"/>
+              <a:t>Experiment</a:t>
+            </a:r>
+          </a:p>
+          <a:p>
+            <a:pPr lvl="1"/>
+            <a:r>
+              <a:rPr lang="en-US" dirty="0" smtClean="0"/>
+              <a:t>What happens when you consume from a topic that doesn’t exist?</a:t>
+            </a:r>
+          </a:p>
+          <a:p>
+            <a:pPr lvl="1"/>
+            <a:r>
+              <a:rPr lang="en-US" dirty="0" smtClean="0"/>
+              <a:t>Modify the producer to continually send messages and run in parallel</a:t>
+            </a:r>
+            <a:endParaRPr lang="en-US" dirty="0"/>
           </a:p>
         </p:txBody>
       </p:sp>
@@ -19964,13 +20011,20 @@
     </p:spTree>
     <p:extLst>
       <p:ext uri="{BB962C8B-B14F-4D97-AF65-F5344CB8AC3E}">
-        <p14:creationId xmlns:p14="http://schemas.microsoft.com/office/powerpoint/2010/main" val="3222388255"/>
+        <p14:creationId xmlns:p14="http://schemas.microsoft.com/office/powerpoint/2010/main" val="2736399188"/>
       </p:ext>
     </p:extLst>
   </p:cSld>
   <p:clrMapOvr>
     <a:masterClrMapping/>
   </p:clrMapOvr>
+  <p:timing>
+    <p:tnLst>
+      <p:par>
+        <p:cTn xmlns:p14="http://schemas.microsoft.com/office/powerpoint/2010/main" id="1" dur="indefinite" restart="never" nodeType="tmRoot"/>
+      </p:par>
+    </p:tnLst>
+  </p:timing>
 </p:sld>
 </file>
 
@@ -20008,7 +20062,7 @@
           <a:p>
             <a:r>
               <a:rPr lang="en-US" dirty="0" smtClean="0"/>
-              <a:t>Why Cluster?</a:t>
+              <a:t>Kafka Clusters</a:t>
             </a:r>
             <a:endParaRPr lang="en-US" dirty="0"/>
           </a:p>
@@ -20016,12 +20070,12 @@
       </p:sp>
       <p:sp>
         <p:nvSpPr>
-          <p:cNvPr id="3" name="Content Placeholder 2"/>
+          <p:cNvPr id="3" name="Text Placeholder 2"/>
           <p:cNvSpPr>
             <a:spLocks noGrp="1"/>
           </p:cNvSpPr>
           <p:nvPr>
-            <p:ph idx="1"/>
+            <p:ph type="body" idx="1"/>
           </p:nvPr>
         </p:nvSpPr>
         <p:spPr/>
@@ -20029,59 +20083,7 @@
           <a:bodyPr/>
           <a:lstStyle/>
           <a:p>
-            <a:r>
-              <a:rPr lang="en-US" dirty="0" smtClean="0"/>
-              <a:t>Replication of messages</a:t>
-            </a:r>
-          </a:p>
-          <a:p>
-            <a:pPr lvl="1"/>
-            <a:r>
-              <a:rPr lang="en-US" dirty="0" smtClean="0"/>
-              <a:t>Multiple brokers can be replicas</a:t>
-            </a:r>
-          </a:p>
-          <a:p>
-            <a:pPr lvl="1"/>
-            <a:r>
-              <a:rPr lang="en-US" dirty="0" smtClean="0"/>
-              <a:t>Only one broker is the leader</a:t>
-            </a:r>
-          </a:p>
-          <a:p>
-            <a:pPr lvl="1"/>
-            <a:endParaRPr lang="en-US" dirty="0" smtClean="0"/>
-          </a:p>
-          <a:p>
-            <a:r>
-              <a:rPr lang="en-US" dirty="0" smtClean="0"/>
-              <a:t>Horizontal scalability</a:t>
-            </a:r>
-          </a:p>
-          <a:p>
-            <a:pPr lvl="1"/>
-            <a:r>
-              <a:rPr lang="en-US" dirty="0" smtClean="0"/>
-              <a:t>Partitions for one topic can be distributed to many brokers</a:t>
-            </a:r>
-          </a:p>
-          <a:p>
-            <a:pPr lvl="1"/>
-            <a:r>
-              <a:rPr lang="en-US" dirty="0" smtClean="0"/>
-              <a:t>Good for networking, good for storage</a:t>
-            </a:r>
-          </a:p>
-          <a:p>
-            <a:pPr lvl="1"/>
-            <a:endParaRPr lang="en-US" dirty="0"/>
-          </a:p>
-          <a:p>
-            <a:r>
-              <a:rPr lang="en-US" dirty="0" smtClean="0"/>
-              <a:t>Redundant array of inexpensive brokers</a:t>
-            </a:r>
-            <a:endParaRPr lang="en-US" dirty="0"/>
+            <a:endParaRPr lang="en-US"/>
           </a:p>
         </p:txBody>
       </p:sp>
@@ -20112,7 +20114,7 @@
     </p:spTree>
     <p:extLst>
       <p:ext uri="{BB962C8B-B14F-4D97-AF65-F5344CB8AC3E}">
-        <p14:creationId xmlns:p14="http://schemas.microsoft.com/office/powerpoint/2010/main" val="1615061209"/>
+        <p14:creationId xmlns:p14="http://schemas.microsoft.com/office/powerpoint/2010/main" val="3222388255"/>
       </p:ext>
     </p:extLst>
   </p:cSld>
@@ -20156,7 +20158,7 @@
           <a:p>
             <a:r>
               <a:rPr lang="en-US" dirty="0" smtClean="0"/>
-              <a:t>Create a Second Broker</a:t>
+              <a:t>Why Cluster?</a:t>
             </a:r>
             <a:endParaRPr lang="en-US" dirty="0"/>
           </a:p>
@@ -20179,112 +20181,56 @@
           <a:p>
             <a:r>
               <a:rPr lang="en-US" dirty="0" smtClean="0"/>
-              <a:t>Create a second data directory (e.g. /</a:t>
-            </a:r>
-            <a:r>
-              <a:rPr lang="en-US" dirty="0" err="1" smtClean="0"/>
-              <a:t>tmp</a:t>
-            </a:r>
-            <a:r>
-              <a:rPr lang="en-US" dirty="0" smtClean="0"/>
-              <a:t>/kafka-logs-2)</a:t>
-            </a:r>
-          </a:p>
-          <a:p>
+              <a:t>Replication of messages</a:t>
+            </a:r>
+          </a:p>
+          <a:p>
+            <a:pPr lvl="1"/>
+            <a:r>
+              <a:rPr lang="en-US" dirty="0" smtClean="0"/>
+              <a:t>Multiple brokers can be replicas</a:t>
+            </a:r>
+          </a:p>
+          <a:p>
+            <a:pPr lvl="1"/>
+            <a:r>
+              <a:rPr lang="en-US" dirty="0" smtClean="0"/>
+              <a:t>Only one broker is the leader</a:t>
+            </a:r>
+          </a:p>
+          <a:p>
+            <a:pPr lvl="1"/>
             <a:endParaRPr lang="en-US" dirty="0" smtClean="0"/>
           </a:p>
           <a:p>
             <a:r>
               <a:rPr lang="en-US" dirty="0" smtClean="0"/>
-              <a:t>Make a copy of the </a:t>
-            </a:r>
-            <a:r>
-              <a:rPr lang="en-US" dirty="0" err="1"/>
-              <a:t>config</a:t>
-            </a:r>
-            <a:r>
-              <a:rPr lang="en-US" dirty="0"/>
-              <a:t>/</a:t>
-            </a:r>
-            <a:r>
-              <a:rPr lang="en-US" dirty="0" err="1" smtClean="0"/>
-              <a:t>server.properties</a:t>
-            </a:r>
-            <a:r>
-              <a:rPr lang="en-US" dirty="0"/>
-              <a:t> </a:t>
-            </a:r>
-            <a:r>
-              <a:rPr lang="en-US" dirty="0" smtClean="0"/>
-              <a:t>file</a:t>
-            </a:r>
-          </a:p>
-          <a:p>
-            <a:endParaRPr lang="en-US" dirty="0" smtClean="0"/>
-          </a:p>
-          <a:p>
-            <a:r>
-              <a:rPr lang="en-US" dirty="0" smtClean="0"/>
-              <a:t>Edit the new configuration file</a:t>
+              <a:t>Horizontal scalability</a:t>
             </a:r>
           </a:p>
           <a:p>
             <a:pPr lvl="1"/>
             <a:r>
               <a:rPr lang="en-US" dirty="0" smtClean="0"/>
-              <a:t>Change the </a:t>
-            </a:r>
-            <a:r>
-              <a:rPr lang="en-US" dirty="0" err="1" smtClean="0"/>
-              <a:t>broker.id</a:t>
-            </a:r>
-            <a:r>
-              <a:rPr lang="en-US" dirty="0" smtClean="0"/>
-              <a:t> value to 1</a:t>
+              <a:t>Partitions for one topic can be distributed to many brokers</a:t>
             </a:r>
           </a:p>
           <a:p>
             <a:pPr lvl="1"/>
             <a:r>
               <a:rPr lang="en-US" dirty="0" smtClean="0"/>
-              <a:t>Change the </a:t>
-            </a:r>
-            <a:r>
-              <a:rPr lang="en-US" dirty="0" err="1" smtClean="0"/>
-              <a:t>log.dirs</a:t>
-            </a:r>
-            <a:r>
-              <a:rPr lang="en-US" dirty="0" smtClean="0"/>
-              <a:t> </a:t>
-            </a:r>
-            <a:r>
-              <a:rPr lang="en-US" dirty="0" err="1" smtClean="0"/>
-              <a:t>config</a:t>
-            </a:r>
-            <a:r>
-              <a:rPr lang="en-US" dirty="0" smtClean="0"/>
-              <a:t> to the new data directory</a:t>
-            </a:r>
-          </a:p>
-          <a:p>
-            <a:endParaRPr lang="en-US" dirty="0" smtClean="0"/>
-          </a:p>
-          <a:p>
-            <a:r>
-              <a:rPr lang="en-US" dirty="0" smtClean="0"/>
-              <a:t>Start a second copy of Kafka with the new </a:t>
-            </a:r>
-            <a:r>
-              <a:rPr lang="en-US" dirty="0" err="1" smtClean="0"/>
-              <a:t>config</a:t>
-            </a:r>
-            <a:r>
-              <a:rPr lang="en-US" dirty="0" smtClean="0"/>
-              <a:t> file</a:t>
-            </a:r>
+              <a:t>Good for networking, good for storage</a:t>
+            </a:r>
+          </a:p>
+          <a:p>
+            <a:pPr lvl="1"/>
             <a:endParaRPr lang="en-US" dirty="0"/>
           </a:p>
           <a:p>
+            <a:r>
+              <a:rPr lang="en-US" dirty="0" smtClean="0"/>
+              <a:t>Redundant array of inexpensive brokers</a:t>
+            </a:r>
             <a:endParaRPr lang="en-US" dirty="0"/>
           </a:p>
         </p:txBody>
@@ -20316,7 +20262,7 @@
     </p:spTree>
     <p:extLst>
       <p:ext uri="{BB962C8B-B14F-4D97-AF65-F5344CB8AC3E}">
-        <p14:creationId xmlns:p14="http://schemas.microsoft.com/office/powerpoint/2010/main" val="1526075554"/>
+        <p14:creationId xmlns:p14="http://schemas.microsoft.com/office/powerpoint/2010/main" val="1615061209"/>
       </p:ext>
     </p:extLst>
   </p:cSld>
@@ -20360,7 +20306,7 @@
           <a:p>
             <a:r>
               <a:rPr lang="en-US" dirty="0" smtClean="0"/>
-              <a:t>Increasing Replication Factor for a Topic</a:t>
+              <a:t>Create a Second Broker</a:t>
             </a:r>
             <a:endParaRPr lang="en-US" dirty="0"/>
           </a:p>
@@ -20383,39 +20329,7 @@
           <a:p>
             <a:r>
               <a:rPr lang="en-US" dirty="0" smtClean="0"/>
-              <a:t>There’s no simple way to do this</a:t>
-            </a:r>
-          </a:p>
-          <a:p>
-            <a:pPr lvl="1"/>
-            <a:r>
-              <a:rPr lang="en-US" dirty="0" smtClean="0"/>
-              <a:t>The </a:t>
-            </a:r>
-            <a:r>
-              <a:rPr lang="en-US" dirty="0" err="1" smtClean="0"/>
-              <a:t>kafka</a:t>
-            </a:r>
-            <a:r>
-              <a:rPr lang="en-US" dirty="0" smtClean="0"/>
-              <a:t>-topics command does not let you change the RF</a:t>
-            </a:r>
-          </a:p>
-          <a:p>
-            <a:pPr lvl="1"/>
-            <a:r>
-              <a:rPr lang="en-US" dirty="0" smtClean="0"/>
-              <a:t>We have to use partition reassignment to add another replica</a:t>
-            </a:r>
-          </a:p>
-          <a:p>
-            <a:pPr lvl="1"/>
-            <a:endParaRPr lang="en-US" dirty="0"/>
-          </a:p>
-          <a:p>
-            <a:r>
-              <a:rPr lang="en-US" dirty="0" smtClean="0"/>
-              <a:t>Create a file on disk named /</a:t>
+              <a:t>Create a second data directory (e.g. /</a:t>
             </a:r>
             <a:r>
               <a:rPr lang="en-US" dirty="0" err="1" smtClean="0"/>
@@ -20423,246 +20337,105 @@
             </a:r>
             <a:r>
               <a:rPr lang="en-US" dirty="0" smtClean="0"/>
+              <a:t>/kafka-logs-2)</a:t>
+            </a:r>
+          </a:p>
+          <a:p>
+            <a:endParaRPr lang="en-US" dirty="0" smtClean="0"/>
+          </a:p>
+          <a:p>
+            <a:r>
+              <a:rPr lang="en-US" dirty="0" smtClean="0"/>
+              <a:t>Make a copy of the </a:t>
+            </a:r>
+            <a:r>
+              <a:rPr lang="en-US" dirty="0" err="1"/>
+              <a:t>config</a:t>
+            </a:r>
+            <a:r>
+              <a:rPr lang="en-US" dirty="0"/>
               <a:t>/</a:t>
             </a:r>
             <a:r>
               <a:rPr lang="en-US" dirty="0" err="1" smtClean="0"/>
-              <a:t>reassign.json</a:t>
-            </a:r>
-            <a:r>
-              <a:rPr lang="en-US" dirty="0" smtClean="0"/>
-              <a:t> with the following content:</a:t>
-            </a:r>
-          </a:p>
-          <a:p>
-            <a:pPr marL="486918" lvl="1" indent="0">
-              <a:buNone/>
-            </a:pPr>
-            <a:r>
-              <a:rPr lang="en-US" dirty="0" smtClean="0">
-                <a:latin typeface="Consolas"/>
-                <a:cs typeface="Consolas"/>
-              </a:rPr>
-              <a:t>{</a:t>
-            </a:r>
-            <a:r>
-              <a:rPr lang="en-US" dirty="0">
-                <a:latin typeface="Consolas"/>
-                <a:cs typeface="Consolas"/>
-              </a:rPr>
-              <a:t>"partitions"</a:t>
-            </a:r>
-            <a:r>
-              <a:rPr lang="en-US" dirty="0" smtClean="0">
-                <a:latin typeface="Consolas"/>
-                <a:cs typeface="Consolas"/>
-              </a:rPr>
-              <a:t>: [</a:t>
-            </a:r>
-            <a:r>
-              <a:rPr lang="en-US" dirty="0">
-                <a:latin typeface="Consolas"/>
-                <a:cs typeface="Consolas"/>
-              </a:rPr>
-              <a:t>{"topic": </a:t>
-            </a:r>
-            <a:r>
-              <a:rPr lang="en-US" dirty="0" smtClean="0">
-                <a:latin typeface="Consolas"/>
-                <a:cs typeface="Consolas"/>
-              </a:rPr>
-              <a:t>”</a:t>
-            </a:r>
-            <a:r>
-              <a:rPr lang="en-US" dirty="0" err="1" smtClean="0">
-                <a:latin typeface="Consolas"/>
-                <a:cs typeface="Consolas"/>
-              </a:rPr>
-              <a:t>mytopic</a:t>
-            </a:r>
-            <a:r>
-              <a:rPr lang="en-US" dirty="0" smtClean="0">
-                <a:latin typeface="Consolas"/>
-                <a:cs typeface="Consolas"/>
-              </a:rPr>
-              <a:t>", "</a:t>
-            </a:r>
-            <a:r>
-              <a:rPr lang="en-US" dirty="0">
-                <a:latin typeface="Consolas"/>
-                <a:cs typeface="Consolas"/>
-              </a:rPr>
-              <a:t>partition": </a:t>
-            </a:r>
-            <a:r>
-              <a:rPr lang="en-US" dirty="0" smtClean="0">
-                <a:latin typeface="Consolas"/>
-                <a:cs typeface="Consolas"/>
-              </a:rPr>
-              <a:t>0, "</a:t>
-            </a:r>
-            <a:r>
-              <a:rPr lang="en-US" dirty="0">
-                <a:latin typeface="Consolas"/>
-                <a:cs typeface="Consolas"/>
-              </a:rPr>
-              <a:t>replicas": </a:t>
-            </a:r>
-            <a:r>
-              <a:rPr lang="en-US" dirty="0" smtClean="0">
-                <a:latin typeface="Consolas"/>
-                <a:cs typeface="Consolas"/>
-              </a:rPr>
-              <a:t>[0,1]}</a:t>
-            </a:r>
-            <a:r>
-              <a:rPr lang="en-US" dirty="0">
-                <a:latin typeface="Consolas"/>
-                <a:cs typeface="Consolas"/>
-              </a:rPr>
-              <a:t>]</a:t>
-            </a:r>
-            <a:r>
-              <a:rPr lang="en-US" dirty="0" smtClean="0">
-                <a:latin typeface="Consolas"/>
-                <a:cs typeface="Consolas"/>
-              </a:rPr>
-              <a:t>, "</a:t>
-            </a:r>
-            <a:r>
-              <a:rPr lang="en-US" dirty="0">
-                <a:latin typeface="Consolas"/>
-                <a:cs typeface="Consolas"/>
-              </a:rPr>
-              <a:t>version":</a:t>
-            </a:r>
-            <a:r>
-              <a:rPr lang="en-US" dirty="0" smtClean="0">
-                <a:latin typeface="Consolas"/>
-                <a:cs typeface="Consolas"/>
-              </a:rPr>
-              <a:t>1}</a:t>
-            </a:r>
-          </a:p>
-          <a:p>
-            <a:pPr marL="285750"/>
-            <a:endParaRPr lang="en-US" dirty="0">
-              <a:latin typeface="+mn-lt"/>
-              <a:cs typeface="Consolas"/>
-            </a:endParaRPr>
-          </a:p>
-          <a:p>
-            <a:pPr marL="285750"/>
-            <a:r>
-              <a:rPr lang="en-US" dirty="0" smtClean="0">
-                <a:latin typeface="+mn-lt"/>
-                <a:cs typeface="Consolas"/>
-              </a:rPr>
-              <a:t>Execute the following command:</a:t>
-            </a:r>
-          </a:p>
-          <a:p>
-            <a:pPr marL="516636" lvl="1" indent="0">
-              <a:buNone/>
-            </a:pPr>
-            <a:r>
-              <a:rPr lang="en-US" dirty="0">
-                <a:latin typeface="Consolas"/>
-                <a:cs typeface="Consolas"/>
-              </a:rPr>
-              <a:t>b</a:t>
-            </a:r>
-            <a:r>
-              <a:rPr lang="en-US" dirty="0" smtClean="0">
-                <a:latin typeface="Consolas"/>
-                <a:cs typeface="Consolas"/>
-              </a:rPr>
-              <a:t>in/</a:t>
-            </a:r>
-            <a:r>
-              <a:rPr lang="en-US" dirty="0" err="1" smtClean="0">
-                <a:latin typeface="Consolas"/>
-                <a:cs typeface="Consolas"/>
-              </a:rPr>
-              <a:t>kafka</a:t>
-            </a:r>
-            <a:r>
-              <a:rPr lang="en-US" dirty="0" smtClean="0">
-                <a:latin typeface="Consolas"/>
-                <a:cs typeface="Consolas"/>
-              </a:rPr>
-              <a:t>-reassign-</a:t>
-            </a:r>
-            <a:r>
-              <a:rPr lang="en-US" dirty="0" err="1" smtClean="0">
-                <a:latin typeface="Consolas"/>
-                <a:cs typeface="Consolas"/>
-              </a:rPr>
-              <a:t>partitions.sh</a:t>
-            </a:r>
-            <a:r>
-              <a:rPr lang="en-US" dirty="0" smtClean="0">
-                <a:latin typeface="Consolas"/>
-                <a:cs typeface="Consolas"/>
-              </a:rPr>
-              <a:t> –zookeeper localhost</a:t>
-            </a:r>
-            <a:r>
-              <a:rPr lang="en-US" dirty="0">
-                <a:latin typeface="Consolas"/>
-                <a:cs typeface="Consolas"/>
-              </a:rPr>
-              <a:t>:2181 --reassignment-</a:t>
-            </a:r>
-            <a:r>
-              <a:rPr lang="en-US" dirty="0" err="1">
-                <a:latin typeface="Consolas"/>
-                <a:cs typeface="Consolas"/>
-              </a:rPr>
-              <a:t>json</a:t>
-            </a:r>
-            <a:r>
-              <a:rPr lang="en-US" dirty="0">
-                <a:latin typeface="Consolas"/>
-                <a:cs typeface="Consolas"/>
-              </a:rPr>
-              <a:t>-</a:t>
-            </a:r>
-            <a:r>
-              <a:rPr lang="en-US" dirty="0" smtClean="0">
-                <a:latin typeface="Consolas"/>
-                <a:cs typeface="Consolas"/>
-              </a:rPr>
-              <a:t>file /</a:t>
-            </a:r>
-            <a:r>
-              <a:rPr lang="en-US" dirty="0" err="1" smtClean="0">
-                <a:latin typeface="Consolas"/>
-                <a:cs typeface="Consolas"/>
-              </a:rPr>
-              <a:t>tmp</a:t>
-            </a:r>
-            <a:r>
-              <a:rPr lang="en-US" dirty="0" smtClean="0">
-                <a:latin typeface="Consolas"/>
-                <a:cs typeface="Consolas"/>
-              </a:rPr>
-              <a:t>/</a:t>
-            </a:r>
-            <a:r>
-              <a:rPr lang="en-US" dirty="0" err="1" smtClean="0">
-                <a:latin typeface="Consolas"/>
-                <a:cs typeface="Consolas"/>
-              </a:rPr>
-              <a:t>reassign.json</a:t>
-            </a:r>
-            <a:r>
-              <a:rPr lang="en-US" dirty="0" smtClean="0">
-                <a:latin typeface="Consolas"/>
-                <a:cs typeface="Consolas"/>
-              </a:rPr>
-              <a:t> --execute</a:t>
-            </a:r>
+              <a:t>server.properties</a:t>
+            </a:r>
+            <a:r>
+              <a:rPr lang="en-US" dirty="0"/>
+              <a:t> </a:t>
+            </a:r>
+            <a:r>
+              <a:rPr lang="en-US" dirty="0" smtClean="0"/>
+              <a:t>file</a:t>
+            </a:r>
+          </a:p>
+          <a:p>
+            <a:endParaRPr lang="en-US" dirty="0" smtClean="0"/>
+          </a:p>
+          <a:p>
+            <a:r>
+              <a:rPr lang="en-US" dirty="0" smtClean="0"/>
+              <a:t>Edit the new configuration file</a:t>
+            </a:r>
+          </a:p>
+          <a:p>
+            <a:pPr lvl="1"/>
+            <a:r>
+              <a:rPr lang="en-US" dirty="0" smtClean="0"/>
+              <a:t>Change the </a:t>
+            </a:r>
+            <a:r>
+              <a:rPr lang="en-US" dirty="0" err="1" smtClean="0"/>
+              <a:t>broker.id</a:t>
+            </a:r>
+            <a:r>
+              <a:rPr lang="en-US" dirty="0" smtClean="0"/>
+              <a:t> value to 1</a:t>
+            </a:r>
+          </a:p>
+          <a:p>
+            <a:pPr lvl="1"/>
+            <a:r>
+              <a:rPr lang="en-US" dirty="0" smtClean="0"/>
+              <a:t>Change the </a:t>
+            </a:r>
+            <a:r>
+              <a:rPr lang="en-US" dirty="0" err="1" smtClean="0"/>
+              <a:t>log.dirs</a:t>
+            </a:r>
+            <a:r>
+              <a:rPr lang="en-US" dirty="0" smtClean="0"/>
+              <a:t> </a:t>
+            </a:r>
+            <a:r>
+              <a:rPr lang="en-US" dirty="0" err="1" smtClean="0"/>
+              <a:t>config</a:t>
+            </a:r>
+            <a:r>
+              <a:rPr lang="en-US" dirty="0" smtClean="0"/>
+              <a:t> to the new data directory</a:t>
+            </a:r>
+          </a:p>
+          <a:p>
+            <a:endParaRPr lang="en-US" dirty="0" smtClean="0"/>
+          </a:p>
+          <a:p>
+            <a:r>
+              <a:rPr lang="en-US" dirty="0" smtClean="0"/>
+              <a:t>Start a second copy of Kafka with the new </a:t>
+            </a:r>
+            <a:r>
+              <a:rPr lang="en-US" dirty="0" err="1" smtClean="0"/>
+              <a:t>config</a:t>
+            </a:r>
+            <a:r>
+              <a:rPr lang="en-US" dirty="0" smtClean="0"/>
+              <a:t> file</a:t>
+            </a:r>
+            <a:endParaRPr lang="en-US" dirty="0"/>
+          </a:p>
+          <a:p>
+            <a:endParaRPr lang="en-US" dirty="0"/>
           </a:p>
         </p:txBody>
       </p:sp>
@@ -20693,7 +20466,7 @@
     </p:spTree>
     <p:extLst>
       <p:ext uri="{BB962C8B-B14F-4D97-AF65-F5344CB8AC3E}">
-        <p14:creationId xmlns:p14="http://schemas.microsoft.com/office/powerpoint/2010/main" val="3165875162"/>
+        <p14:creationId xmlns:p14="http://schemas.microsoft.com/office/powerpoint/2010/main" val="1526075554"/>
       </p:ext>
     </p:extLst>
   </p:cSld>
@@ -20737,7 +20510,7 @@
           <a:p>
             <a:r>
               <a:rPr lang="en-US" dirty="0" smtClean="0"/>
-              <a:t>Adding Partitions to a Topic</a:t>
+              <a:t>Increasing Replication Factor for a Topic</a:t>
             </a:r>
             <a:endParaRPr lang="en-US" dirty="0"/>
           </a:p>
@@ -20760,112 +20533,286 @@
           <a:p>
             <a:r>
               <a:rPr lang="en-US" dirty="0" smtClean="0"/>
-              <a:t>Partitions can only be increased</a:t>
-            </a:r>
-          </a:p>
-          <a:p>
+              <a:t>There’s no simple way to do this</a:t>
+            </a:r>
+          </a:p>
+          <a:p>
+            <a:pPr lvl="1"/>
+            <a:r>
+              <a:rPr lang="en-US" dirty="0" smtClean="0"/>
+              <a:t>The </a:t>
+            </a:r>
+            <a:r>
+              <a:rPr lang="en-US" dirty="0" err="1" smtClean="0"/>
+              <a:t>kafka</a:t>
+            </a:r>
+            <a:r>
+              <a:rPr lang="en-US" dirty="0" smtClean="0"/>
+              <a:t>-topics command does not let you change the RF</a:t>
+            </a:r>
+          </a:p>
+          <a:p>
+            <a:pPr lvl="1"/>
+            <a:r>
+              <a:rPr lang="en-US" dirty="0" smtClean="0"/>
+              <a:t>We have to use partition reassignment to add another replica</a:t>
+            </a:r>
+          </a:p>
+          <a:p>
+            <a:pPr lvl="1"/>
             <a:endParaRPr lang="en-US" dirty="0"/>
           </a:p>
           <a:p>
             <a:r>
               <a:rPr lang="en-US" dirty="0" smtClean="0"/>
-              <a:t>The cluster does not balance partitions to all brokers</a:t>
-            </a:r>
-          </a:p>
-          <a:p>
-            <a:pPr lvl="1"/>
-            <a:r>
-              <a:rPr lang="en-US" dirty="0" smtClean="0"/>
-              <a:t>Over time you will get hot nodes</a:t>
-            </a:r>
-          </a:p>
-          <a:p>
-            <a:pPr lvl="1"/>
-            <a:r>
-              <a:rPr lang="en-US" dirty="0" smtClean="0"/>
-              <a:t>External tools can be used for rebalancing the cluster</a:t>
-            </a:r>
-          </a:p>
-          <a:p>
-            <a:endParaRPr lang="en-US" dirty="0"/>
-          </a:p>
-          <a:p>
-            <a:r>
-              <a:rPr lang="en-US" dirty="0" smtClean="0"/>
-              <a:t>Execute </a:t>
-            </a:r>
-            <a:r>
-              <a:rPr lang="en-US" dirty="0"/>
-              <a:t>the following command:</a:t>
+              <a:t>Create a file on disk named /</a:t>
+            </a:r>
+            <a:r>
+              <a:rPr lang="en-US" dirty="0" err="1" smtClean="0"/>
+              <a:t>tmp</a:t>
+            </a:r>
+            <a:r>
+              <a:rPr lang="en-US" dirty="0" smtClean="0"/>
+              <a:t>/</a:t>
+            </a:r>
+            <a:r>
+              <a:rPr lang="en-US" dirty="0" err="1" smtClean="0"/>
+              <a:t>reassign.json</a:t>
+            </a:r>
+            <a:r>
+              <a:rPr lang="en-US" dirty="0" smtClean="0"/>
+              <a:t> with the following content:</a:t>
             </a:r>
           </a:p>
           <a:p>
             <a:pPr marL="486918" lvl="1" indent="0">
               <a:buNone/>
             </a:pPr>
+            <a:r>
+              <a:rPr lang="en-US" dirty="0" smtClean="0">
+                <a:latin typeface="Consolas"/>
+                <a:cs typeface="Consolas"/>
+              </a:rPr>
+              <a:t>{</a:t>
+            </a:r>
             <a:r>
               <a:rPr lang="en-US" dirty="0">
                 <a:latin typeface="Consolas"/>
                 <a:cs typeface="Consolas"/>
               </a:rPr>
-              <a:t>bin/</a:t>
+              <a:t>"partitions"</a:t>
+            </a:r>
+            <a:r>
+              <a:rPr lang="en-US" dirty="0" smtClean="0">
+                <a:latin typeface="Consolas"/>
+                <a:cs typeface="Consolas"/>
+              </a:rPr>
+              <a:t>: [</a:t>
+            </a:r>
+            <a:r>
+              <a:rPr lang="en-US" dirty="0">
+                <a:latin typeface="Consolas"/>
+                <a:cs typeface="Consolas"/>
+              </a:rPr>
+              <a:t>{"topic": </a:t>
+            </a:r>
+            <a:r>
+              <a:rPr lang="en-US" dirty="0" smtClean="0">
+                <a:latin typeface="Consolas"/>
+                <a:cs typeface="Consolas"/>
+              </a:rPr>
+              <a:t>”</a:t>
+            </a:r>
+            <a:r>
+              <a:rPr lang="en-US" dirty="0" err="1" smtClean="0">
+                <a:latin typeface="Consolas"/>
+                <a:cs typeface="Consolas"/>
+              </a:rPr>
+              <a:t>mytopic</a:t>
+            </a:r>
+            <a:r>
+              <a:rPr lang="en-US" dirty="0" smtClean="0">
+                <a:latin typeface="Consolas"/>
+                <a:cs typeface="Consolas"/>
+              </a:rPr>
+              <a:t>", "</a:t>
+            </a:r>
+            <a:r>
+              <a:rPr lang="en-US" dirty="0">
+                <a:latin typeface="Consolas"/>
+                <a:cs typeface="Consolas"/>
+              </a:rPr>
+              <a:t>partition": </a:t>
+            </a:r>
+            <a:r>
+              <a:rPr lang="en-US" dirty="0" smtClean="0">
+                <a:latin typeface="Consolas"/>
+                <a:cs typeface="Consolas"/>
+              </a:rPr>
+              <a:t>0, "</a:t>
+            </a:r>
+            <a:r>
+              <a:rPr lang="en-US" dirty="0">
+                <a:latin typeface="Consolas"/>
+                <a:cs typeface="Consolas"/>
+              </a:rPr>
+              <a:t>replicas": </a:t>
+            </a:r>
+            <a:r>
+              <a:rPr lang="en-US" dirty="0" smtClean="0">
+                <a:latin typeface="Consolas"/>
+                <a:cs typeface="Consolas"/>
+              </a:rPr>
+              <a:t>[0,1]}</a:t>
+            </a:r>
+            <a:r>
+              <a:rPr lang="en-US" dirty="0">
+                <a:latin typeface="Consolas"/>
+                <a:cs typeface="Consolas"/>
+              </a:rPr>
+              <a:t>]</a:t>
+            </a:r>
+            <a:r>
+              <a:rPr lang="en-US" dirty="0" smtClean="0">
+                <a:latin typeface="Consolas"/>
+                <a:cs typeface="Consolas"/>
+              </a:rPr>
+              <a:t>, "</a:t>
+            </a:r>
+            <a:r>
+              <a:rPr lang="en-US" dirty="0">
+                <a:latin typeface="Consolas"/>
+                <a:cs typeface="Consolas"/>
+              </a:rPr>
+              <a:t>version":</a:t>
+            </a:r>
+            <a:r>
+              <a:rPr lang="en-US" dirty="0" smtClean="0">
+                <a:latin typeface="Consolas"/>
+                <a:cs typeface="Consolas"/>
+              </a:rPr>
+              <a:t>1}</a:t>
+            </a:r>
+          </a:p>
+          <a:p>
+            <a:pPr marL="285750"/>
+            <a:endParaRPr lang="en-US" dirty="0">
+              <a:latin typeface="+mn-lt"/>
+              <a:cs typeface="Consolas"/>
+            </a:endParaRPr>
+          </a:p>
+          <a:p>
+            <a:pPr marL="285750"/>
+            <a:r>
+              <a:rPr lang="en-US" dirty="0" smtClean="0">
+                <a:latin typeface="+mn-lt"/>
+                <a:cs typeface="Consolas"/>
+              </a:rPr>
+              <a:t>Execute the following command:</a:t>
+            </a:r>
+          </a:p>
+          <a:p>
+            <a:pPr marL="516636" lvl="1" indent="0">
+              <a:buNone/>
+            </a:pPr>
+            <a:r>
+              <a:rPr lang="en-US" dirty="0">
+                <a:latin typeface="Consolas"/>
+                <a:cs typeface="Consolas"/>
+              </a:rPr>
+              <a:t>b</a:t>
+            </a:r>
+            <a:r>
+              <a:rPr lang="en-US" dirty="0" smtClean="0">
+                <a:latin typeface="Consolas"/>
+                <a:cs typeface="Consolas"/>
+              </a:rPr>
+              <a:t>in/</a:t>
+            </a:r>
+            <a:r>
+              <a:rPr lang="en-US" dirty="0" err="1" smtClean="0">
+                <a:latin typeface="Consolas"/>
+                <a:cs typeface="Consolas"/>
+              </a:rPr>
+              <a:t>kafka</a:t>
+            </a:r>
+            <a:r>
+              <a:rPr lang="en-US" dirty="0" smtClean="0">
+                <a:latin typeface="Consolas"/>
+                <a:cs typeface="Consolas"/>
+              </a:rPr>
+              <a:t>-reassign-</a:t>
+            </a:r>
+            <a:r>
+              <a:rPr lang="en-US" dirty="0" err="1" smtClean="0">
+                <a:latin typeface="Consolas"/>
+                <a:cs typeface="Consolas"/>
+              </a:rPr>
+              <a:t>partitions.sh</a:t>
+            </a:r>
+            <a:r>
+              <a:rPr lang="en-US" dirty="0" smtClean="0">
+                <a:latin typeface="Consolas"/>
+                <a:cs typeface="Consolas"/>
+              </a:rPr>
+              <a:t> –zookeeper localhost</a:t>
+            </a:r>
+            <a:r>
+              <a:rPr lang="en-US" dirty="0">
+                <a:latin typeface="Consolas"/>
+                <a:cs typeface="Consolas"/>
+              </a:rPr>
+              <a:t>:2181 --reassignment-</a:t>
             </a:r>
             <a:r>
               <a:rPr lang="en-US" dirty="0" err="1">
                 <a:latin typeface="Consolas"/>
                 <a:cs typeface="Consolas"/>
               </a:rPr>
-              <a:t>kafka-topics.sh</a:t>
+              <a:t>json</a:t>
             </a:r>
             <a:r>
               <a:rPr lang="en-US" dirty="0">
                 <a:latin typeface="Consolas"/>
                 <a:cs typeface="Consolas"/>
               </a:rPr>
-              <a:t> --zookeeper localhost:2181 </a:t>
+              <a:t>-</a:t>
             </a:r>
             <a:r>
               <a:rPr lang="en-US" dirty="0" smtClean="0">
                 <a:latin typeface="Consolas"/>
                 <a:cs typeface="Consolas"/>
               </a:rPr>
-              <a:t>--alter -</a:t>
-            </a:r>
-            <a:r>
-              <a:rPr lang="en-US" dirty="0">
+              <a:t>file /</a:t>
+            </a:r>
+            <a:r>
+              <a:rPr lang="en-US" dirty="0" err="1" smtClean="0">
                 <a:latin typeface="Consolas"/>
                 <a:cs typeface="Consolas"/>
               </a:rPr>
-              <a:t>-topic </a:t>
-            </a:r>
-            <a:r>
-              <a:rPr lang="en-US" dirty="0" err="1">
-                <a:latin typeface="Consolas"/>
-                <a:cs typeface="Consolas"/>
-              </a:rPr>
-              <a:t>mytopic</a:t>
-            </a:r>
-            <a:r>
-              <a:rPr lang="en-US" dirty="0">
-                <a:latin typeface="Consolas"/>
-                <a:cs typeface="Consolas"/>
-              </a:rPr>
-              <a:t> </a:t>
+              <a:t>tmp</a:t>
             </a:r>
             <a:r>
               <a:rPr lang="en-US" dirty="0" smtClean="0">
                 <a:latin typeface="Consolas"/>
                 <a:cs typeface="Consolas"/>
               </a:rPr>
-              <a:t>--partitions 2</a:t>
-            </a:r>
-            <a:endParaRPr lang="en-US" dirty="0">
-              <a:latin typeface="Consolas"/>
-              <a:cs typeface="Consolas"/>
-            </a:endParaRPr>
-          </a:p>
-          <a:p>
-            <a:endParaRPr lang="en-US" dirty="0"/>
+              <a:t>/</a:t>
+            </a:r>
+            <a:r>
+              <a:rPr lang="en-US" dirty="0" err="1" smtClean="0">
+                <a:latin typeface="Consolas"/>
+                <a:cs typeface="Consolas"/>
+              </a:rPr>
+              <a:t>reassign.json</a:t>
+            </a:r>
+            <a:r>
+              <a:rPr lang="en-US" dirty="0" smtClean="0">
+                <a:latin typeface="Consolas"/>
+                <a:cs typeface="Consolas"/>
+              </a:rPr>
+              <a:t> --execute</a:t>
+            </a:r>
           </a:p>
         </p:txBody>
       </p:sp>
@@ -20896,7 +20843,7 @@
     </p:spTree>
     <p:extLst>
       <p:ext uri="{BB962C8B-B14F-4D97-AF65-F5344CB8AC3E}">
-        <p14:creationId xmlns:p14="http://schemas.microsoft.com/office/powerpoint/2010/main" val="2621367948"/>
+        <p14:creationId xmlns:p14="http://schemas.microsoft.com/office/powerpoint/2010/main" val="3165875162"/>
       </p:ext>
     </p:extLst>
   </p:cSld>
@@ -20940,7 +20887,7 @@
           <a:p>
             <a:r>
               <a:rPr lang="en-US" dirty="0" smtClean="0"/>
-              <a:t>Shutting Down a Broker</a:t>
+              <a:t>Adding Partitions to a Topic</a:t>
             </a:r>
             <a:endParaRPr lang="en-US" dirty="0"/>
           </a:p>
@@ -20963,7 +20910,7 @@
           <a:p>
             <a:r>
               <a:rPr lang="en-US" dirty="0" smtClean="0"/>
-              <a:t>With a replicated topic, there is now redundancy</a:t>
+              <a:t>Partitions can only be increased</a:t>
             </a:r>
           </a:p>
           <a:p>
@@ -20972,7 +20919,21 @@
           <a:p>
             <a:r>
               <a:rPr lang="en-US" dirty="0" smtClean="0"/>
-              <a:t>Kill one of the broker processes</a:t>
+              <a:t>The cluster does not balance partitions to all brokers</a:t>
+            </a:r>
+          </a:p>
+          <a:p>
+            <a:pPr lvl="1"/>
+            <a:r>
+              <a:rPr lang="en-US" dirty="0" smtClean="0"/>
+              <a:t>Over time you will get hot nodes</a:t>
+            </a:r>
+          </a:p>
+          <a:p>
+            <a:pPr lvl="1"/>
+            <a:r>
+              <a:rPr lang="en-US" dirty="0" smtClean="0"/>
+              <a:t>External tools can be used for rebalancing the cluster</a:t>
             </a:r>
           </a:p>
           <a:p>
@@ -20981,8 +20942,77 @@
           <a:p>
             <a:r>
               <a:rPr lang="en-US" dirty="0" smtClean="0"/>
-              <a:t>Run the console consumer with the --from-beginning flag to see that it still works</a:t>
-            </a:r>
+              <a:t>Execute </a:t>
+            </a:r>
+            <a:r>
+              <a:rPr lang="en-US" dirty="0"/>
+              <a:t>the following command:</a:t>
+            </a:r>
+          </a:p>
+          <a:p>
+            <a:pPr marL="486918" lvl="1" indent="0">
+              <a:buNone/>
+            </a:pPr>
+            <a:r>
+              <a:rPr lang="en-US" dirty="0">
+                <a:latin typeface="Consolas"/>
+                <a:cs typeface="Consolas"/>
+              </a:rPr>
+              <a:t>bin/</a:t>
+            </a:r>
+            <a:r>
+              <a:rPr lang="en-US" dirty="0" err="1">
+                <a:latin typeface="Consolas"/>
+                <a:cs typeface="Consolas"/>
+              </a:rPr>
+              <a:t>kafka-topics.sh</a:t>
+            </a:r>
+            <a:r>
+              <a:rPr lang="en-US" dirty="0">
+                <a:latin typeface="Consolas"/>
+                <a:cs typeface="Consolas"/>
+              </a:rPr>
+              <a:t> --zookeeper localhost:2181 </a:t>
+            </a:r>
+            <a:r>
+              <a:rPr lang="en-US" dirty="0" smtClean="0">
+                <a:latin typeface="Consolas"/>
+                <a:cs typeface="Consolas"/>
+              </a:rPr>
+              <a:t>--alter -</a:t>
+            </a:r>
+            <a:r>
+              <a:rPr lang="en-US" dirty="0">
+                <a:latin typeface="Consolas"/>
+                <a:cs typeface="Consolas"/>
+              </a:rPr>
+              <a:t>-topic </a:t>
+            </a:r>
+            <a:r>
+              <a:rPr lang="en-US" dirty="0" err="1">
+                <a:latin typeface="Consolas"/>
+                <a:cs typeface="Consolas"/>
+              </a:rPr>
+              <a:t>mytopic</a:t>
+            </a:r>
+            <a:r>
+              <a:rPr lang="en-US" dirty="0">
+                <a:latin typeface="Consolas"/>
+                <a:cs typeface="Consolas"/>
+              </a:rPr>
+              <a:t> </a:t>
+            </a:r>
+            <a:r>
+              <a:rPr lang="en-US" dirty="0" smtClean="0">
+                <a:latin typeface="Consolas"/>
+                <a:cs typeface="Consolas"/>
+              </a:rPr>
+              <a:t>--partitions 2</a:t>
+            </a:r>
+            <a:endParaRPr lang="en-US" dirty="0">
+              <a:latin typeface="Consolas"/>
+              <a:cs typeface="Consolas"/>
+            </a:endParaRPr>
           </a:p>
           <a:p>
             <a:endParaRPr lang="en-US" dirty="0"/>
@@ -21016,7 +21046,7 @@
     </p:spTree>
     <p:extLst>
       <p:ext uri="{BB962C8B-B14F-4D97-AF65-F5344CB8AC3E}">
-        <p14:creationId xmlns:p14="http://schemas.microsoft.com/office/powerpoint/2010/main" val="3640237825"/>
+        <p14:creationId xmlns:p14="http://schemas.microsoft.com/office/powerpoint/2010/main" val="2621367948"/>
       </p:ext>
     </p:extLst>
   </p:cSld>
@@ -21060,7 +21090,7 @@
           <a:p>
             <a:r>
               <a:rPr lang="en-US" dirty="0" smtClean="0"/>
-              <a:t>Use Cases</a:t>
+              <a:t>Shutting Down a Broker</a:t>
             </a:r>
             <a:endParaRPr lang="en-US" dirty="0"/>
           </a:p>
@@ -21068,12 +21098,12 @@
       </p:sp>
       <p:sp>
         <p:nvSpPr>
-          <p:cNvPr id="3" name="Text Placeholder 2"/>
+          <p:cNvPr id="3" name="Content Placeholder 2"/>
           <p:cNvSpPr>
             <a:spLocks noGrp="1"/>
           </p:cNvSpPr>
           <p:nvPr>
-            <p:ph type="body" idx="1"/>
+            <p:ph idx="1"/>
           </p:nvPr>
         </p:nvSpPr>
         <p:spPr/>
@@ -21081,7 +21111,31 @@
           <a:bodyPr/>
           <a:lstStyle/>
           <a:p>
-            <a:endParaRPr lang="en-US"/>
+            <a:r>
+              <a:rPr lang="en-US" dirty="0" smtClean="0"/>
+              <a:t>With a replicated topic, there is now redundancy</a:t>
+            </a:r>
+          </a:p>
+          <a:p>
+            <a:endParaRPr lang="en-US" dirty="0"/>
+          </a:p>
+          <a:p>
+            <a:r>
+              <a:rPr lang="en-US" dirty="0" smtClean="0"/>
+              <a:t>Kill one of the broker processes</a:t>
+            </a:r>
+          </a:p>
+          <a:p>
+            <a:endParaRPr lang="en-US" dirty="0"/>
+          </a:p>
+          <a:p>
+            <a:r>
+              <a:rPr lang="en-US" dirty="0" smtClean="0"/>
+              <a:t>Run the console consumer with the --from-beginning flag to see that it still works</a:t>
+            </a:r>
+          </a:p>
+          <a:p>
+            <a:endParaRPr lang="en-US" dirty="0"/>
           </a:p>
         </p:txBody>
       </p:sp>
@@ -21112,7 +21166,7 @@
     </p:spTree>
     <p:extLst>
       <p:ext uri="{BB962C8B-B14F-4D97-AF65-F5344CB8AC3E}">
-        <p14:creationId xmlns:p14="http://schemas.microsoft.com/office/powerpoint/2010/main" val="1263503609"/>
+        <p14:creationId xmlns:p14="http://schemas.microsoft.com/office/powerpoint/2010/main" val="3640237825"/>
       </p:ext>
     </p:extLst>
   </p:cSld>
@@ -21156,7 +21210,7 @@
           <a:p>
             <a:r>
               <a:rPr lang="en-US" dirty="0" smtClean="0"/>
-              <a:t>What Can I Use Kafka For?</a:t>
+              <a:t>Use Cases</a:t>
             </a:r>
             <a:endParaRPr lang="en-US" dirty="0"/>
           </a:p>
@@ -21164,12 +21218,12 @@
       </p:sp>
       <p:sp>
         <p:nvSpPr>
-          <p:cNvPr id="3" name="Content Placeholder 2"/>
+          <p:cNvPr id="3" name="Text Placeholder 2"/>
           <p:cNvSpPr>
             <a:spLocks noGrp="1"/>
           </p:cNvSpPr>
           <p:nvPr>
-            <p:ph idx="1"/>
+            <p:ph type="body" idx="1"/>
           </p:nvPr>
         </p:nvSpPr>
         <p:spPr/>
@@ -21177,46 +21231,7 @@
           <a:bodyPr/>
           <a:lstStyle/>
           <a:p>
-            <a:r>
-              <a:rPr lang="en-US" dirty="0" smtClean="0"/>
-              <a:t>Simple Queuing</a:t>
-            </a:r>
-          </a:p>
-          <a:p>
-            <a:endParaRPr lang="en-US" dirty="0" smtClean="0"/>
-          </a:p>
-          <a:p>
-            <a:r>
-              <a:rPr lang="en-US" dirty="0" smtClean="0"/>
-              <a:t>Tracking User Events</a:t>
-            </a:r>
-          </a:p>
-          <a:p>
-            <a:endParaRPr lang="en-US" dirty="0" smtClean="0"/>
-          </a:p>
-          <a:p>
-            <a:r>
-              <a:rPr lang="en-US" dirty="0" smtClean="0"/>
-              <a:t>Log Aggregation</a:t>
-            </a:r>
-          </a:p>
-          <a:p>
-            <a:endParaRPr lang="en-US" dirty="0"/>
-          </a:p>
-          <a:p>
-            <a:r>
-              <a:rPr lang="en-US" dirty="0" smtClean="0"/>
-              <a:t>Real-time Metrics</a:t>
-            </a:r>
-          </a:p>
-          <a:p>
-            <a:endParaRPr lang="en-US" dirty="0"/>
-          </a:p>
-          <a:p>
-            <a:endParaRPr lang="en-US" dirty="0"/>
-          </a:p>
-          <a:p>
-            <a:endParaRPr lang="en-US" dirty="0"/>
+            <a:endParaRPr lang="en-US"/>
           </a:p>
         </p:txBody>
       </p:sp>
@@ -21247,7 +21262,7 @@
     </p:spTree>
     <p:extLst>
       <p:ext uri="{BB962C8B-B14F-4D97-AF65-F5344CB8AC3E}">
-        <p14:creationId xmlns:p14="http://schemas.microsoft.com/office/powerpoint/2010/main" val="801530003"/>
+        <p14:creationId xmlns:p14="http://schemas.microsoft.com/office/powerpoint/2010/main" val="1263503609"/>
       </p:ext>
     </p:extLst>
   </p:cSld>
@@ -21291,7 +21306,7 @@
           <a:p>
             <a:r>
               <a:rPr lang="en-US" dirty="0" smtClean="0"/>
-              <a:t>Schedule</a:t>
+              <a:t>Agenda</a:t>
             </a:r>
             <a:endParaRPr lang="en-US" dirty="0"/>
           </a:p>
@@ -21309,19 +21324,14 @@
         </p:nvSpPr>
         <p:spPr/>
         <p:txBody>
-          <a:bodyPr/>
+          <a:bodyPr>
+            <a:normAutofit lnSpcReduction="10000"/>
+          </a:bodyPr>
           <a:lstStyle/>
           <a:p>
             <a:r>
               <a:rPr lang="en-US" dirty="0" smtClean="0"/>
-              <a:t>Tutorial, Part the First</a:t>
-            </a:r>
-          </a:p>
-          <a:p>
-            <a:pPr lvl="1"/>
-            <a:r>
-              <a:rPr lang="en-US" dirty="0" smtClean="0"/>
-              <a:t>9:00 AM to 10:30 AM</a:t>
+              <a:t>Apache Zookeeper</a:t>
             </a:r>
           </a:p>
           <a:p>
@@ -21330,14 +21340,7 @@
           <a:p>
             <a:r>
               <a:rPr lang="en-US" dirty="0" smtClean="0"/>
-              <a:t>Break</a:t>
-            </a:r>
-          </a:p>
-          <a:p>
-            <a:pPr lvl="1"/>
-            <a:r>
-              <a:rPr lang="en-US" dirty="0" smtClean="0"/>
-              <a:t>10:30 AM to 11:00 AM</a:t>
+              <a:t>Apache Kafka</a:t>
             </a:r>
           </a:p>
           <a:p>
@@ -21346,21 +21349,35 @@
           <a:p>
             <a:r>
               <a:rPr lang="en-US" dirty="0" smtClean="0"/>
-              <a:t>Tutorial, the Thrilling Conclusion</a:t>
-            </a:r>
-          </a:p>
-          <a:p>
-            <a:pPr lvl="1"/>
-            <a:r>
-              <a:rPr lang="en-US" dirty="0" smtClean="0"/>
-              <a:t>11:00 AM to 12:30 PM</a:t>
-            </a:r>
-          </a:p>
-          <a:p>
-            <a:pPr lvl="1"/>
-            <a:endParaRPr lang="en-US" dirty="0" smtClean="0"/>
-          </a:p>
-          <a:p>
+              <a:t>Producing and Consuming Messages</a:t>
+            </a:r>
+          </a:p>
+          <a:p>
+            <a:endParaRPr lang="en-US" dirty="0"/>
+          </a:p>
+          <a:p>
+            <a:r>
+              <a:rPr lang="en-US" dirty="0" smtClean="0"/>
+              <a:t>Kafka Clusters</a:t>
+            </a:r>
+          </a:p>
+          <a:p>
+            <a:endParaRPr lang="en-US" dirty="0"/>
+          </a:p>
+          <a:p>
+            <a:r>
+              <a:rPr lang="en-US" dirty="0" smtClean="0"/>
+              <a:t>Use Cases for Kafka</a:t>
+            </a:r>
+          </a:p>
+          <a:p>
+            <a:endParaRPr lang="en-US" dirty="0"/>
+          </a:p>
+          <a:p>
+            <a:r>
+              <a:rPr lang="en-US" dirty="0" smtClean="0"/>
+              <a:t>More Time? More Fun!</a:t>
+            </a:r>
             <a:endParaRPr lang="en-US" dirty="0"/>
           </a:p>
         </p:txBody>
@@ -21392,7 +21409,7 @@
     </p:spTree>
     <p:extLst>
       <p:ext uri="{BB962C8B-B14F-4D97-AF65-F5344CB8AC3E}">
-        <p14:creationId xmlns:p14="http://schemas.microsoft.com/office/powerpoint/2010/main" val="2241724593"/>
+        <p14:creationId xmlns:p14="http://schemas.microsoft.com/office/powerpoint/2010/main" val="549282895"/>
       </p:ext>
     </p:extLst>
   </p:cSld>
@@ -21443,7 +21460,7 @@
           <a:p>
             <a:r>
               <a:rPr lang="en-US" dirty="0" smtClean="0"/>
-              <a:t>Use Case - Queuing</a:t>
+              <a:t>What Can I Use Kafka For?</a:t>
             </a:r>
             <a:endParaRPr lang="en-US" dirty="0"/>
           </a:p>
@@ -21466,7 +21483,25 @@
           <a:p>
             <a:r>
               <a:rPr lang="en-US" dirty="0" smtClean="0"/>
-              <a:t>Most common case people think of</a:t>
+              <a:t>Simple Queuing</a:t>
+            </a:r>
+          </a:p>
+          <a:p>
+            <a:endParaRPr lang="en-US" dirty="0" smtClean="0"/>
+          </a:p>
+          <a:p>
+            <a:r>
+              <a:rPr lang="en-US" dirty="0" smtClean="0"/>
+              <a:t>Tracking User Events</a:t>
+            </a:r>
+          </a:p>
+          <a:p>
+            <a:endParaRPr lang="en-US" dirty="0" smtClean="0"/>
+          </a:p>
+          <a:p>
+            <a:r>
+              <a:rPr lang="en-US" dirty="0" smtClean="0"/>
+              <a:t>Log Aggregation</a:t>
             </a:r>
           </a:p>
           <a:p>
@@ -21475,53 +21510,16 @@
           <a:p>
             <a:r>
               <a:rPr lang="en-US" dirty="0" smtClean="0"/>
-              <a:t>Example – Sending emails</a:t>
-            </a:r>
-          </a:p>
-          <a:p>
-            <a:pPr lvl="1"/>
-            <a:r>
-              <a:rPr lang="en-US" dirty="0" smtClean="0"/>
-              <a:t>You need to send emails from multiple applications</a:t>
-            </a:r>
-          </a:p>
-          <a:p>
-            <a:pPr lvl="1"/>
-            <a:r>
-              <a:rPr lang="en-US" dirty="0" smtClean="0"/>
-              <a:t>All emails should look the same, so they are decorated by a common method</a:t>
-            </a:r>
-          </a:p>
-          <a:p>
-            <a:endParaRPr lang="en-US" dirty="0" smtClean="0"/>
-          </a:p>
-          <a:p>
-            <a:r>
-              <a:rPr lang="en-US" dirty="0" smtClean="0"/>
-              <a:t>Why Kafka?</a:t>
-            </a:r>
+              <a:t>Real-time Metrics</a:t>
+            </a:r>
+          </a:p>
+          <a:p>
             <a:endParaRPr lang="en-US" dirty="0"/>
           </a:p>
           <a:p>
-            <a:pPr lvl="1"/>
-            <a:r>
-              <a:rPr lang="en-US" dirty="0" smtClean="0"/>
-              <a:t>Multiple producers of emails send emails to Kafka</a:t>
-            </a:r>
-          </a:p>
-          <a:p>
-            <a:pPr lvl="1"/>
-            <a:r>
-              <a:rPr lang="en-US" dirty="0" smtClean="0"/>
-              <a:t>Decorator service consumes messages to send, scaling horizontally by partitions</a:t>
-            </a:r>
-          </a:p>
-          <a:p>
-            <a:pPr lvl="1"/>
-            <a:r>
-              <a:rPr lang="en-US" dirty="0" smtClean="0"/>
-              <a:t>Reduces the need to maintain decoration everywhere</a:t>
-            </a:r>
+            <a:endParaRPr lang="en-US" dirty="0"/>
+          </a:p>
+          <a:p>
             <a:endParaRPr lang="en-US" dirty="0"/>
           </a:p>
         </p:txBody>
@@ -21553,7 +21551,7 @@
     </p:spTree>
     <p:extLst>
       <p:ext uri="{BB962C8B-B14F-4D97-AF65-F5344CB8AC3E}">
-        <p14:creationId xmlns:p14="http://schemas.microsoft.com/office/powerpoint/2010/main" val="2620273086"/>
+        <p14:creationId xmlns:p14="http://schemas.microsoft.com/office/powerpoint/2010/main" val="801530003"/>
       </p:ext>
     </p:extLst>
   </p:cSld>
@@ -21597,7 +21595,7 @@
           <a:p>
             <a:r>
               <a:rPr lang="en-US" dirty="0" smtClean="0"/>
-              <a:t>Use Case - Tracking</a:t>
+              <a:t>Use Case - Queuing</a:t>
             </a:r>
             <a:endParaRPr lang="en-US" dirty="0"/>
           </a:p>
@@ -21620,78 +21618,61 @@
           <a:p>
             <a:r>
               <a:rPr lang="en-US" dirty="0" smtClean="0"/>
-              <a:t>Collection of events, often with offline processing in </a:t>
-            </a:r>
-            <a:r>
-              <a:rPr lang="en-US" dirty="0" err="1" smtClean="0"/>
-              <a:t>Hadoop</a:t>
-            </a:r>
+              <a:t>Most common case people think of</a:t>
+            </a:r>
+          </a:p>
+          <a:p>
+            <a:endParaRPr lang="en-US" dirty="0"/>
+          </a:p>
+          <a:p>
+            <a:r>
+              <a:rPr lang="en-US" dirty="0" smtClean="0"/>
+              <a:t>Example – Sending emails</a:t>
+            </a:r>
+          </a:p>
+          <a:p>
+            <a:pPr lvl="1"/>
+            <a:r>
+              <a:rPr lang="en-US" dirty="0" smtClean="0"/>
+              <a:t>You need to send emails from multiple applications</a:t>
+            </a:r>
+          </a:p>
+          <a:p>
+            <a:pPr lvl="1"/>
+            <a:r>
+              <a:rPr lang="en-US" dirty="0" smtClean="0"/>
+              <a:t>All emails should look the same, so they are decorated by a common method</a:t>
+            </a:r>
+          </a:p>
+          <a:p>
             <a:endParaRPr lang="en-US" dirty="0" smtClean="0"/>
           </a:p>
           <a:p>
+            <a:r>
+              <a:rPr lang="en-US" dirty="0" smtClean="0"/>
+              <a:t>Why Kafka?</a:t>
+            </a:r>
             <a:endParaRPr lang="en-US" dirty="0"/>
           </a:p>
           <a:p>
-            <a:r>
-              <a:rPr lang="en-US" dirty="0" smtClean="0"/>
-              <a:t>Example – Page Views</a:t>
-            </a:r>
-          </a:p>
-          <a:p>
             <a:pPr lvl="1"/>
             <a:r>
               <a:rPr lang="en-US" dirty="0" smtClean="0"/>
-              <a:t>Users hit multiple pages, and multiple applications</a:t>
+              <a:t>Multiple producers of emails send emails to Kafka</a:t>
             </a:r>
           </a:p>
           <a:p>
             <a:pPr lvl="1"/>
             <a:r>
               <a:rPr lang="en-US" dirty="0" smtClean="0"/>
-              <a:t>Reports need to be generated in </a:t>
-            </a:r>
-            <a:r>
-              <a:rPr lang="en-US" dirty="0" err="1" smtClean="0"/>
-              <a:t>Hadoop</a:t>
-            </a:r>
-            <a:r>
-              <a:rPr lang="en-US" dirty="0" smtClean="0"/>
-              <a:t> on a many different factors</a:t>
+              <a:t>Decorator service consumes messages to send, scaling horizontally by partitions</a:t>
             </a:r>
           </a:p>
           <a:p>
             <a:pPr lvl="1"/>
-            <a:endParaRPr lang="en-US" dirty="0"/>
-          </a:p>
-          <a:p>
-            <a:r>
-              <a:rPr lang="en-US" dirty="0" smtClean="0"/>
-              <a:t>Why Kafka?</a:t>
-            </a:r>
-          </a:p>
-          <a:p>
-            <a:pPr lvl="1"/>
-            <a:r>
-              <a:rPr lang="en-US" dirty="0" smtClean="0"/>
-              <a:t>Multiple applications can produce messages with ease</a:t>
-            </a:r>
-          </a:p>
-          <a:p>
-            <a:pPr lvl="1"/>
-            <a:r>
-              <a:rPr lang="en-US" dirty="0" smtClean="0"/>
-              <a:t>Messages are protected with replication while in transit</a:t>
-            </a:r>
-          </a:p>
-          <a:p>
-            <a:pPr lvl="1"/>
-            <a:r>
-              <a:rPr lang="en-US" dirty="0" smtClean="0"/>
-              <a:t>Retain messages in Kafka long enough to get them to </a:t>
-            </a:r>
-            <a:r>
-              <a:rPr lang="en-US" dirty="0" err="1" smtClean="0"/>
-              <a:t>Hadoop</a:t>
+            <a:r>
+              <a:rPr lang="en-US" dirty="0" smtClean="0"/>
+              <a:t>Reduces the need to maintain decoration everywhere</a:t>
             </a:r>
             <a:endParaRPr lang="en-US" dirty="0"/>
           </a:p>
@@ -21724,7 +21705,7 @@
     </p:spTree>
     <p:extLst>
       <p:ext uri="{BB962C8B-B14F-4D97-AF65-F5344CB8AC3E}">
-        <p14:creationId xmlns:p14="http://schemas.microsoft.com/office/powerpoint/2010/main" val="620597038"/>
+        <p14:creationId xmlns:p14="http://schemas.microsoft.com/office/powerpoint/2010/main" val="2620273086"/>
       </p:ext>
     </p:extLst>
   </p:cSld>
@@ -21768,7 +21749,7 @@
           <a:p>
             <a:r>
               <a:rPr lang="en-US" dirty="0" smtClean="0"/>
-              <a:t>Use Case - Logging</a:t>
+              <a:t>Use Case - Tracking</a:t>
             </a:r>
             <a:endParaRPr lang="en-US" dirty="0"/>
           </a:p>
@@ -21791,8 +21772,13 @@
           <a:p>
             <a:r>
               <a:rPr lang="en-US" dirty="0" smtClean="0"/>
-              <a:t>Application logs need to be collected for multiple types of analysis</a:t>
-            </a:r>
+              <a:t>Collection of events, often with offline processing in </a:t>
+            </a:r>
+            <a:r>
+              <a:rPr lang="en-US" dirty="0" err="1" smtClean="0"/>
+              <a:t>Hadoop</a:t>
+            </a:r>
+            <a:endParaRPr lang="en-US" dirty="0" smtClean="0"/>
           </a:p>
           <a:p>
             <a:endParaRPr lang="en-US" dirty="0"/>
@@ -21800,24 +21786,33 @@
           <a:p>
             <a:r>
               <a:rPr lang="en-US" dirty="0" smtClean="0"/>
-              <a:t>Example</a:t>
+              <a:t>Example – Page Views</a:t>
             </a:r>
           </a:p>
           <a:p>
             <a:pPr lvl="1"/>
             <a:r>
               <a:rPr lang="en-US" dirty="0" smtClean="0"/>
-              <a:t>Logs need to be collected from several applications</a:t>
+              <a:t>Users hit multiple pages, and multiple applications</a:t>
             </a:r>
           </a:p>
           <a:p>
             <a:pPr lvl="1"/>
             <a:r>
               <a:rPr lang="en-US" dirty="0" smtClean="0"/>
-              <a:t>Many people are interested in them – developers, security, operations</a:t>
-            </a:r>
-          </a:p>
-          <a:p>
+              <a:t>Reports need to be generated in </a:t>
+            </a:r>
+            <a:r>
+              <a:rPr lang="en-US" dirty="0" err="1" smtClean="0"/>
+              <a:t>Hadoop</a:t>
+            </a:r>
+            <a:r>
+              <a:rPr lang="en-US" dirty="0" smtClean="0"/>
+              <a:t> on a many different factors</a:t>
+            </a:r>
+          </a:p>
+          <a:p>
+            <a:pPr lvl="1"/>
             <a:endParaRPr lang="en-US" dirty="0"/>
           </a:p>
           <a:p>
@@ -21830,21 +21825,25 @@
             <a:pPr lvl="1"/>
             <a:r>
               <a:rPr lang="en-US" dirty="0" smtClean="0"/>
-              <a:t>Multiple producers are no problem</a:t>
+              <a:t>Multiple applications can produce messages with ease</a:t>
             </a:r>
           </a:p>
           <a:p>
             <a:pPr lvl="1"/>
             <a:r>
               <a:rPr lang="en-US" dirty="0" smtClean="0"/>
-              <a:t>Each interested party can consume the logs without interfering with the others</a:t>
+              <a:t>Messages are protected with replication while in transit</a:t>
             </a:r>
           </a:p>
           <a:p>
             <a:pPr lvl="1"/>
             <a:r>
               <a:rPr lang="en-US" dirty="0" smtClean="0"/>
-              <a:t>Collection is separated from use</a:t>
+              <a:t>Retain messages in Kafka long enough to get them to </a:t>
+            </a:r>
+            <a:r>
+              <a:rPr lang="en-US" dirty="0" err="1" smtClean="0"/>
+              <a:t>Hadoop</a:t>
             </a:r>
             <a:endParaRPr lang="en-US" dirty="0"/>
           </a:p>
@@ -21877,7 +21876,7 @@
     </p:spTree>
     <p:extLst>
       <p:ext uri="{BB962C8B-B14F-4D97-AF65-F5344CB8AC3E}">
-        <p14:creationId xmlns:p14="http://schemas.microsoft.com/office/powerpoint/2010/main" val="4032221728"/>
+        <p14:creationId xmlns:p14="http://schemas.microsoft.com/office/powerpoint/2010/main" val="620597038"/>
       </p:ext>
     </p:extLst>
   </p:cSld>
@@ -21921,7 +21920,7 @@
           <a:p>
             <a:r>
               <a:rPr lang="en-US" dirty="0" smtClean="0"/>
-              <a:t>Use Case - Metrics</a:t>
+              <a:t>Use Case - Logging</a:t>
             </a:r>
             <a:endParaRPr lang="en-US" dirty="0"/>
           </a:p>
@@ -21939,14 +21938,12 @@
         </p:nvSpPr>
         <p:spPr/>
         <p:txBody>
-          <a:bodyPr>
-            <a:normAutofit lnSpcReduction="10000"/>
-          </a:bodyPr>
+          <a:bodyPr/>
           <a:lstStyle/>
           <a:p>
             <a:r>
               <a:rPr lang="en-US" dirty="0" smtClean="0"/>
-              <a:t>You want to be able to watch application and system metrics in real time when debugging problems</a:t>
+              <a:t>Application logs need to be collected for multiple types of analysis</a:t>
             </a:r>
           </a:p>
           <a:p>
@@ -21962,45 +21959,44 @@
             <a:pPr lvl="1"/>
             <a:r>
               <a:rPr lang="en-US" dirty="0" smtClean="0"/>
-              <a:t>Applications emit metrics to a topic with fine granularity</a:t>
+              <a:t>Logs need to be collected from several applications</a:t>
             </a:r>
           </a:p>
           <a:p>
             <a:pPr lvl="1"/>
             <a:r>
               <a:rPr lang="en-US" dirty="0" smtClean="0"/>
-              <a:t>You can start up a tool at any point to consume specific metrics and display them</a:t>
+              <a:t>Many people are interested in them – developers, security, operations</a:t>
+            </a:r>
+          </a:p>
+          <a:p>
+            <a:endParaRPr lang="en-US" dirty="0"/>
+          </a:p>
+          <a:p>
+            <a:r>
+              <a:rPr lang="en-US" dirty="0" smtClean="0"/>
+              <a:t>Why Kafka?</a:t>
             </a:r>
           </a:p>
           <a:p>
             <a:pPr lvl="1"/>
-            <a:endParaRPr lang="en-US" dirty="0"/>
-          </a:p>
-          <a:p>
-            <a:r>
-              <a:rPr lang="en-US" dirty="0" smtClean="0"/>
-              <a:t>Why Kafka?</a:t>
+            <a:r>
+              <a:rPr lang="en-US" dirty="0" smtClean="0"/>
+              <a:t>Multiple producers are no problem</a:t>
             </a:r>
           </a:p>
           <a:p>
             <a:pPr lvl="1"/>
             <a:r>
               <a:rPr lang="en-US" dirty="0" smtClean="0"/>
-              <a:t>Each user can have a randomized consumer group</a:t>
+              <a:t>Each interested party can consume the logs without interfering with the others</a:t>
             </a:r>
           </a:p>
           <a:p>
             <a:pPr lvl="1"/>
             <a:r>
               <a:rPr lang="en-US" dirty="0" smtClean="0"/>
-              <a:t>Metrics can be retained in Kafka for a very short period of time to reduce storage</a:t>
-            </a:r>
-          </a:p>
-          <a:p>
-            <a:pPr lvl="1"/>
-            <a:r>
-              <a:rPr lang="en-US" dirty="0" smtClean="0"/>
-              <a:t>You can also consume metrics with lower granularity into permanent storage</a:t>
+              <a:t>Collection is separated from use</a:t>
             </a:r>
             <a:endParaRPr lang="en-US" dirty="0"/>
           </a:p>
@@ -22033,7 +22029,7 @@
     </p:spTree>
     <p:extLst>
       <p:ext uri="{BB962C8B-B14F-4D97-AF65-F5344CB8AC3E}">
-        <p14:creationId xmlns:p14="http://schemas.microsoft.com/office/powerpoint/2010/main" val="2931757062"/>
+        <p14:creationId xmlns:p14="http://schemas.microsoft.com/office/powerpoint/2010/main" val="4032221728"/>
       </p:ext>
     </p:extLst>
   </p:cSld>
@@ -22077,7 +22073,7 @@
           <a:p>
             <a:r>
               <a:rPr lang="en-US" dirty="0" smtClean="0"/>
-              <a:t>Additional Topics</a:t>
+              <a:t>Use Case - Metrics</a:t>
             </a:r>
             <a:endParaRPr lang="en-US" dirty="0"/>
           </a:p>
@@ -22085,20 +22081,80 @@
       </p:sp>
       <p:sp>
         <p:nvSpPr>
-          <p:cNvPr id="3" name="Text Placeholder 2"/>
+          <p:cNvPr id="3" name="Content Placeholder 2"/>
           <p:cNvSpPr>
             <a:spLocks noGrp="1"/>
           </p:cNvSpPr>
           <p:nvPr>
-            <p:ph type="body" idx="1"/>
+            <p:ph idx="1"/>
           </p:nvPr>
         </p:nvSpPr>
         <p:spPr/>
         <p:txBody>
-          <a:bodyPr/>
+          <a:bodyPr>
+            <a:normAutofit lnSpcReduction="10000"/>
+          </a:bodyPr>
           <a:lstStyle/>
           <a:p>
-            <a:endParaRPr lang="en-US"/>
+            <a:r>
+              <a:rPr lang="en-US" dirty="0" smtClean="0"/>
+              <a:t>You want to be able to watch application and system metrics in real time when debugging problems</a:t>
+            </a:r>
+          </a:p>
+          <a:p>
+            <a:endParaRPr lang="en-US" dirty="0"/>
+          </a:p>
+          <a:p>
+            <a:r>
+              <a:rPr lang="en-US" dirty="0" smtClean="0"/>
+              <a:t>Example</a:t>
+            </a:r>
+          </a:p>
+          <a:p>
+            <a:pPr lvl="1"/>
+            <a:r>
+              <a:rPr lang="en-US" dirty="0" smtClean="0"/>
+              <a:t>Applications emit metrics to a topic with fine granularity</a:t>
+            </a:r>
+          </a:p>
+          <a:p>
+            <a:pPr lvl="1"/>
+            <a:r>
+              <a:rPr lang="en-US" dirty="0" smtClean="0"/>
+              <a:t>You can start up a tool at any point to consume specific metrics and display them</a:t>
+            </a:r>
+          </a:p>
+          <a:p>
+            <a:pPr lvl="1"/>
+            <a:endParaRPr lang="en-US" dirty="0"/>
+          </a:p>
+          <a:p>
+            <a:r>
+              <a:rPr lang="en-US" dirty="0" smtClean="0"/>
+              <a:t>Why Kafka?</a:t>
+            </a:r>
+          </a:p>
+          <a:p>
+            <a:pPr lvl="1"/>
+            <a:r>
+              <a:rPr lang="en-US" dirty="0" smtClean="0"/>
+              <a:t>Each user can have a randomized consumer group</a:t>
+            </a:r>
+          </a:p>
+          <a:p>
+            <a:pPr lvl="1"/>
+            <a:r>
+              <a:rPr lang="en-US" dirty="0" smtClean="0"/>
+              <a:t>Metrics can be retained in Kafka for a very short period of time to reduce storage</a:t>
+            </a:r>
+          </a:p>
+          <a:p>
+            <a:pPr lvl="1"/>
+            <a:r>
+              <a:rPr lang="en-US" dirty="0" smtClean="0"/>
+              <a:t>You can also consume metrics with lower granularity into permanent storage</a:t>
+            </a:r>
+            <a:endParaRPr lang="en-US" dirty="0"/>
           </a:p>
         </p:txBody>
       </p:sp>
@@ -22129,7 +22185,7 @@
     </p:spTree>
     <p:extLst>
       <p:ext uri="{BB962C8B-B14F-4D97-AF65-F5344CB8AC3E}">
-        <p14:creationId xmlns:p14="http://schemas.microsoft.com/office/powerpoint/2010/main" val="1950640139"/>
+        <p14:creationId xmlns:p14="http://schemas.microsoft.com/office/powerpoint/2010/main" val="2931757062"/>
       </p:ext>
     </p:extLst>
   </p:cSld>
@@ -22173,7 +22229,7 @@
           <a:p>
             <a:r>
               <a:rPr lang="en-US" dirty="0" smtClean="0"/>
-              <a:t>Message Retention</a:t>
+              <a:t>Additional Topics</a:t>
             </a:r>
             <a:endParaRPr lang="en-US" dirty="0"/>
           </a:p>
@@ -22181,12 +22237,12 @@
       </p:sp>
       <p:sp>
         <p:nvSpPr>
-          <p:cNvPr id="3" name="Content Placeholder 2"/>
+          <p:cNvPr id="3" name="Text Placeholder 2"/>
           <p:cNvSpPr>
             <a:spLocks noGrp="1"/>
           </p:cNvSpPr>
           <p:nvPr>
-            <p:ph idx="1"/>
+            <p:ph type="body" idx="1"/>
           </p:nvPr>
         </p:nvSpPr>
         <p:spPr/>
@@ -22194,78 +22250,7 @@
           <a:bodyPr/>
           <a:lstStyle/>
           <a:p>
-            <a:r>
-              <a:rPr lang="en-US" dirty="0" smtClean="0"/>
-              <a:t>Kafka retains and expires messages via three options</a:t>
-            </a:r>
-          </a:p>
-          <a:p>
-            <a:pPr lvl="1"/>
-            <a:r>
-              <a:rPr lang="en-US" dirty="0" smtClean="0"/>
-              <a:t>Time-based (the default, which keeps messages for at least 168 hours)</a:t>
-            </a:r>
-          </a:p>
-          <a:p>
-            <a:pPr lvl="1"/>
-            <a:r>
-              <a:rPr lang="en-US" dirty="0" smtClean="0"/>
-              <a:t>Size-based (configurable amount of messages per-partition)</a:t>
-            </a:r>
-          </a:p>
-          <a:p>
-            <a:pPr lvl="1"/>
-            <a:r>
-              <a:rPr lang="en-US" dirty="0" smtClean="0"/>
-              <a:t>Key-based (one message is retained for each discrete key)</a:t>
-            </a:r>
-          </a:p>
-          <a:p>
-            <a:pPr lvl="1"/>
-            <a:endParaRPr lang="en-US" dirty="0"/>
-          </a:p>
-          <a:p>
-            <a:r>
-              <a:rPr lang="en-US" dirty="0" smtClean="0"/>
-              <a:t>Time and size retention can work together, but not with key-based</a:t>
-            </a:r>
-          </a:p>
-          <a:p>
-            <a:pPr lvl="1"/>
-            <a:r>
-              <a:rPr lang="en-US" dirty="0" smtClean="0"/>
-              <a:t>With time and size configured, messages are retained either until the size limit is reached OR the time limit is reached, whichever comes first</a:t>
-            </a:r>
-          </a:p>
-          <a:p>
-            <a:pPr lvl="1"/>
-            <a:endParaRPr lang="en-US" dirty="0"/>
-          </a:p>
-          <a:p>
-            <a:r>
-              <a:rPr lang="en-US" dirty="0" smtClean="0"/>
-              <a:t>Retention can be overridden per-topic</a:t>
-            </a:r>
-          </a:p>
-          <a:p>
-            <a:pPr lvl="1"/>
-            <a:r>
-              <a:rPr lang="en-US" dirty="0" smtClean="0"/>
-              <a:t>Use the </a:t>
-            </a:r>
-            <a:r>
-              <a:rPr lang="en-US" dirty="0" err="1" smtClean="0"/>
-              <a:t>kafka-topics.sh</a:t>
-            </a:r>
-            <a:r>
-              <a:rPr lang="en-US" dirty="0" smtClean="0"/>
-              <a:t> CLI to set these </a:t>
-            </a:r>
-            <a:r>
-              <a:rPr lang="en-US" dirty="0" err="1" smtClean="0"/>
-              <a:t>configs</a:t>
-            </a:r>
-            <a:endParaRPr lang="en-US" dirty="0"/>
+            <a:endParaRPr lang="en-US"/>
           </a:p>
         </p:txBody>
       </p:sp>
@@ -22296,7 +22281,7 @@
     </p:spTree>
     <p:extLst>
       <p:ext uri="{BB962C8B-B14F-4D97-AF65-F5344CB8AC3E}">
-        <p14:creationId xmlns:p14="http://schemas.microsoft.com/office/powerpoint/2010/main" val="3070585920"/>
+        <p14:creationId xmlns:p14="http://schemas.microsoft.com/office/powerpoint/2010/main" val="1950640139"/>
       </p:ext>
     </p:extLst>
   </p:cSld>
@@ -22340,7 +22325,7 @@
           <a:p>
             <a:r>
               <a:rPr lang="en-US" dirty="0" smtClean="0"/>
-              <a:t>Balancing Partitions</a:t>
+              <a:t>Message Retention</a:t>
             </a:r>
             <a:endParaRPr lang="en-US" dirty="0"/>
           </a:p>
@@ -22363,21 +22348,28 @@
           <a:p>
             <a:r>
               <a:rPr lang="en-US" dirty="0" smtClean="0"/>
-              <a:t>Kafka attempts to spread out partitions for a topic as they are created</a:t>
+              <a:t>Kafka retains and expires messages via three options</a:t>
             </a:r>
           </a:p>
           <a:p>
             <a:pPr lvl="1"/>
             <a:r>
               <a:rPr lang="en-US" dirty="0" smtClean="0"/>
-              <a:t>It doesn’t remember state from topic to topic, however</a:t>
+              <a:t>Time-based (the default, which keeps messages for at least 168 hours)</a:t>
             </a:r>
           </a:p>
           <a:p>
             <a:pPr lvl="1"/>
             <a:r>
               <a:rPr lang="en-US" dirty="0" smtClean="0"/>
-              <a:t>It also does not know how to add or remove a broker</a:t>
+              <a:t>Size-based (configurable amount of messages per-partition)</a:t>
+            </a:r>
+          </a:p>
+          <a:p>
+            <a:pPr lvl="1"/>
+            <a:r>
+              <a:rPr lang="en-US" dirty="0" smtClean="0"/>
+              <a:t>Key-based (one message is retained for each discrete key)</a:t>
             </a:r>
           </a:p>
           <a:p>
@@ -22387,53 +22379,43 @@
           <a:p>
             <a:r>
               <a:rPr lang="en-US" dirty="0" smtClean="0"/>
-              <a:t>External scripts can be created to perform functions like this</a:t>
-            </a:r>
-          </a:p>
-          <a:p>
+              <a:t>Time and size retention can work together, but not with key-based</a:t>
+            </a:r>
+          </a:p>
+          <a:p>
+            <a:pPr lvl="1"/>
+            <a:r>
+              <a:rPr lang="en-US" dirty="0" smtClean="0"/>
+              <a:t>With time and size configured, messages are retained either until the size limit is reached OR the time limit is reached, whichever comes first</a:t>
+            </a:r>
+          </a:p>
+          <a:p>
+            <a:pPr lvl="1"/>
             <a:endParaRPr lang="en-US" dirty="0"/>
           </a:p>
           <a:p>
             <a:r>
-              <a:rPr lang="en-US" dirty="0" err="1"/>
-              <a:t>k</a:t>
+              <a:rPr lang="en-US" dirty="0" smtClean="0"/>
+              <a:t>Retention can be overridden per-topic</a:t>
+            </a:r>
+          </a:p>
+          <a:p>
+            <a:pPr lvl="1"/>
+            <a:r>
+              <a:rPr lang="en-US" dirty="0" smtClean="0"/>
+              <a:t>Use the </a:t>
             </a:r>
             <a:r>
               <a:rPr lang="en-US" dirty="0" err="1" smtClean="0"/>
-              <a:t>afka-assigner.py</a:t>
-            </a:r>
-            <a:r>
-              <a:rPr lang="en-US" dirty="0" smtClean="0"/>
-              <a:t> is what we use at LinkedIn</a:t>
-            </a:r>
-          </a:p>
-          <a:p>
-            <a:pPr lvl="1"/>
-            <a:r>
-              <a:rPr lang="en-US" dirty="0" smtClean="0"/>
-              <a:t>It can add and remove brokers</a:t>
-            </a:r>
-          </a:p>
-          <a:p>
-            <a:pPr lvl="1"/>
-            <a:r>
-              <a:rPr lang="en-US" dirty="0" smtClean="0"/>
-              <a:t>It can also perform rebalances by partition count and size</a:t>
-            </a:r>
-          </a:p>
-          <a:p>
-            <a:pPr lvl="1"/>
-            <a:r>
-              <a:rPr lang="en-US" dirty="0" smtClean="0"/>
-              <a:t>Requires Python, as well as the Kazoo and </a:t>
+              <a:t>kafka-topics.sh</a:t>
+            </a:r>
+            <a:r>
+              <a:rPr lang="en-US" dirty="0" smtClean="0"/>
+              <a:t> CLI to set these </a:t>
             </a:r>
             <a:r>
               <a:rPr lang="en-US" dirty="0" err="1" smtClean="0"/>
-              <a:t>Paramiko</a:t>
-            </a:r>
-            <a:r>
-              <a:rPr lang="en-US" smtClean="0"/>
-              <a:t> libraries</a:t>
+              <a:t>configs</a:t>
             </a:r>
             <a:endParaRPr lang="en-US" dirty="0"/>
           </a:p>
@@ -22466,7 +22448,7 @@
     </p:spTree>
     <p:extLst>
       <p:ext uri="{BB962C8B-B14F-4D97-AF65-F5344CB8AC3E}">
-        <p14:creationId xmlns:p14="http://schemas.microsoft.com/office/powerpoint/2010/main" val="3534993693"/>
+        <p14:creationId xmlns:p14="http://schemas.microsoft.com/office/powerpoint/2010/main" val="3070585920"/>
       </p:ext>
     </p:extLst>
   </p:cSld>
@@ -22510,7 +22492,7 @@
           <a:p>
             <a:r>
               <a:rPr lang="en-US" dirty="0" smtClean="0"/>
-              <a:t>Going to Production</a:t>
+              <a:t>Balancing Partitions</a:t>
             </a:r>
             <a:endParaRPr lang="en-US" dirty="0"/>
           </a:p>
@@ -22533,21 +22515,21 @@
           <a:p>
             <a:r>
               <a:rPr lang="en-US" dirty="0" smtClean="0"/>
-              <a:t>Zookeeper Setup</a:t>
+              <a:t>Kafka attempts to spread out partitions for a topic as they are created</a:t>
             </a:r>
           </a:p>
           <a:p>
             <a:pPr lvl="1"/>
             <a:r>
               <a:rPr lang="en-US" dirty="0" smtClean="0"/>
-              <a:t>Zookeeper stays running if you have (n/2)+1 nodes still talking to each other</a:t>
+              <a:t>It doesn’t remember state from topic to topic, however</a:t>
             </a:r>
           </a:p>
           <a:p>
             <a:pPr lvl="1"/>
             <a:r>
               <a:rPr lang="en-US" dirty="0" smtClean="0"/>
-              <a:t>Run 5 nodes, not 3 nodes</a:t>
+              <a:t>It also does not know how to add or remove a broker</a:t>
             </a:r>
           </a:p>
           <a:p>
@@ -22557,45 +22539,53 @@
           <a:p>
             <a:r>
               <a:rPr lang="en-US" dirty="0" smtClean="0"/>
-              <a:t>Kafka Clusters</a:t>
+              <a:t>External scripts can be created to perform functions like this</a:t>
+            </a:r>
+          </a:p>
+          <a:p>
+            <a:endParaRPr lang="en-US" dirty="0"/>
+          </a:p>
+          <a:p>
+            <a:r>
+              <a:rPr lang="en-US" dirty="0" err="1"/>
+              <a:t>k</a:t>
+            </a:r>
+            <a:r>
+              <a:rPr lang="en-US" dirty="0" err="1" smtClean="0"/>
+              <a:t>afka-assigner.py</a:t>
+            </a:r>
+            <a:r>
+              <a:rPr lang="en-US" dirty="0" smtClean="0"/>
+              <a:t> is what we use at LinkedIn</a:t>
             </a:r>
           </a:p>
           <a:p>
             <a:pPr lvl="1"/>
             <a:r>
               <a:rPr lang="en-US" dirty="0" smtClean="0"/>
-              <a:t>Run at least as many Kafka brokers in a cluster as you want replicas, plus one</a:t>
+              <a:t>It can add and remove brokers</a:t>
             </a:r>
           </a:p>
           <a:p>
             <a:pPr lvl="1"/>
             <a:r>
               <a:rPr lang="en-US" dirty="0" smtClean="0"/>
-              <a:t>For most applications, replication factor 2 is sufficient</a:t>
+              <a:t>It can also perform rebalances by partition count and size</a:t>
             </a:r>
           </a:p>
           <a:p>
             <a:pPr lvl="1"/>
             <a:r>
               <a:rPr lang="en-US" dirty="0" smtClean="0"/>
-              <a:t>For “no data loss”, replication factor of 3 or more is required</a:t>
-            </a:r>
-          </a:p>
-          <a:p>
-            <a:pPr lvl="1"/>
-            <a:r>
-              <a:rPr lang="en-US" dirty="0" smtClean="0"/>
-              <a:t>The RF will determine the number of broker failures you can suffer</a:t>
-            </a:r>
-          </a:p>
-          <a:p>
-            <a:pPr lvl="1"/>
-            <a:endParaRPr lang="en-US" dirty="0"/>
-          </a:p>
-          <a:p>
-            <a:r>
-              <a:rPr lang="en-US" dirty="0" smtClean="0"/>
-              <a:t>Spread out to multiple racks (or the equivalent)</a:t>
+              <a:t>Requires Python, as well as the Kazoo and </a:t>
+            </a:r>
+            <a:r>
+              <a:rPr lang="en-US" dirty="0" err="1" smtClean="0"/>
+              <a:t>Paramiko</a:t>
+            </a:r>
+            <a:r>
+              <a:rPr lang="en-US" smtClean="0"/>
+              <a:t> libraries</a:t>
             </a:r>
             <a:endParaRPr lang="en-US" dirty="0"/>
           </a:p>
@@ -22628,7 +22618,7 @@
     </p:spTree>
     <p:extLst>
       <p:ext uri="{BB962C8B-B14F-4D97-AF65-F5344CB8AC3E}">
-        <p14:creationId xmlns:p14="http://schemas.microsoft.com/office/powerpoint/2010/main" val="413088631"/>
+        <p14:creationId xmlns:p14="http://schemas.microsoft.com/office/powerpoint/2010/main" val="3534993693"/>
       </p:ext>
     </p:extLst>
   </p:cSld>
@@ -22672,7 +22662,7 @@
           <a:p>
             <a:r>
               <a:rPr lang="en-US" dirty="0" smtClean="0"/>
-              <a:t>Resources</a:t>
+              <a:t>Going to Production</a:t>
             </a:r>
             <a:endParaRPr lang="en-US" dirty="0"/>
           </a:p>
@@ -22680,12 +22670,12 @@
       </p:sp>
       <p:sp>
         <p:nvSpPr>
-          <p:cNvPr id="3" name="Text Placeholder 2"/>
+          <p:cNvPr id="3" name="Content Placeholder 2"/>
           <p:cNvSpPr>
             <a:spLocks noGrp="1"/>
           </p:cNvSpPr>
           <p:nvPr>
-            <p:ph type="body" idx="1"/>
+            <p:ph idx="1"/>
           </p:nvPr>
         </p:nvSpPr>
         <p:spPr/>
@@ -22693,7 +22683,73 @@
           <a:bodyPr/>
           <a:lstStyle/>
           <a:p>
-            <a:endParaRPr lang="en-US"/>
+            <a:r>
+              <a:rPr lang="en-US" dirty="0" smtClean="0"/>
+              <a:t>Zookeeper Setup</a:t>
+            </a:r>
+          </a:p>
+          <a:p>
+            <a:pPr lvl="1"/>
+            <a:r>
+              <a:rPr lang="en-US" dirty="0" smtClean="0"/>
+              <a:t>Zookeeper stays running if you have (n/2)+1 nodes still talking to each other</a:t>
+            </a:r>
+          </a:p>
+          <a:p>
+            <a:pPr lvl="1"/>
+            <a:r>
+              <a:rPr lang="en-US" dirty="0" smtClean="0"/>
+              <a:t>Run 5 nodes, not 3 nodes</a:t>
+            </a:r>
+          </a:p>
+          <a:p>
+            <a:pPr lvl="1"/>
+            <a:endParaRPr lang="en-US" dirty="0"/>
+          </a:p>
+          <a:p>
+            <a:r>
+              <a:rPr lang="en-US" dirty="0" smtClean="0"/>
+              <a:t>Kafka Clusters</a:t>
+            </a:r>
+          </a:p>
+          <a:p>
+            <a:pPr lvl="1"/>
+            <a:r>
+              <a:rPr lang="en-US" dirty="0" smtClean="0"/>
+              <a:t>Run at least as many Kafka brokers in a cluster as you want replicas, plus one</a:t>
+            </a:r>
+          </a:p>
+          <a:p>
+            <a:pPr lvl="1"/>
+            <a:r>
+              <a:rPr lang="en-US" dirty="0" smtClean="0"/>
+              <a:t>For most applications, replication factor 2 is sufficient</a:t>
+            </a:r>
+          </a:p>
+          <a:p>
+            <a:pPr lvl="1"/>
+            <a:r>
+              <a:rPr lang="en-US" dirty="0" smtClean="0"/>
+              <a:t>For “no data loss”, replication factor of 3 or more is required</a:t>
+            </a:r>
+          </a:p>
+          <a:p>
+            <a:pPr lvl="1"/>
+            <a:r>
+              <a:rPr lang="en-US" dirty="0" smtClean="0"/>
+              <a:t>The RF will determine the number of broker failures you can suffer</a:t>
+            </a:r>
+          </a:p>
+          <a:p>
+            <a:pPr lvl="1"/>
+            <a:endParaRPr lang="en-US" dirty="0"/>
+          </a:p>
+          <a:p>
+            <a:r>
+              <a:rPr lang="en-US" dirty="0" smtClean="0"/>
+              <a:t>Spread out to multiple racks (or the equivalent)</a:t>
+            </a:r>
+            <a:endParaRPr lang="en-US" dirty="0"/>
           </a:p>
         </p:txBody>
       </p:sp>
@@ -22724,7 +22780,7 @@
     </p:spTree>
     <p:extLst>
       <p:ext uri="{BB962C8B-B14F-4D97-AF65-F5344CB8AC3E}">
-        <p14:creationId xmlns:p14="http://schemas.microsoft.com/office/powerpoint/2010/main" val="3293892772"/>
+        <p14:creationId xmlns:p14="http://schemas.microsoft.com/office/powerpoint/2010/main" val="413088631"/>
       </p:ext>
     </p:extLst>
   </p:cSld>
@@ -22768,7 +22824,7 @@
           <a:p>
             <a:r>
               <a:rPr lang="en-US" dirty="0" smtClean="0"/>
-              <a:t>More Talks</a:t>
+              <a:t>Resources</a:t>
             </a:r>
             <a:endParaRPr lang="en-US" dirty="0"/>
           </a:p>
@@ -22776,12 +22832,12 @@
       </p:sp>
       <p:sp>
         <p:nvSpPr>
-          <p:cNvPr id="3" name="Content Placeholder 2"/>
+          <p:cNvPr id="3" name="Text Placeholder 2"/>
           <p:cNvSpPr>
             <a:spLocks noGrp="1"/>
           </p:cNvSpPr>
           <p:nvPr>
-            <p:ph idx="1"/>
+            <p:ph type="body" idx="1"/>
           </p:nvPr>
         </p:nvSpPr>
         <p:spPr/>
@@ -22789,121 +22845,7 @@
           <a:bodyPr/>
           <a:lstStyle/>
           <a:p>
-            <a:r>
-              <a:rPr lang="en-US" dirty="0" err="1" smtClean="0"/>
-              <a:t>ApacheCon</a:t>
-            </a:r>
-            <a:r>
-              <a:rPr lang="en-US" dirty="0" smtClean="0"/>
-              <a:t> 2014: Kafka as a Service</a:t>
-            </a:r>
-          </a:p>
-          <a:p>
-            <a:pPr lvl="1"/>
-            <a:r>
-              <a:rPr lang="en-US" dirty="0" smtClean="0"/>
-              <a:t>Presentation </a:t>
-            </a:r>
-            <a:r>
-              <a:rPr lang="en-US" dirty="0"/>
-              <a:t>– </a:t>
-            </a:r>
-            <a:r>
-              <a:rPr lang="en-US" dirty="0">
-                <a:hlinkClick r:id="rId2"/>
-              </a:rPr>
-              <a:t>http://www.slideshare.net/ToddPalino/enterprise-kafka-kafka-as-a-</a:t>
-            </a:r>
-            <a:r>
-              <a:rPr lang="en-US" dirty="0" smtClean="0">
-                <a:hlinkClick r:id="rId2"/>
-              </a:rPr>
-              <a:t>service</a:t>
-            </a:r>
-            <a:endParaRPr lang="en-US" dirty="0" smtClean="0"/>
-          </a:p>
-          <a:p>
-            <a:pPr lvl="1"/>
-            <a:r>
-              <a:rPr lang="en-US" dirty="0"/>
-              <a:t>YouTube –</a:t>
-            </a:r>
-            <a:r>
-              <a:rPr lang="en-US" dirty="0" smtClean="0"/>
-              <a:t> </a:t>
-            </a:r>
-            <a:r>
-              <a:rPr lang="en-US" dirty="0">
-                <a:hlinkClick r:id="rId3"/>
-              </a:rPr>
-              <a:t>https://www.youtube.com/watch?v=7dkSze52i-</a:t>
-            </a:r>
-            <a:r>
-              <a:rPr lang="en-US" dirty="0" smtClean="0">
-                <a:hlinkClick r:id="rId3"/>
-              </a:rPr>
-              <a:t>o</a:t>
-            </a:r>
-            <a:endParaRPr lang="en-US" dirty="0" smtClean="0"/>
-          </a:p>
-          <a:p>
-            <a:pPr lvl="1"/>
-            <a:endParaRPr lang="en-US" dirty="0" smtClean="0"/>
-          </a:p>
-          <a:p>
-            <a:r>
-              <a:rPr lang="en-US" dirty="0" err="1" smtClean="0"/>
-              <a:t>ApacheCon</a:t>
-            </a:r>
-            <a:r>
-              <a:rPr lang="en-US" dirty="0" smtClean="0"/>
-              <a:t> 2015: Kafka at Scale: Multi-Tier Architectures</a:t>
-            </a:r>
-          </a:p>
-          <a:p>
-            <a:pPr lvl="1"/>
-            <a:r>
-              <a:rPr lang="en-US" dirty="0"/>
-              <a:t>Presentation - </a:t>
-            </a:r>
-            <a:r>
-              <a:rPr lang="en-US" dirty="0">
-                <a:hlinkClick r:id="rId4"/>
-              </a:rPr>
-              <a:t>http://www.slideshare.net/ToddPalino/kafka-at-scale-multitier-</a:t>
-            </a:r>
-            <a:r>
-              <a:rPr lang="en-US" dirty="0" smtClean="0">
-                <a:hlinkClick r:id="rId4"/>
-              </a:rPr>
-              <a:t>architectures</a:t>
-            </a:r>
-            <a:endParaRPr lang="en-US" dirty="0" smtClean="0"/>
-          </a:p>
-          <a:p>
-            <a:endParaRPr lang="en-US" dirty="0" smtClean="0"/>
-          </a:p>
-          <a:p>
-            <a:r>
-              <a:rPr lang="en-US" dirty="0" smtClean="0"/>
-              <a:t>Tuning Kafka for Fun and Profit</a:t>
-            </a:r>
-          </a:p>
-          <a:p>
-            <a:pPr lvl="1"/>
-            <a:r>
-              <a:rPr lang="en-US" dirty="0">
-                <a:hlinkClick r:id="rId5"/>
-              </a:rPr>
-              <a:t>http://www.slideshare.net/ToddPalino/tuning-kafka-for-fun-and-</a:t>
-            </a:r>
-            <a:r>
-              <a:rPr lang="en-US" dirty="0" smtClean="0">
-                <a:hlinkClick r:id="rId5"/>
-              </a:rPr>
-              <a:t>profit</a:t>
-            </a:r>
-            <a:endParaRPr lang="en-US" dirty="0" smtClean="0"/>
+            <a:endParaRPr lang="en-US"/>
           </a:p>
         </p:txBody>
       </p:sp>
@@ -22934,7 +22876,7 @@
     </p:spTree>
     <p:extLst>
       <p:ext uri="{BB962C8B-B14F-4D97-AF65-F5344CB8AC3E}">
-        <p14:creationId xmlns:p14="http://schemas.microsoft.com/office/powerpoint/2010/main" val="2778809391"/>
+        <p14:creationId xmlns:p14="http://schemas.microsoft.com/office/powerpoint/2010/main" val="3293892772"/>
       </p:ext>
     </p:extLst>
   </p:cSld>
@@ -22978,7 +22920,7 @@
           <a:p>
             <a:r>
               <a:rPr lang="en-US" dirty="0" smtClean="0"/>
-              <a:t>Before We Start</a:t>
+              <a:t>Schedule</a:t>
             </a:r>
             <a:endParaRPr lang="en-US" dirty="0"/>
           </a:p>
@@ -23001,55 +22943,53 @@
           <a:p>
             <a:r>
               <a:rPr lang="en-US" dirty="0" smtClean="0"/>
-              <a:t>Make sure you have Java 8 </a:t>
-            </a:r>
-            <a:r>
-              <a:rPr lang="en-US" dirty="0" smtClean="0"/>
-              <a:t>installed</a:t>
+              <a:t>Tutorial, Part the First</a:t>
             </a:r>
           </a:p>
           <a:p>
             <a:pPr lvl="1"/>
             <a:r>
               <a:rPr lang="en-US" dirty="0" smtClean="0"/>
-              <a:t>Java 7 will work for now</a:t>
+              <a:t>9:00 AM to 10:30 AM</a:t>
+            </a:r>
+          </a:p>
+          <a:p>
+            <a:endParaRPr lang="en-US" dirty="0"/>
+          </a:p>
+          <a:p>
+            <a:r>
+              <a:rPr lang="en-US" dirty="0" smtClean="0"/>
+              <a:t>Break</a:t>
             </a:r>
           </a:p>
           <a:p>
             <a:pPr lvl="1"/>
             <a:r>
               <a:rPr lang="en-US" dirty="0" smtClean="0"/>
-              <a:t>Java 6 may be OK, but I won’t guarantee it</a:t>
-            </a:r>
+              <a:t>10:30 AM to 11:00 AM</a:t>
+            </a:r>
+          </a:p>
+          <a:p>
+            <a:endParaRPr lang="en-US" dirty="0"/>
+          </a:p>
+          <a:p>
+            <a:r>
+              <a:rPr lang="en-US" dirty="0" smtClean="0"/>
+              <a:t>Tutorial, the Thrilling Conclusion</a:t>
+            </a:r>
+          </a:p>
+          <a:p>
+            <a:pPr lvl="1"/>
+            <a:r>
+              <a:rPr lang="en-US" dirty="0" smtClean="0"/>
+              <a:t>11:00 AM to 12:30 PM</a:t>
+            </a:r>
+          </a:p>
+          <a:p>
+            <a:pPr lvl="1"/>
             <a:endParaRPr lang="en-US" dirty="0" smtClean="0"/>
           </a:p>
           <a:p>
-            <a:endParaRPr lang="en-US" dirty="0"/>
-          </a:p>
-          <a:p>
-            <a:r>
-              <a:rPr lang="en-US" dirty="0" smtClean="0"/>
-              <a:t>Also make sure you have the JAVA_HOME environment variable set properly in your .profile (or local variant)</a:t>
-            </a:r>
-          </a:p>
-          <a:p>
-            <a:endParaRPr lang="en-US" dirty="0"/>
-          </a:p>
-          <a:p>
-            <a:r>
-              <a:rPr lang="en-US" dirty="0" smtClean="0"/>
-              <a:t>You will not need root privileges</a:t>
-            </a:r>
-          </a:p>
-          <a:p>
-            <a:pPr lvl="1"/>
-            <a:r>
-              <a:rPr lang="en-US" dirty="0" smtClean="0"/>
-              <a:t>We’ll be using your home directory, and high numbered TCP ports</a:t>
-            </a:r>
-          </a:p>
-          <a:p>
-            <a:pPr lvl="1"/>
             <a:endParaRPr lang="en-US" dirty="0"/>
           </a:p>
         </p:txBody>
@@ -23081,7 +23021,7 @@
     </p:spTree>
     <p:extLst>
       <p:ext uri="{BB962C8B-B14F-4D97-AF65-F5344CB8AC3E}">
-        <p14:creationId xmlns:p14="http://schemas.microsoft.com/office/powerpoint/2010/main" val="1170798992"/>
+        <p14:creationId xmlns:p14="http://schemas.microsoft.com/office/powerpoint/2010/main" val="2241724593"/>
       </p:ext>
     </p:extLst>
   </p:cSld>
@@ -23132,6 +23072,216 @@
           <a:p>
             <a:r>
               <a:rPr lang="en-US" dirty="0" smtClean="0"/>
+              <a:t>More Talks</a:t>
+            </a:r>
+            <a:endParaRPr lang="en-US" dirty="0"/>
+          </a:p>
+        </p:txBody>
+      </p:sp>
+      <p:sp>
+        <p:nvSpPr>
+          <p:cNvPr id="3" name="Content Placeholder 2"/>
+          <p:cNvSpPr>
+            <a:spLocks noGrp="1"/>
+          </p:cNvSpPr>
+          <p:nvPr>
+            <p:ph idx="1"/>
+          </p:nvPr>
+        </p:nvSpPr>
+        <p:spPr/>
+        <p:txBody>
+          <a:bodyPr/>
+          <a:lstStyle/>
+          <a:p>
+            <a:r>
+              <a:rPr lang="en-US" dirty="0" err="1" smtClean="0"/>
+              <a:t>ApacheCon</a:t>
+            </a:r>
+            <a:r>
+              <a:rPr lang="en-US" dirty="0" smtClean="0"/>
+              <a:t> 2014: Kafka as a Service</a:t>
+            </a:r>
+          </a:p>
+          <a:p>
+            <a:pPr lvl="1"/>
+            <a:r>
+              <a:rPr lang="en-US" dirty="0" smtClean="0"/>
+              <a:t>Presentation </a:t>
+            </a:r>
+            <a:r>
+              <a:rPr lang="en-US" dirty="0"/>
+              <a:t>– </a:t>
+            </a:r>
+            <a:r>
+              <a:rPr lang="en-US" dirty="0">
+                <a:hlinkClick r:id="rId2"/>
+              </a:rPr>
+              <a:t>http://www.slideshare.net/ToddPalino/enterprise-kafka-kafka-as-a-</a:t>
+            </a:r>
+            <a:r>
+              <a:rPr lang="en-US" dirty="0" smtClean="0">
+                <a:hlinkClick r:id="rId2"/>
+              </a:rPr>
+              <a:t>service</a:t>
+            </a:r>
+            <a:endParaRPr lang="en-US" dirty="0" smtClean="0"/>
+          </a:p>
+          <a:p>
+            <a:pPr lvl="1"/>
+            <a:r>
+              <a:rPr lang="en-US" dirty="0"/>
+              <a:t>YouTube –</a:t>
+            </a:r>
+            <a:r>
+              <a:rPr lang="en-US" dirty="0" smtClean="0"/>
+              <a:t> </a:t>
+            </a:r>
+            <a:r>
+              <a:rPr lang="en-US" dirty="0">
+                <a:hlinkClick r:id="rId3"/>
+              </a:rPr>
+              <a:t>https://www.youtube.com/watch?v=7dkSze52i-</a:t>
+            </a:r>
+            <a:r>
+              <a:rPr lang="en-US" dirty="0" smtClean="0">
+                <a:hlinkClick r:id="rId3"/>
+              </a:rPr>
+              <a:t>o</a:t>
+            </a:r>
+            <a:endParaRPr lang="en-US" dirty="0" smtClean="0"/>
+          </a:p>
+          <a:p>
+            <a:pPr lvl="1"/>
+            <a:endParaRPr lang="en-US" dirty="0" smtClean="0"/>
+          </a:p>
+          <a:p>
+            <a:r>
+              <a:rPr lang="en-US" dirty="0" err="1" smtClean="0"/>
+              <a:t>ApacheCon</a:t>
+            </a:r>
+            <a:r>
+              <a:rPr lang="en-US" dirty="0" smtClean="0"/>
+              <a:t> 2015: Kafka at Scale: Multi-Tier Architectures</a:t>
+            </a:r>
+          </a:p>
+          <a:p>
+            <a:pPr lvl="1"/>
+            <a:r>
+              <a:rPr lang="en-US" dirty="0"/>
+              <a:t>Presentation - </a:t>
+            </a:r>
+            <a:r>
+              <a:rPr lang="en-US" dirty="0">
+                <a:hlinkClick r:id="rId4"/>
+              </a:rPr>
+              <a:t>http://www.slideshare.net/ToddPalino/kafka-at-scale-multitier-</a:t>
+            </a:r>
+            <a:r>
+              <a:rPr lang="en-US" dirty="0" smtClean="0">
+                <a:hlinkClick r:id="rId4"/>
+              </a:rPr>
+              <a:t>architectures</a:t>
+            </a:r>
+            <a:endParaRPr lang="en-US" dirty="0" smtClean="0"/>
+          </a:p>
+          <a:p>
+            <a:endParaRPr lang="en-US" dirty="0" smtClean="0"/>
+          </a:p>
+          <a:p>
+            <a:r>
+              <a:rPr lang="en-US" dirty="0" smtClean="0"/>
+              <a:t>Tuning Kafka for Fun and Profit</a:t>
+            </a:r>
+          </a:p>
+          <a:p>
+            <a:pPr lvl="1"/>
+            <a:r>
+              <a:rPr lang="en-US" dirty="0">
+                <a:hlinkClick r:id="rId5"/>
+              </a:rPr>
+              <a:t>http://www.slideshare.net/ToddPalino/tuning-kafka-for-fun-and-</a:t>
+            </a:r>
+            <a:r>
+              <a:rPr lang="en-US" dirty="0" smtClean="0">
+                <a:hlinkClick r:id="rId5"/>
+              </a:rPr>
+              <a:t>profit</a:t>
+            </a:r>
+            <a:endParaRPr lang="en-US" dirty="0" smtClean="0"/>
+          </a:p>
+        </p:txBody>
+      </p:sp>
+      <p:sp>
+        <p:nvSpPr>
+          <p:cNvPr id="4" name="Slide Number Placeholder 3"/>
+          <p:cNvSpPr>
+            <a:spLocks noGrp="1"/>
+          </p:cNvSpPr>
+          <p:nvPr>
+            <p:ph type="sldNum" sz="quarter" idx="10"/>
+          </p:nvPr>
+        </p:nvSpPr>
+        <p:spPr/>
+        <p:txBody>
+          <a:bodyPr/>
+          <a:lstStyle/>
+          <a:p>
+            <a:fld id="{75897B0D-BA2C-2244-86F3-025175B80EAC}" type="slidenum">
+              <a:rPr lang="en-US" smtClean="0"/>
+              <a:pPr/>
+              <a:t>50</a:t>
+            </a:fld>
+            <a:endParaRPr lang="en-US" dirty="0"/>
+          </a:p>
+        </p:txBody>
+      </p:sp>
+    </p:spTree>
+    <p:extLst>
+      <p:ext uri="{BB962C8B-B14F-4D97-AF65-F5344CB8AC3E}">
+        <p14:creationId xmlns:p14="http://schemas.microsoft.com/office/powerpoint/2010/main" val="2778809391"/>
+      </p:ext>
+    </p:extLst>
+  </p:cSld>
+  <p:clrMapOvr>
+    <a:masterClrMapping/>
+  </p:clrMapOvr>
+</p:sld>
+</file>
+
+<file path=ppt/slides/slide51.xml><?xml version="1.0" encoding="utf-8"?>
+<p:sld xmlns:a="http://schemas.openxmlformats.org/drawingml/2006/main" xmlns:r="http://schemas.openxmlformats.org/officeDocument/2006/relationships" xmlns:p="http://schemas.openxmlformats.org/presentationml/2006/main">
+  <p:cSld>
+    <p:spTree>
+      <p:nvGrpSpPr>
+        <p:cNvPr id="1" name=""/>
+        <p:cNvGrpSpPr/>
+        <p:nvPr/>
+      </p:nvGrpSpPr>
+      <p:grpSpPr>
+        <a:xfrm>
+          <a:off x="0" y="0"/>
+          <a:ext cx="0" cy="0"/>
+          <a:chOff x="0" y="0"/>
+          <a:chExt cx="0" cy="0"/>
+        </a:xfrm>
+      </p:grpSpPr>
+      <p:sp>
+        <p:nvSpPr>
+          <p:cNvPr id="2" name="Title 1"/>
+          <p:cNvSpPr>
+            <a:spLocks noGrp="1"/>
+          </p:cNvSpPr>
+          <p:nvPr>
+            <p:ph type="title"/>
+          </p:nvPr>
+        </p:nvSpPr>
+        <p:spPr/>
+        <p:txBody>
+          <a:bodyPr/>
+          <a:lstStyle/>
+          <a:p>
+            <a:r>
+              <a:rPr lang="en-US" dirty="0" smtClean="0"/>
               <a:t>Getting Involved With Kafka</a:t>
             </a:r>
             <a:endParaRPr lang="en-US" dirty="0"/>
@@ -23319,7 +23469,7 @@
             <a:fld id="{75897B0D-BA2C-2244-86F3-025175B80EAC}" type="slidenum">
               <a:rPr lang="en-US" smtClean="0"/>
               <a:pPr/>
-              <a:t>50</a:t>
+              <a:t>51</a:t>
             </a:fld>
             <a:endParaRPr lang="en-US" dirty="0"/>
           </a:p>
@@ -23774,7 +23924,7 @@
           <a:p>
             <a:r>
               <a:rPr lang="en-US" dirty="0" smtClean="0"/>
-              <a:t>Who Do You Think You Are?</a:t>
+              <a:t>Before We Start</a:t>
             </a:r>
             <a:endParaRPr lang="en-US" dirty="0"/>
           </a:p>
@@ -23797,7 +23947,21 @@
           <a:p>
             <a:r>
               <a:rPr lang="en-US" dirty="0" smtClean="0"/>
-              <a:t>Staff Site Reliability Engineer for Kafka at LinkedIn</a:t>
+              <a:t>Make sure you have Java 8 installed</a:t>
+            </a:r>
+          </a:p>
+          <a:p>
+            <a:pPr lvl="1"/>
+            <a:r>
+              <a:rPr lang="en-US" dirty="0" smtClean="0"/>
+              <a:t>Java 7 will work for now</a:t>
+            </a:r>
+          </a:p>
+          <a:p>
+            <a:pPr lvl="1"/>
+            <a:r>
+              <a:rPr lang="en-US" dirty="0" smtClean="0"/>
+              <a:t>Java 6 may be OK, but I won’t guarantee it</a:t>
             </a:r>
           </a:p>
           <a:p>
@@ -23806,46 +23970,27 @@
           <a:p>
             <a:r>
               <a:rPr lang="en-US" dirty="0" smtClean="0"/>
-              <a:t>LinkedIn pushes a lot of data around</a:t>
+              <a:t>Also make sure you have the JAVA_HOME environment variable set properly in your .profile (or local variant)</a:t>
+            </a:r>
+          </a:p>
+          <a:p>
+            <a:endParaRPr lang="en-US" dirty="0"/>
+          </a:p>
+          <a:p>
+            <a:r>
+              <a:rPr lang="en-US" dirty="0" smtClean="0"/>
+              <a:t>You will not need root privileges</a:t>
             </a:r>
           </a:p>
           <a:p>
             <a:pPr lvl="1"/>
             <a:r>
               <a:rPr lang="en-US" dirty="0" smtClean="0"/>
-              <a:t>Over 1 trillion messages a day written to Kafka</a:t>
+              <a:t>We’ll be using your home directory, and high numbered TCP ports</a:t>
             </a:r>
           </a:p>
           <a:p>
             <a:pPr lvl="1"/>
-            <a:r>
-              <a:rPr lang="en-US" dirty="0" smtClean="0"/>
-              <a:t>Approaching 1 petabyte a day read out of Kafka</a:t>
-            </a:r>
-          </a:p>
-          <a:p>
-            <a:pPr lvl="1"/>
-            <a:endParaRPr lang="en-US" dirty="0" smtClean="0"/>
-          </a:p>
-          <a:p>
-            <a:r>
-              <a:rPr lang="en-US" dirty="0" smtClean="0"/>
-              <a:t>We run a lot of Kafka</a:t>
-            </a:r>
-          </a:p>
-          <a:p>
-            <a:pPr lvl="1"/>
-            <a:r>
-              <a:rPr lang="en-US" dirty="0" smtClean="0"/>
-              <a:t>Over 75 clusters, in 10 different fabrics</a:t>
-            </a:r>
-          </a:p>
-          <a:p>
-            <a:pPr lvl="1"/>
-            <a:r>
-              <a:rPr lang="en-US" dirty="0" smtClean="0"/>
-              <a:t>Over 1300 Kafka brokers, each with at least 6.5 TB of useable storage</a:t>
-            </a:r>
             <a:endParaRPr lang="en-US" dirty="0"/>
           </a:p>
         </p:txBody>
@@ -23869,6 +24014,160 @@
               <a:rPr lang="en-US" smtClean="0"/>
               <a:pPr/>
               <a:t>6</a:t>
+            </a:fld>
+            <a:endParaRPr lang="en-US" dirty="0"/>
+          </a:p>
+        </p:txBody>
+      </p:sp>
+    </p:spTree>
+    <p:extLst>
+      <p:ext uri="{BB962C8B-B14F-4D97-AF65-F5344CB8AC3E}">
+        <p14:creationId xmlns:p14="http://schemas.microsoft.com/office/powerpoint/2010/main" val="1170798992"/>
+      </p:ext>
+    </p:extLst>
+  </p:cSld>
+  <p:clrMapOvr>
+    <a:masterClrMapping/>
+  </p:clrMapOvr>
+  <p:timing>
+    <p:tnLst>
+      <p:par>
+        <p:cTn xmlns:p14="http://schemas.microsoft.com/office/powerpoint/2010/main" id="1" dur="indefinite" restart="never" nodeType="tmRoot"/>
+      </p:par>
+    </p:tnLst>
+  </p:timing>
+</p:sld>
+</file>
+
+<file path=ppt/slides/slide7.xml><?xml version="1.0" encoding="utf-8"?>
+<p:sld xmlns:a="http://schemas.openxmlformats.org/drawingml/2006/main" xmlns:r="http://schemas.openxmlformats.org/officeDocument/2006/relationships" xmlns:p="http://schemas.openxmlformats.org/presentationml/2006/main">
+  <p:cSld>
+    <p:spTree>
+      <p:nvGrpSpPr>
+        <p:cNvPr id="1" name=""/>
+        <p:cNvGrpSpPr/>
+        <p:nvPr/>
+      </p:nvGrpSpPr>
+      <p:grpSpPr>
+        <a:xfrm>
+          <a:off x="0" y="0"/>
+          <a:ext cx="0" cy="0"/>
+          <a:chOff x="0" y="0"/>
+          <a:chExt cx="0" cy="0"/>
+        </a:xfrm>
+      </p:grpSpPr>
+      <p:sp>
+        <p:nvSpPr>
+          <p:cNvPr id="2" name="Title 1"/>
+          <p:cNvSpPr>
+            <a:spLocks noGrp="1"/>
+          </p:cNvSpPr>
+          <p:nvPr>
+            <p:ph type="title"/>
+          </p:nvPr>
+        </p:nvSpPr>
+        <p:spPr/>
+        <p:txBody>
+          <a:bodyPr/>
+          <a:lstStyle/>
+          <a:p>
+            <a:r>
+              <a:rPr lang="en-US" dirty="0" smtClean="0"/>
+              <a:t>Who Do You Think You Are?</a:t>
+            </a:r>
+            <a:endParaRPr lang="en-US" dirty="0"/>
+          </a:p>
+        </p:txBody>
+      </p:sp>
+      <p:sp>
+        <p:nvSpPr>
+          <p:cNvPr id="3" name="Content Placeholder 2"/>
+          <p:cNvSpPr>
+            <a:spLocks noGrp="1"/>
+          </p:cNvSpPr>
+          <p:nvPr>
+            <p:ph idx="1"/>
+          </p:nvPr>
+        </p:nvSpPr>
+        <p:spPr/>
+        <p:txBody>
+          <a:bodyPr/>
+          <a:lstStyle/>
+          <a:p>
+            <a:r>
+              <a:rPr lang="en-US" dirty="0" smtClean="0"/>
+              <a:t>Staff Site Reliability Engineer for Kafka at LinkedIn</a:t>
+            </a:r>
+          </a:p>
+          <a:p>
+            <a:endParaRPr lang="en-US" dirty="0"/>
+          </a:p>
+          <a:p>
+            <a:r>
+              <a:rPr lang="en-US" dirty="0" smtClean="0"/>
+              <a:t>LinkedIn pushes a lot of data around</a:t>
+            </a:r>
+          </a:p>
+          <a:p>
+            <a:pPr lvl="1"/>
+            <a:r>
+              <a:rPr lang="en-US" dirty="0" smtClean="0"/>
+              <a:t>Over 1 trillion messages a day written to Kafka</a:t>
+            </a:r>
+          </a:p>
+          <a:p>
+            <a:pPr lvl="1"/>
+            <a:r>
+              <a:rPr lang="en-US" dirty="0" smtClean="0"/>
+              <a:t>Approaching 1 petabyte a day read out of Kafka</a:t>
+            </a:r>
+          </a:p>
+          <a:p>
+            <a:pPr lvl="1"/>
+            <a:endParaRPr lang="en-US" dirty="0" smtClean="0"/>
+          </a:p>
+          <a:p>
+            <a:r>
+              <a:rPr lang="en-US" dirty="0" smtClean="0"/>
+              <a:t>We run a lot of Kafka</a:t>
+            </a:r>
+          </a:p>
+          <a:p>
+            <a:pPr lvl="1"/>
+            <a:r>
+              <a:rPr lang="en-US" dirty="0" smtClean="0"/>
+              <a:t>Over 75 clusters, in 10 different fabrics</a:t>
+            </a:r>
+          </a:p>
+          <a:p>
+            <a:pPr lvl="1"/>
+            <a:r>
+              <a:rPr lang="en-US" dirty="0" smtClean="0"/>
+              <a:t>Over 1300 Kafka brokers, each with at least 6.5 TB of useable storage</a:t>
+            </a:r>
+            <a:endParaRPr lang="en-US" dirty="0"/>
+          </a:p>
+        </p:txBody>
+      </p:sp>
+      <p:sp>
+        <p:nvSpPr>
+          <p:cNvPr id="4" name="Slide Number Placeholder 3"/>
+          <p:cNvSpPr>
+            <a:spLocks noGrp="1"/>
+          </p:cNvSpPr>
+          <p:nvPr>
+            <p:ph type="sldNum" sz="quarter" idx="10"/>
+          </p:nvPr>
+        </p:nvSpPr>
+        <p:spPr/>
+        <p:txBody>
+          <a:bodyPr/>
+          <a:lstStyle/>
+          <a:p>
+            <a:fld id="{75897B0D-BA2C-2244-86F3-025175B80EAC}" type="slidenum">
+              <a:rPr lang="en-US" smtClean="0"/>
+              <a:pPr/>
+              <a:t>7</a:t>
             </a:fld>
             <a:endParaRPr lang="en-US" dirty="0"/>
           </a:p>
@@ -24191,109 +24490,6 @@
 </p:sld>
 </file>
 
-<file path=ppt/slides/slide7.xml><?xml version="1.0" encoding="utf-8"?>
-<p:sld xmlns:a="http://schemas.openxmlformats.org/drawingml/2006/main" xmlns:r="http://schemas.openxmlformats.org/officeDocument/2006/relationships" xmlns:p="http://schemas.openxmlformats.org/presentationml/2006/main">
-  <p:cSld>
-    <p:spTree>
-      <p:nvGrpSpPr>
-        <p:cNvPr id="1" name=""/>
-        <p:cNvGrpSpPr/>
-        <p:nvPr/>
-      </p:nvGrpSpPr>
-      <p:grpSpPr>
-        <a:xfrm>
-          <a:off x="0" y="0"/>
-          <a:ext cx="0" cy="0"/>
-          <a:chOff x="0" y="0"/>
-          <a:chExt cx="0" cy="0"/>
-        </a:xfrm>
-      </p:grpSpPr>
-      <p:sp>
-        <p:nvSpPr>
-          <p:cNvPr id="2" name="Title 1"/>
-          <p:cNvSpPr>
-            <a:spLocks noGrp="1"/>
-          </p:cNvSpPr>
-          <p:nvPr>
-            <p:ph type="title"/>
-          </p:nvPr>
-        </p:nvSpPr>
-        <p:spPr/>
-        <p:txBody>
-          <a:bodyPr/>
-          <a:lstStyle/>
-          <a:p>
-            <a:r>
-              <a:rPr lang="en-US" dirty="0" smtClean="0"/>
-              <a:t>Apache Zookeeper</a:t>
-            </a:r>
-            <a:endParaRPr lang="en-US" dirty="0"/>
-          </a:p>
-        </p:txBody>
-      </p:sp>
-      <p:sp>
-        <p:nvSpPr>
-          <p:cNvPr id="3" name="Text Placeholder 2"/>
-          <p:cNvSpPr>
-            <a:spLocks noGrp="1"/>
-          </p:cNvSpPr>
-          <p:nvPr>
-            <p:ph type="body" idx="1"/>
-          </p:nvPr>
-        </p:nvSpPr>
-        <p:spPr/>
-        <p:txBody>
-          <a:bodyPr/>
-          <a:lstStyle/>
-          <a:p>
-            <a:endParaRPr lang="en-US"/>
-          </a:p>
-        </p:txBody>
-      </p:sp>
-      <p:sp>
-        <p:nvSpPr>
-          <p:cNvPr id="4" name="Slide Number Placeholder 3"/>
-          <p:cNvSpPr>
-            <a:spLocks noGrp="1"/>
-          </p:cNvSpPr>
-          <p:nvPr>
-            <p:ph type="sldNum" sz="quarter" idx="10"/>
-          </p:nvPr>
-        </p:nvSpPr>
-        <p:spPr/>
-        <p:txBody>
-          <a:bodyPr/>
-          <a:lstStyle/>
-          <a:p>
-            <a:fld id="{75897B0D-BA2C-2244-86F3-025175B80EAC}" type="slidenum">
-              <a:rPr lang="en-US" smtClean="0"/>
-              <a:pPr/>
-              <a:t>7</a:t>
-            </a:fld>
-            <a:endParaRPr lang="en-US" dirty="0"/>
-          </a:p>
-        </p:txBody>
-      </p:sp>
-    </p:spTree>
-    <p:extLst>
-      <p:ext uri="{BB962C8B-B14F-4D97-AF65-F5344CB8AC3E}">
-        <p14:creationId xmlns:p14="http://schemas.microsoft.com/office/powerpoint/2010/main" val="2197708550"/>
-      </p:ext>
-    </p:extLst>
-  </p:cSld>
-  <p:clrMapOvr>
-    <a:masterClrMapping/>
-  </p:clrMapOvr>
-  <p:timing>
-    <p:tnLst>
-      <p:par>
-        <p:cTn xmlns:p14="http://schemas.microsoft.com/office/powerpoint/2010/main" id="1" dur="indefinite" restart="never" nodeType="tmRoot"/>
-      </p:par>
-    </p:tnLst>
-  </p:timing>
-</p:sld>
-</file>
-
 <file path=ppt/slides/slide8.xml><?xml version="1.0" encoding="utf-8"?>
 <p:sld xmlns:a="http://schemas.openxmlformats.org/drawingml/2006/main" xmlns:r="http://schemas.openxmlformats.org/officeDocument/2006/relationships" xmlns:p="http://schemas.openxmlformats.org/presentationml/2006/main">
   <p:cSld>
@@ -24336,12 +24532,12 @@
       </p:sp>
       <p:sp>
         <p:nvSpPr>
-          <p:cNvPr id="3" name="Content Placeholder 2"/>
+          <p:cNvPr id="3" name="Text Placeholder 2"/>
           <p:cNvSpPr>
             <a:spLocks noGrp="1"/>
           </p:cNvSpPr>
           <p:nvPr>
-            <p:ph idx="1"/>
+            <p:ph type="body" idx="1"/>
           </p:nvPr>
         </p:nvSpPr>
         <p:spPr/>
@@ -24349,57 +24545,7 @@
           <a:bodyPr/>
           <a:lstStyle/>
           <a:p>
-            <a:r>
-              <a:rPr lang="en-US" dirty="0" smtClean="0"/>
-              <a:t>Distributed coordination service</a:t>
-            </a:r>
-          </a:p>
-          <a:p>
-            <a:endParaRPr lang="en-US" dirty="0"/>
-          </a:p>
-          <a:p>
-            <a:r>
-              <a:rPr lang="en-US" dirty="0" smtClean="0"/>
-              <a:t>What does it have?</a:t>
-            </a:r>
-          </a:p>
-          <a:p>
-            <a:pPr lvl="1"/>
-            <a:r>
-              <a:rPr lang="en-US" dirty="0" smtClean="0"/>
-              <a:t>Hierarchical Namespace</a:t>
-            </a:r>
-          </a:p>
-          <a:p>
-            <a:pPr lvl="1"/>
-            <a:r>
-              <a:rPr lang="en-US" dirty="0" smtClean="0"/>
-              <a:t>Ordered Transactions</a:t>
-            </a:r>
-          </a:p>
-          <a:p>
-            <a:pPr lvl="1"/>
-            <a:r>
-              <a:rPr lang="en-US" dirty="0" smtClean="0"/>
-              <a:t>Ephemeral Nodes</a:t>
-            </a:r>
-          </a:p>
-          <a:p>
-            <a:pPr lvl="1"/>
-            <a:r>
-              <a:rPr lang="en-US" dirty="0" smtClean="0"/>
-              <a:t>Watches</a:t>
-            </a:r>
-          </a:p>
-          <a:p>
-            <a:pPr lvl="1"/>
-            <a:endParaRPr lang="en-US" dirty="0" smtClean="0"/>
-          </a:p>
-          <a:p>
-            <a:endParaRPr lang="en-US" dirty="0" smtClean="0"/>
-          </a:p>
-          <a:p>
-            <a:endParaRPr lang="en-US" dirty="0"/>
+            <a:endParaRPr lang="en-US"/>
           </a:p>
         </p:txBody>
       </p:sp>
@@ -24430,13 +24576,20 @@
     </p:spTree>
     <p:extLst>
       <p:ext uri="{BB962C8B-B14F-4D97-AF65-F5344CB8AC3E}">
-        <p14:creationId xmlns:p14="http://schemas.microsoft.com/office/powerpoint/2010/main" val="2931823474"/>
+        <p14:creationId xmlns:p14="http://schemas.microsoft.com/office/powerpoint/2010/main" val="2197708550"/>
       </p:ext>
     </p:extLst>
   </p:cSld>
   <p:clrMapOvr>
     <a:masterClrMapping/>
   </p:clrMapOvr>
+  <p:timing>
+    <p:tnLst>
+      <p:par>
+        <p:cTn xmlns:p14="http://schemas.microsoft.com/office/powerpoint/2010/main" id="1" dur="indefinite" restart="never" nodeType="tmRoot"/>
+      </p:par>
+    </p:tnLst>
+  </p:timing>
 </p:sld>
 </file>
 
@@ -24474,7 +24627,7 @@
           <a:p>
             <a:r>
               <a:rPr lang="en-US" dirty="0" smtClean="0"/>
-              <a:t>What is Zookeeper NOT?</a:t>
+              <a:t>Apache Zookeeper</a:t>
             </a:r>
             <a:endParaRPr lang="en-US" dirty="0"/>
           </a:p>
@@ -24497,61 +24650,54 @@
           <a:p>
             <a:r>
               <a:rPr lang="en-US" dirty="0" smtClean="0"/>
-              <a:t>Queue</a:t>
+              <a:t>Distributed coordination service</a:t>
+            </a:r>
+          </a:p>
+          <a:p>
+            <a:endParaRPr lang="en-US" dirty="0"/>
+          </a:p>
+          <a:p>
+            <a:r>
+              <a:rPr lang="en-US" dirty="0" smtClean="0"/>
+              <a:t>What does it have?</a:t>
             </a:r>
           </a:p>
           <a:p>
             <a:pPr lvl="1"/>
             <a:r>
               <a:rPr lang="en-US" dirty="0" smtClean="0"/>
-              <a:t>Yes, some people say you can do this</a:t>
+              <a:t>Hierarchical Namespace</a:t>
             </a:r>
           </a:p>
           <a:p>
             <a:pPr lvl="1"/>
             <a:r>
               <a:rPr lang="en-US" dirty="0" smtClean="0"/>
-              <a:t>Not tuned for this kind of use, and it can overwhelm ZK</a:t>
-            </a:r>
-          </a:p>
-          <a:p>
-            <a:endParaRPr lang="en-US" dirty="0"/>
-          </a:p>
-          <a:p>
-            <a:r>
-              <a:rPr lang="en-US" dirty="0" smtClean="0"/>
-              <a:t>Logging Service</a:t>
+              <a:t>Ordered Transactions</a:t>
             </a:r>
           </a:p>
           <a:p>
             <a:pPr lvl="1"/>
             <a:r>
               <a:rPr lang="en-US" dirty="0" smtClean="0"/>
-              <a:t>Sequential nodes are provided as part of Zookeeper</a:t>
+              <a:t>Ephemeral Nodes</a:t>
             </a:r>
           </a:p>
           <a:p>
             <a:pPr lvl="1"/>
             <a:r>
               <a:rPr lang="en-US" dirty="0" smtClean="0"/>
-              <a:t>Storing large amounts of data is not recommended</a:t>
-            </a:r>
-          </a:p>
-          <a:p>
-            <a:endParaRPr lang="en-US" dirty="0"/>
-          </a:p>
-          <a:p>
-            <a:r>
-              <a:rPr lang="en-US" dirty="0" smtClean="0"/>
-              <a:t>Large Data Store</a:t>
+              <a:t>Watches</a:t>
             </a:r>
           </a:p>
           <a:p>
             <a:pPr lvl="1"/>
-            <a:r>
-              <a:rPr lang="en-US" dirty="0" smtClean="0"/>
-              <a:t>Zookeeper nodes have a size limit (default 1 MB)</a:t>
-            </a:r>
+            <a:endParaRPr lang="en-US" dirty="0" smtClean="0"/>
+          </a:p>
+          <a:p>
+            <a:endParaRPr lang="en-US" dirty="0" smtClean="0"/>
+          </a:p>
+          <a:p>
             <a:endParaRPr lang="en-US" dirty="0"/>
           </a:p>
         </p:txBody>
@@ -24583,20 +24729,13 @@
     </p:spTree>
     <p:extLst>
       <p:ext uri="{BB962C8B-B14F-4D97-AF65-F5344CB8AC3E}">
-        <p14:creationId xmlns:p14="http://schemas.microsoft.com/office/powerpoint/2010/main" val="3661735509"/>
+        <p14:creationId xmlns:p14="http://schemas.microsoft.com/office/powerpoint/2010/main" val="2931823474"/>
       </p:ext>
     </p:extLst>
   </p:cSld>
   <p:clrMapOvr>
     <a:masterClrMapping/>
   </p:clrMapOvr>
-  <p:timing>
-    <p:tnLst>
-      <p:par>
-        <p:cTn xmlns:p14="http://schemas.microsoft.com/office/powerpoint/2010/main" id="1" dur="indefinite" restart="never" nodeType="tmRoot"/>
-      </p:par>
-    </p:tnLst>
-  </p:timing>
 </p:sld>
 </file>
 
